--- a/slide.pptx
+++ b/slide.pptx
@@ -4,16 +4,23 @@
   <p:sldMasterIdLst>
     <p:sldMasterId id="2147483648" r:id="rId1"/>
   </p:sldMasterIdLst>
+  <p:notesMasterIdLst>
+    <p:notesMasterId r:id="rId15"/>
+  </p:notesMasterIdLst>
   <p:sldIdLst>
     <p:sldId id="256" r:id="rId2"/>
     <p:sldId id="257" r:id="rId3"/>
     <p:sldId id="258" r:id="rId4"/>
     <p:sldId id="259" r:id="rId5"/>
     <p:sldId id="263" r:id="rId6"/>
-    <p:sldId id="264" r:id="rId7"/>
-    <p:sldId id="260" r:id="rId8"/>
-    <p:sldId id="261" r:id="rId9"/>
-    <p:sldId id="262" r:id="rId10"/>
+    <p:sldId id="267" r:id="rId7"/>
+    <p:sldId id="272" r:id="rId8"/>
+    <p:sldId id="260" r:id="rId9"/>
+    <p:sldId id="265" r:id="rId10"/>
+    <p:sldId id="266" r:id="rId11"/>
+    <p:sldId id="269" r:id="rId12"/>
+    <p:sldId id="261" r:id="rId13"/>
+    <p:sldId id="262" r:id="rId14"/>
   </p:sldIdLst>
   <p:sldSz cx="12192000" cy="6858000"/>
   <p:notesSz cx="6858000" cy="9144000"/>
@@ -112,7 +119,480 @@
       </a:defRPr>
     </a:lvl9pPr>
   </p:defaultTextStyle>
+  <p:extLst>
+    <p:ext uri="{EFAFB233-063F-42B5-8137-9DF3F51BA10A}">
+      <p15:sldGuideLst xmlns:p15="http://schemas.microsoft.com/office/powerpoint/2012/main"/>
+    </p:ext>
+  </p:extLst>
 </p:presentation>
+</file>
+
+<file path=ppt/notesMasters/notesMaster1.xml><?xml version="1.0" encoding="utf-8"?>
+<p:notesMaster xmlns:a="http://schemas.openxmlformats.org/drawingml/2006/main" xmlns:r="http://schemas.openxmlformats.org/officeDocument/2006/relationships" xmlns:p="http://schemas.openxmlformats.org/presentationml/2006/main">
+  <p:cSld>
+    <p:bg>
+      <p:bgRef idx="1001">
+        <a:schemeClr val="bg1"/>
+      </p:bgRef>
+    </p:bg>
+    <p:spTree>
+      <p:nvGrpSpPr>
+        <p:cNvPr id="1" name=""/>
+        <p:cNvGrpSpPr/>
+        <p:nvPr/>
+      </p:nvGrpSpPr>
+      <p:grpSpPr>
+        <a:xfrm>
+          <a:off x="0" y="0"/>
+          <a:ext cx="0" cy="0"/>
+          <a:chOff x="0" y="0"/>
+          <a:chExt cx="0" cy="0"/>
+        </a:xfrm>
+      </p:grpSpPr>
+      <p:sp>
+        <p:nvSpPr>
+          <p:cNvPr id="2" name="ヘッダー プレースホルダー 1"/>
+          <p:cNvSpPr>
+            <a:spLocks noGrp="1"/>
+          </p:cNvSpPr>
+          <p:nvPr>
+            <p:ph type="hdr" sz="quarter"/>
+          </p:nvPr>
+        </p:nvSpPr>
+        <p:spPr>
+          <a:xfrm>
+            <a:off x="0" y="0"/>
+            <a:ext cx="2971800" cy="458788"/>
+          </a:xfrm>
+          <a:prstGeom prst="rect">
+            <a:avLst/>
+          </a:prstGeom>
+        </p:spPr>
+        <p:txBody>
+          <a:bodyPr vert="horz" lIns="91440" tIns="45720" rIns="91440" bIns="45720" rtlCol="0"/>
+          <a:lstStyle>
+            <a:lvl1pPr algn="l">
+              <a:defRPr sz="1200"/>
+            </a:lvl1pPr>
+          </a:lstStyle>
+          <a:p>
+            <a:endParaRPr kumimoji="1" lang="ja-JP" altLang="en-US"/>
+          </a:p>
+        </p:txBody>
+      </p:sp>
+      <p:sp>
+        <p:nvSpPr>
+          <p:cNvPr id="3" name="日付プレースホルダー 2"/>
+          <p:cNvSpPr>
+            <a:spLocks noGrp="1"/>
+          </p:cNvSpPr>
+          <p:nvPr>
+            <p:ph type="dt" idx="1"/>
+          </p:nvPr>
+        </p:nvSpPr>
+        <p:spPr>
+          <a:xfrm>
+            <a:off x="3884613" y="0"/>
+            <a:ext cx="2971800" cy="458788"/>
+          </a:xfrm>
+          <a:prstGeom prst="rect">
+            <a:avLst/>
+          </a:prstGeom>
+        </p:spPr>
+        <p:txBody>
+          <a:bodyPr vert="horz" lIns="91440" tIns="45720" rIns="91440" bIns="45720" rtlCol="0"/>
+          <a:lstStyle>
+            <a:lvl1pPr algn="r">
+              <a:defRPr sz="1200"/>
+            </a:lvl1pPr>
+          </a:lstStyle>
+          <a:p>
+            <a:fld id="{A7C1A3C2-3B8A-4102-8637-417749636B14}" type="datetimeFigureOut">
+              <a:rPr kumimoji="1" lang="ja-JP" altLang="en-US" smtClean="0"/>
+              <a:t>2019/12/3</a:t>
+            </a:fld>
+            <a:endParaRPr kumimoji="1" lang="ja-JP" altLang="en-US"/>
+          </a:p>
+        </p:txBody>
+      </p:sp>
+      <p:sp>
+        <p:nvSpPr>
+          <p:cNvPr id="4" name="スライド イメージ プレースホルダー 3"/>
+          <p:cNvSpPr>
+            <a:spLocks noGrp="1" noRot="1" noChangeAspect="1"/>
+          </p:cNvSpPr>
+          <p:nvPr>
+            <p:ph type="sldImg" idx="2"/>
+          </p:nvPr>
+        </p:nvSpPr>
+        <p:spPr>
+          <a:xfrm>
+            <a:off x="685800" y="1143000"/>
+            <a:ext cx="5486400" cy="3086100"/>
+          </a:xfrm>
+          <a:prstGeom prst="rect">
+            <a:avLst/>
+          </a:prstGeom>
+          <a:noFill/>
+          <a:ln w="12700">
+            <a:solidFill>
+              <a:prstClr val="black"/>
+            </a:solidFill>
+          </a:ln>
+        </p:spPr>
+        <p:txBody>
+          <a:bodyPr vert="horz" lIns="91440" tIns="45720" rIns="91440" bIns="45720" rtlCol="0" anchor="ctr"/>
+          <a:lstStyle/>
+          <a:p>
+            <a:endParaRPr lang="ja-JP" altLang="en-US"/>
+          </a:p>
+        </p:txBody>
+      </p:sp>
+      <p:sp>
+        <p:nvSpPr>
+          <p:cNvPr id="5" name="ノート プレースホルダー 4"/>
+          <p:cNvSpPr>
+            <a:spLocks noGrp="1"/>
+          </p:cNvSpPr>
+          <p:nvPr>
+            <p:ph type="body" sz="quarter" idx="3"/>
+          </p:nvPr>
+        </p:nvSpPr>
+        <p:spPr>
+          <a:xfrm>
+            <a:off x="685800" y="4400550"/>
+            <a:ext cx="5486400" cy="3600450"/>
+          </a:xfrm>
+          <a:prstGeom prst="rect">
+            <a:avLst/>
+          </a:prstGeom>
+        </p:spPr>
+        <p:txBody>
+          <a:bodyPr vert="horz" lIns="91440" tIns="45720" rIns="91440" bIns="45720" rtlCol="0"/>
+          <a:lstStyle/>
+          <a:p>
+            <a:pPr lvl="0"/>
+            <a:r>
+              <a:rPr kumimoji="1" lang="ja-JP" altLang="en-US"/>
+              <a:t>マスター テキストの書式設定</a:t>
+            </a:r>
+          </a:p>
+          <a:p>
+            <a:pPr lvl="1"/>
+            <a:r>
+              <a:rPr kumimoji="1" lang="ja-JP" altLang="en-US"/>
+              <a:t>第 </a:t>
+            </a:r>
+            <a:r>
+              <a:rPr kumimoji="1" lang="en-US" altLang="ja-JP"/>
+              <a:t>2 </a:t>
+            </a:r>
+            <a:r>
+              <a:rPr kumimoji="1" lang="ja-JP" altLang="en-US"/>
+              <a:t>レベル</a:t>
+            </a:r>
+          </a:p>
+          <a:p>
+            <a:pPr lvl="2"/>
+            <a:r>
+              <a:rPr kumimoji="1" lang="ja-JP" altLang="en-US"/>
+              <a:t>第 </a:t>
+            </a:r>
+            <a:r>
+              <a:rPr kumimoji="1" lang="en-US" altLang="ja-JP"/>
+              <a:t>3 </a:t>
+            </a:r>
+            <a:r>
+              <a:rPr kumimoji="1" lang="ja-JP" altLang="en-US"/>
+              <a:t>レベル</a:t>
+            </a:r>
+          </a:p>
+          <a:p>
+            <a:pPr lvl="3"/>
+            <a:r>
+              <a:rPr kumimoji="1" lang="ja-JP" altLang="en-US"/>
+              <a:t>第 </a:t>
+            </a:r>
+            <a:r>
+              <a:rPr kumimoji="1" lang="en-US" altLang="ja-JP"/>
+              <a:t>4 </a:t>
+            </a:r>
+            <a:r>
+              <a:rPr kumimoji="1" lang="ja-JP" altLang="en-US"/>
+              <a:t>レベル</a:t>
+            </a:r>
+          </a:p>
+          <a:p>
+            <a:pPr lvl="4"/>
+            <a:r>
+              <a:rPr kumimoji="1" lang="ja-JP" altLang="en-US"/>
+              <a:t>第 </a:t>
+            </a:r>
+            <a:r>
+              <a:rPr kumimoji="1" lang="en-US" altLang="ja-JP"/>
+              <a:t>5 </a:t>
+            </a:r>
+            <a:r>
+              <a:rPr kumimoji="1" lang="ja-JP" altLang="en-US"/>
+              <a:t>レベル</a:t>
+            </a:r>
+          </a:p>
+        </p:txBody>
+      </p:sp>
+      <p:sp>
+        <p:nvSpPr>
+          <p:cNvPr id="6" name="フッター プレースホルダー 5"/>
+          <p:cNvSpPr>
+            <a:spLocks noGrp="1"/>
+          </p:cNvSpPr>
+          <p:nvPr>
+            <p:ph type="ftr" sz="quarter" idx="4"/>
+          </p:nvPr>
+        </p:nvSpPr>
+        <p:spPr>
+          <a:xfrm>
+            <a:off x="0" y="8685213"/>
+            <a:ext cx="2971800" cy="458787"/>
+          </a:xfrm>
+          <a:prstGeom prst="rect">
+            <a:avLst/>
+          </a:prstGeom>
+        </p:spPr>
+        <p:txBody>
+          <a:bodyPr vert="horz" lIns="91440" tIns="45720" rIns="91440" bIns="45720" rtlCol="0" anchor="b"/>
+          <a:lstStyle>
+            <a:lvl1pPr algn="l">
+              <a:defRPr sz="1200"/>
+            </a:lvl1pPr>
+          </a:lstStyle>
+          <a:p>
+            <a:endParaRPr kumimoji="1" lang="ja-JP" altLang="en-US"/>
+          </a:p>
+        </p:txBody>
+      </p:sp>
+      <p:sp>
+        <p:nvSpPr>
+          <p:cNvPr id="7" name="スライド番号プレースホルダー 6"/>
+          <p:cNvSpPr>
+            <a:spLocks noGrp="1"/>
+          </p:cNvSpPr>
+          <p:nvPr>
+            <p:ph type="sldNum" sz="quarter" idx="5"/>
+          </p:nvPr>
+        </p:nvSpPr>
+        <p:spPr>
+          <a:xfrm>
+            <a:off x="3884613" y="8685213"/>
+            <a:ext cx="2971800" cy="458787"/>
+          </a:xfrm>
+          <a:prstGeom prst="rect">
+            <a:avLst/>
+          </a:prstGeom>
+        </p:spPr>
+        <p:txBody>
+          <a:bodyPr vert="horz" lIns="91440" tIns="45720" rIns="91440" bIns="45720" rtlCol="0" anchor="b"/>
+          <a:lstStyle>
+            <a:lvl1pPr algn="r">
+              <a:defRPr sz="1200"/>
+            </a:lvl1pPr>
+          </a:lstStyle>
+          <a:p>
+            <a:fld id="{E3BB8CA5-EBF7-454B-BE52-354E41810A50}" type="slidenum">
+              <a:rPr kumimoji="1" lang="ja-JP" altLang="en-US" smtClean="0"/>
+              <a:t>‹#›</a:t>
+            </a:fld>
+            <a:endParaRPr kumimoji="1" lang="ja-JP" altLang="en-US"/>
+          </a:p>
+        </p:txBody>
+      </p:sp>
+    </p:spTree>
+    <p:extLst>
+      <p:ext uri="{BB962C8B-B14F-4D97-AF65-F5344CB8AC3E}">
+        <p14:creationId xmlns:p14="http://schemas.microsoft.com/office/powerpoint/2010/main" val="1079247844"/>
+      </p:ext>
+    </p:extLst>
+  </p:cSld>
+  <p:clrMap bg1="lt1" tx1="dk1" bg2="lt2" tx2="dk2" accent1="accent1" accent2="accent2" accent3="accent3" accent4="accent4" accent5="accent5" accent6="accent6" hlink="hlink" folHlink="folHlink"/>
+  <p:notesStyle>
+    <a:lvl1pPr marL="0" algn="l" defTabSz="914400" rtl="0" eaLnBrk="1" latinLnBrk="0" hangingPunct="1">
+      <a:defRPr kumimoji="1" sz="1200" kern="1200">
+        <a:solidFill>
+          <a:schemeClr val="tx1"/>
+        </a:solidFill>
+        <a:latin typeface="+mn-lt"/>
+        <a:ea typeface="+mn-ea"/>
+        <a:cs typeface="+mn-cs"/>
+      </a:defRPr>
+    </a:lvl1pPr>
+    <a:lvl2pPr marL="457200" algn="l" defTabSz="914400" rtl="0" eaLnBrk="1" latinLnBrk="0" hangingPunct="1">
+      <a:defRPr kumimoji="1" sz="1200" kern="1200">
+        <a:solidFill>
+          <a:schemeClr val="tx1"/>
+        </a:solidFill>
+        <a:latin typeface="+mn-lt"/>
+        <a:ea typeface="+mn-ea"/>
+        <a:cs typeface="+mn-cs"/>
+      </a:defRPr>
+    </a:lvl2pPr>
+    <a:lvl3pPr marL="914400" algn="l" defTabSz="914400" rtl="0" eaLnBrk="1" latinLnBrk="0" hangingPunct="1">
+      <a:defRPr kumimoji="1" sz="1200" kern="1200">
+        <a:solidFill>
+          <a:schemeClr val="tx1"/>
+        </a:solidFill>
+        <a:latin typeface="+mn-lt"/>
+        <a:ea typeface="+mn-ea"/>
+        <a:cs typeface="+mn-cs"/>
+      </a:defRPr>
+    </a:lvl3pPr>
+    <a:lvl4pPr marL="1371600" algn="l" defTabSz="914400" rtl="0" eaLnBrk="1" latinLnBrk="0" hangingPunct="1">
+      <a:defRPr kumimoji="1" sz="1200" kern="1200">
+        <a:solidFill>
+          <a:schemeClr val="tx1"/>
+        </a:solidFill>
+        <a:latin typeface="+mn-lt"/>
+        <a:ea typeface="+mn-ea"/>
+        <a:cs typeface="+mn-cs"/>
+      </a:defRPr>
+    </a:lvl4pPr>
+    <a:lvl5pPr marL="1828800" algn="l" defTabSz="914400" rtl="0" eaLnBrk="1" latinLnBrk="0" hangingPunct="1">
+      <a:defRPr kumimoji="1" sz="1200" kern="1200">
+        <a:solidFill>
+          <a:schemeClr val="tx1"/>
+        </a:solidFill>
+        <a:latin typeface="+mn-lt"/>
+        <a:ea typeface="+mn-ea"/>
+        <a:cs typeface="+mn-cs"/>
+      </a:defRPr>
+    </a:lvl5pPr>
+    <a:lvl6pPr marL="2286000" algn="l" defTabSz="914400" rtl="0" eaLnBrk="1" latinLnBrk="0" hangingPunct="1">
+      <a:defRPr kumimoji="1" sz="1200" kern="1200">
+        <a:solidFill>
+          <a:schemeClr val="tx1"/>
+        </a:solidFill>
+        <a:latin typeface="+mn-lt"/>
+        <a:ea typeface="+mn-ea"/>
+        <a:cs typeface="+mn-cs"/>
+      </a:defRPr>
+    </a:lvl6pPr>
+    <a:lvl7pPr marL="2743200" algn="l" defTabSz="914400" rtl="0" eaLnBrk="1" latinLnBrk="0" hangingPunct="1">
+      <a:defRPr kumimoji="1" sz="1200" kern="1200">
+        <a:solidFill>
+          <a:schemeClr val="tx1"/>
+        </a:solidFill>
+        <a:latin typeface="+mn-lt"/>
+        <a:ea typeface="+mn-ea"/>
+        <a:cs typeface="+mn-cs"/>
+      </a:defRPr>
+    </a:lvl7pPr>
+    <a:lvl8pPr marL="3200400" algn="l" defTabSz="914400" rtl="0" eaLnBrk="1" latinLnBrk="0" hangingPunct="1">
+      <a:defRPr kumimoji="1" sz="1200" kern="1200">
+        <a:solidFill>
+          <a:schemeClr val="tx1"/>
+        </a:solidFill>
+        <a:latin typeface="+mn-lt"/>
+        <a:ea typeface="+mn-ea"/>
+        <a:cs typeface="+mn-cs"/>
+      </a:defRPr>
+    </a:lvl8pPr>
+    <a:lvl9pPr marL="3657600" algn="l" defTabSz="914400" rtl="0" eaLnBrk="1" latinLnBrk="0" hangingPunct="1">
+      <a:defRPr kumimoji="1" sz="1200" kern="1200">
+        <a:solidFill>
+          <a:schemeClr val="tx1"/>
+        </a:solidFill>
+        <a:latin typeface="+mn-lt"/>
+        <a:ea typeface="+mn-ea"/>
+        <a:cs typeface="+mn-cs"/>
+      </a:defRPr>
+    </a:lvl9pPr>
+  </p:notesStyle>
+</p:notesMaster>
+</file>
+
+<file path=ppt/notesSlides/notesSlide1.xml><?xml version="1.0" encoding="utf-8"?>
+<p:notes xmlns:a="http://schemas.openxmlformats.org/drawingml/2006/main" xmlns:r="http://schemas.openxmlformats.org/officeDocument/2006/relationships" xmlns:p="http://schemas.openxmlformats.org/presentationml/2006/main">
+  <p:cSld>
+    <p:spTree>
+      <p:nvGrpSpPr>
+        <p:cNvPr id="1" name=""/>
+        <p:cNvGrpSpPr/>
+        <p:nvPr/>
+      </p:nvGrpSpPr>
+      <p:grpSpPr>
+        <a:xfrm>
+          <a:off x="0" y="0"/>
+          <a:ext cx="0" cy="0"/>
+          <a:chOff x="0" y="0"/>
+          <a:chExt cx="0" cy="0"/>
+        </a:xfrm>
+      </p:grpSpPr>
+      <p:sp>
+        <p:nvSpPr>
+          <p:cNvPr id="2" name="スライド イメージ プレースホルダー 1"/>
+          <p:cNvSpPr>
+            <a:spLocks noGrp="1" noRot="1" noChangeAspect="1"/>
+          </p:cNvSpPr>
+          <p:nvPr>
+            <p:ph type="sldImg"/>
+          </p:nvPr>
+        </p:nvSpPr>
+        <p:spPr/>
+      </p:sp>
+      <p:sp>
+        <p:nvSpPr>
+          <p:cNvPr id="3" name="ノート プレースホルダー 2"/>
+          <p:cNvSpPr>
+            <a:spLocks noGrp="1"/>
+          </p:cNvSpPr>
+          <p:nvPr>
+            <p:ph type="body" idx="1"/>
+          </p:nvPr>
+        </p:nvSpPr>
+        <p:spPr/>
+        <p:txBody>
+          <a:bodyPr/>
+          <a:lstStyle/>
+          <a:p>
+            <a:r>
+              <a:rPr kumimoji="1" lang="ja-JP" altLang="en-US" dirty="0"/>
+              <a:t>このようなプログラムを用いて出力して以下の結果を得ました～的な奴</a:t>
+            </a:r>
+          </a:p>
+        </p:txBody>
+      </p:sp>
+      <p:sp>
+        <p:nvSpPr>
+          <p:cNvPr id="4" name="スライド番号プレースホルダー 3"/>
+          <p:cNvSpPr>
+            <a:spLocks noGrp="1"/>
+          </p:cNvSpPr>
+          <p:nvPr>
+            <p:ph type="sldNum" sz="quarter" idx="5"/>
+          </p:nvPr>
+        </p:nvSpPr>
+        <p:spPr/>
+        <p:txBody>
+          <a:bodyPr/>
+          <a:lstStyle/>
+          <a:p>
+            <a:fld id="{E3BB8CA5-EBF7-454B-BE52-354E41810A50}" type="slidenum">
+              <a:rPr kumimoji="1" lang="ja-JP" altLang="en-US" smtClean="0"/>
+              <a:t>8</a:t>
+            </a:fld>
+            <a:endParaRPr kumimoji="1" lang="ja-JP" altLang="en-US"/>
+          </a:p>
+        </p:txBody>
+      </p:sp>
+    </p:spTree>
+    <p:extLst>
+      <p:ext uri="{BB962C8B-B14F-4D97-AF65-F5344CB8AC3E}">
+        <p14:creationId xmlns:p14="http://schemas.microsoft.com/office/powerpoint/2010/main" val="1390184244"/>
+      </p:ext>
+    </p:extLst>
+  </p:cSld>
+  <p:clrMapOvr>
+    <a:masterClrMapping/>
+  </p:clrMapOvr>
+</p:notes>
 </file>
 
 <file path=ppt/slideLayouts/slideLayout1.xml><?xml version="1.0" encoding="utf-8"?>
@@ -262,7 +742,7 @@
           <a:p>
             <a:fld id="{00F8973B-0D98-4100-A4FC-198A8A666EC2}" type="datetimeFigureOut">
               <a:rPr kumimoji="1" lang="ja-JP" altLang="en-US" smtClean="0"/>
-              <a:t>2019/11/27</a:t>
+              <a:t>2019/12/2</a:t>
             </a:fld>
             <a:endParaRPr kumimoji="1" lang="ja-JP" altLang="en-US"/>
           </a:p>
@@ -492,7 +972,7 @@
           <a:p>
             <a:fld id="{00F8973B-0D98-4100-A4FC-198A8A666EC2}" type="datetimeFigureOut">
               <a:rPr kumimoji="1" lang="ja-JP" altLang="en-US" smtClean="0"/>
-              <a:t>2019/11/27</a:t>
+              <a:t>2019/12/2</a:t>
             </a:fld>
             <a:endParaRPr kumimoji="1" lang="ja-JP" altLang="en-US"/>
           </a:p>
@@ -732,7 +1212,7 @@
           <a:p>
             <a:fld id="{00F8973B-0D98-4100-A4FC-198A8A666EC2}" type="datetimeFigureOut">
               <a:rPr kumimoji="1" lang="ja-JP" altLang="en-US" smtClean="0"/>
-              <a:t>2019/11/27</a:t>
+              <a:t>2019/12/2</a:t>
             </a:fld>
             <a:endParaRPr kumimoji="1" lang="ja-JP" altLang="en-US"/>
           </a:p>
@@ -962,7 +1442,7 @@
           <a:p>
             <a:fld id="{00F8973B-0D98-4100-A4FC-198A8A666EC2}" type="datetimeFigureOut">
               <a:rPr kumimoji="1" lang="ja-JP" altLang="en-US" smtClean="0"/>
-              <a:t>2019/11/27</a:t>
+              <a:t>2019/12/2</a:t>
             </a:fld>
             <a:endParaRPr kumimoji="1" lang="ja-JP" altLang="en-US"/>
           </a:p>
@@ -1237,7 +1717,7 @@
           <a:p>
             <a:fld id="{00F8973B-0D98-4100-A4FC-198A8A666EC2}" type="datetimeFigureOut">
               <a:rPr kumimoji="1" lang="ja-JP" altLang="en-US" smtClean="0"/>
-              <a:t>2019/11/27</a:t>
+              <a:t>2019/12/2</a:t>
             </a:fld>
             <a:endParaRPr kumimoji="1" lang="ja-JP" altLang="en-US"/>
           </a:p>
@@ -1566,7 +2046,7 @@
           <a:p>
             <a:fld id="{00F8973B-0D98-4100-A4FC-198A8A666EC2}" type="datetimeFigureOut">
               <a:rPr kumimoji="1" lang="ja-JP" altLang="en-US" smtClean="0"/>
-              <a:t>2019/11/27</a:t>
+              <a:t>2019/12/2</a:t>
             </a:fld>
             <a:endParaRPr kumimoji="1" lang="ja-JP" altLang="en-US"/>
           </a:p>
@@ -2042,7 +2522,7 @@
           <a:p>
             <a:fld id="{00F8973B-0D98-4100-A4FC-198A8A666EC2}" type="datetimeFigureOut">
               <a:rPr kumimoji="1" lang="ja-JP" altLang="en-US" smtClean="0"/>
-              <a:t>2019/11/27</a:t>
+              <a:t>2019/12/2</a:t>
             </a:fld>
             <a:endParaRPr kumimoji="1" lang="ja-JP" altLang="en-US"/>
           </a:p>
@@ -2183,7 +2663,7 @@
           <a:p>
             <a:fld id="{00F8973B-0D98-4100-A4FC-198A8A666EC2}" type="datetimeFigureOut">
               <a:rPr kumimoji="1" lang="ja-JP" altLang="en-US" smtClean="0"/>
-              <a:t>2019/11/27</a:t>
+              <a:t>2019/12/2</a:t>
             </a:fld>
             <a:endParaRPr kumimoji="1" lang="ja-JP" altLang="en-US"/>
           </a:p>
@@ -2296,7 +2776,7 @@
           <a:p>
             <a:fld id="{00F8973B-0D98-4100-A4FC-198A8A666EC2}" type="datetimeFigureOut">
               <a:rPr kumimoji="1" lang="ja-JP" altLang="en-US" smtClean="0"/>
-              <a:t>2019/11/27</a:t>
+              <a:t>2019/12/2</a:t>
             </a:fld>
             <a:endParaRPr kumimoji="1" lang="ja-JP" altLang="en-US"/>
           </a:p>
@@ -2639,7 +3119,7 @@
           <a:p>
             <a:fld id="{00F8973B-0D98-4100-A4FC-198A8A666EC2}" type="datetimeFigureOut">
               <a:rPr kumimoji="1" lang="ja-JP" altLang="en-US" smtClean="0"/>
-              <a:t>2019/11/27</a:t>
+              <a:t>2019/12/2</a:t>
             </a:fld>
             <a:endParaRPr kumimoji="1" lang="ja-JP" altLang="en-US"/>
           </a:p>
@@ -2927,7 +3407,7 @@
           <a:p>
             <a:fld id="{00F8973B-0D98-4100-A4FC-198A8A666EC2}" type="datetimeFigureOut">
               <a:rPr kumimoji="1" lang="ja-JP" altLang="en-US" smtClean="0"/>
-              <a:t>2019/11/27</a:t>
+              <a:t>2019/12/2</a:t>
             </a:fld>
             <a:endParaRPr kumimoji="1" lang="ja-JP" altLang="en-US"/>
           </a:p>
@@ -3200,7 +3680,7 @@
           <a:p>
             <a:fld id="{00F8973B-0D98-4100-A4FC-198A8A666EC2}" type="datetimeFigureOut">
               <a:rPr kumimoji="1" lang="ja-JP" altLang="en-US" smtClean="0"/>
-              <a:t>2019/11/27</a:t>
+              <a:t>2019/12/2</a:t>
             </a:fld>
             <a:endParaRPr kumimoji="1" lang="ja-JP" altLang="en-US"/>
           </a:p>
@@ -3697,6 +4177,947 @@
 </p:sld>
 </file>
 
+<file path=ppt/slides/slide10.xml><?xml version="1.0" encoding="utf-8"?>
+<p:sld xmlns:a="http://schemas.openxmlformats.org/drawingml/2006/main" xmlns:r="http://schemas.openxmlformats.org/officeDocument/2006/relationships" xmlns:p="http://schemas.openxmlformats.org/presentationml/2006/main">
+  <p:cSld>
+    <p:spTree>
+      <p:nvGrpSpPr>
+        <p:cNvPr id="1" name=""/>
+        <p:cNvGrpSpPr/>
+        <p:nvPr/>
+      </p:nvGrpSpPr>
+      <p:grpSpPr>
+        <a:xfrm>
+          <a:off x="0" y="0"/>
+          <a:ext cx="0" cy="0"/>
+          <a:chOff x="0" y="0"/>
+          <a:chExt cx="0" cy="0"/>
+        </a:xfrm>
+      </p:grpSpPr>
+      <p:sp>
+        <p:nvSpPr>
+          <p:cNvPr id="2" name="タイトル 1">
+            <a:extLst>
+              <a:ext uri="{FF2B5EF4-FFF2-40B4-BE49-F238E27FC236}">
+                <a16:creationId xmlns:a16="http://schemas.microsoft.com/office/drawing/2014/main" id="{90D55B1E-4B44-4BAC-8C21-7488D84D5E67}"/>
+              </a:ext>
+            </a:extLst>
+          </p:cNvPr>
+          <p:cNvSpPr>
+            <a:spLocks noGrp="1"/>
+          </p:cNvSpPr>
+          <p:nvPr>
+            <p:ph type="title"/>
+          </p:nvPr>
+        </p:nvSpPr>
+        <p:spPr>
+          <a:xfrm>
+            <a:off x="838200" y="0"/>
+            <a:ext cx="10515600" cy="1097915"/>
+          </a:xfrm>
+        </p:spPr>
+        <p:txBody>
+          <a:bodyPr>
+            <a:normAutofit/>
+          </a:bodyPr>
+          <a:lstStyle/>
+          <a:p>
+            <a:r>
+              <a:rPr kumimoji="1" lang="ja-JP" altLang="en-US" sz="3600" dirty="0"/>
+              <a:t>考察</a:t>
+            </a:r>
+          </a:p>
+        </p:txBody>
+      </p:sp>
+      <p:sp>
+        <p:nvSpPr>
+          <p:cNvPr id="3" name="コンテンツ プレースホルダー 2">
+            <a:extLst>
+              <a:ext uri="{FF2B5EF4-FFF2-40B4-BE49-F238E27FC236}">
+                <a16:creationId xmlns:a16="http://schemas.microsoft.com/office/drawing/2014/main" id="{84C3524D-D452-4229-AA69-C34C3A600299}"/>
+              </a:ext>
+            </a:extLst>
+          </p:cNvPr>
+          <p:cNvSpPr>
+            <a:spLocks noGrp="1"/>
+          </p:cNvSpPr>
+          <p:nvPr>
+            <p:ph idx="1"/>
+          </p:nvPr>
+        </p:nvSpPr>
+        <p:spPr>
+          <a:xfrm>
+            <a:off x="838200" y="887506"/>
+            <a:ext cx="10515600" cy="5289457"/>
+          </a:xfrm>
+        </p:spPr>
+        <p:txBody>
+          <a:bodyPr/>
+          <a:lstStyle/>
+          <a:p>
+            <a:pPr marL="0" indent="0">
+              <a:buNone/>
+            </a:pPr>
+            <a:r>
+              <a:rPr lang="ja-JP" altLang="en-US" dirty="0"/>
+              <a:t>本当に</a:t>
+            </a:r>
+            <a:r>
+              <a:rPr lang="en-US" altLang="ja-JP" dirty="0"/>
+              <a:t>2</a:t>
+            </a:r>
+            <a:r>
+              <a:rPr lang="ja-JP" altLang="en-US" dirty="0"/>
+              <a:t>倍なのか？</a:t>
+            </a:r>
+            <a:endParaRPr lang="en-US" altLang="ja-JP" dirty="0"/>
+          </a:p>
+          <a:p>
+            <a:pPr marL="0" indent="0">
+              <a:buNone/>
+            </a:pPr>
+            <a:endParaRPr lang="en-US" altLang="ja-JP" dirty="0"/>
+          </a:p>
+          <a:p>
+            <a:pPr marL="0" indent="0">
+              <a:buNone/>
+            </a:pPr>
+            <a:endParaRPr lang="en-US" altLang="ja-JP" dirty="0"/>
+          </a:p>
+          <a:p>
+            <a:pPr marL="0" indent="0">
+              <a:buNone/>
+            </a:pPr>
+            <a:r>
+              <a:rPr lang="ja-JP" altLang="en-US" dirty="0"/>
+              <a:t>実験</a:t>
+            </a:r>
+            <a:r>
+              <a:rPr lang="en-US" altLang="ja-JP" dirty="0"/>
+              <a:t>3-2</a:t>
+            </a:r>
+            <a:r>
+              <a:rPr lang="ja-JP" altLang="en-US" dirty="0"/>
+              <a:t>での期待値の理論値を求めたいんですが方法がわかりませんでした（）</a:t>
+            </a:r>
+            <a:endParaRPr lang="en-US" altLang="ja-JP" dirty="0"/>
+          </a:p>
+          <a:p>
+            <a:pPr marL="0" indent="0">
+              <a:buNone/>
+            </a:pPr>
+            <a:endParaRPr kumimoji="1" lang="en-US" altLang="ja-JP" dirty="0"/>
+          </a:p>
+          <a:p>
+            <a:pPr marL="0" indent="0">
+              <a:buNone/>
+            </a:pPr>
+            <a:endParaRPr kumimoji="1" lang="en-US" altLang="ja-JP" dirty="0"/>
+          </a:p>
+        </p:txBody>
+      </p:sp>
+    </p:spTree>
+    <p:extLst>
+      <p:ext uri="{BB962C8B-B14F-4D97-AF65-F5344CB8AC3E}">
+        <p14:creationId xmlns:p14="http://schemas.microsoft.com/office/powerpoint/2010/main" val="312651285"/>
+      </p:ext>
+    </p:extLst>
+  </p:cSld>
+  <p:clrMapOvr>
+    <a:masterClrMapping/>
+  </p:clrMapOvr>
+</p:sld>
+</file>
+
+<file path=ppt/slides/slide11.xml><?xml version="1.0" encoding="utf-8"?>
+<p:sld xmlns:a="http://schemas.openxmlformats.org/drawingml/2006/main" xmlns:r="http://schemas.openxmlformats.org/officeDocument/2006/relationships" xmlns:p="http://schemas.openxmlformats.org/presentationml/2006/main">
+  <p:cSld>
+    <p:spTree>
+      <p:nvGrpSpPr>
+        <p:cNvPr id="1" name=""/>
+        <p:cNvGrpSpPr/>
+        <p:nvPr/>
+      </p:nvGrpSpPr>
+      <p:grpSpPr>
+        <a:xfrm>
+          <a:off x="0" y="0"/>
+          <a:ext cx="0" cy="0"/>
+          <a:chOff x="0" y="0"/>
+          <a:chExt cx="0" cy="0"/>
+        </a:xfrm>
+      </p:grpSpPr>
+      <p:sp>
+        <p:nvSpPr>
+          <p:cNvPr id="2" name="タイトル 1">
+            <a:extLst>
+              <a:ext uri="{FF2B5EF4-FFF2-40B4-BE49-F238E27FC236}">
+                <a16:creationId xmlns:a16="http://schemas.microsoft.com/office/drawing/2014/main" id="{36777E7C-D4FB-4951-A753-5746493C5B42}"/>
+              </a:ext>
+            </a:extLst>
+          </p:cNvPr>
+          <p:cNvSpPr>
+            <a:spLocks noGrp="1"/>
+          </p:cNvSpPr>
+          <p:nvPr>
+            <p:ph type="ctrTitle"/>
+          </p:nvPr>
+        </p:nvSpPr>
+        <p:spPr>
+          <a:xfrm>
+            <a:off x="1524000" y="216928"/>
+            <a:ext cx="9144000" cy="2387600"/>
+          </a:xfrm>
+        </p:spPr>
+        <p:txBody>
+          <a:bodyPr>
+            <a:normAutofit/>
+          </a:bodyPr>
+          <a:lstStyle/>
+          <a:p>
+            <a:r>
+              <a:rPr kumimoji="1" lang="ja-JP" altLang="en-US" dirty="0"/>
+              <a:t>考察</a:t>
+            </a:r>
+            <a:r>
+              <a:rPr kumimoji="1" lang="en-US" altLang="ja-JP" dirty="0"/>
+              <a:t>2</a:t>
+            </a:r>
+            <a:endParaRPr kumimoji="1" lang="ja-JP" altLang="en-US" sz="7200" dirty="0"/>
+          </a:p>
+        </p:txBody>
+      </p:sp>
+      <p:sp>
+        <p:nvSpPr>
+          <p:cNvPr id="3" name="字幕 2">
+            <a:extLst>
+              <a:ext uri="{FF2B5EF4-FFF2-40B4-BE49-F238E27FC236}">
+                <a16:creationId xmlns:a16="http://schemas.microsoft.com/office/drawing/2014/main" id="{7C16FAA5-AEA1-4644-9513-509F55B79A90}"/>
+              </a:ext>
+            </a:extLst>
+          </p:cNvPr>
+          <p:cNvSpPr>
+            <a:spLocks noGrp="1"/>
+          </p:cNvSpPr>
+          <p:nvPr>
+            <p:ph type="subTitle" idx="1"/>
+          </p:nvPr>
+        </p:nvSpPr>
+        <p:spPr>
+          <a:xfrm>
+            <a:off x="224119" y="3602038"/>
+            <a:ext cx="11761694" cy="1655762"/>
+          </a:xfrm>
+        </p:spPr>
+        <p:txBody>
+          <a:bodyPr>
+            <a:normAutofit/>
+          </a:bodyPr>
+          <a:lstStyle/>
+          <a:p>
+            <a:r>
+              <a:rPr lang="ja-JP" altLang="en-US" sz="3600" dirty="0"/>
+              <a:t>バスの平均到着間隔と乗客の平均待ち時間の関係</a:t>
+            </a:r>
+            <a:endParaRPr kumimoji="1" lang="ja-JP" altLang="en-US" sz="3600" dirty="0"/>
+          </a:p>
+        </p:txBody>
+      </p:sp>
+    </p:spTree>
+    <p:extLst>
+      <p:ext uri="{BB962C8B-B14F-4D97-AF65-F5344CB8AC3E}">
+        <p14:creationId xmlns:p14="http://schemas.microsoft.com/office/powerpoint/2010/main" val="344063667"/>
+      </p:ext>
+    </p:extLst>
+  </p:cSld>
+  <p:clrMapOvr>
+    <a:masterClrMapping/>
+  </p:clrMapOvr>
+</p:sld>
+</file>
+
+<file path=ppt/slides/slide12.xml><?xml version="1.0" encoding="utf-8"?>
+<p:sld xmlns:a="http://schemas.openxmlformats.org/drawingml/2006/main" xmlns:r="http://schemas.openxmlformats.org/officeDocument/2006/relationships" xmlns:p="http://schemas.openxmlformats.org/presentationml/2006/main">
+  <p:cSld>
+    <p:spTree>
+      <p:nvGrpSpPr>
+        <p:cNvPr id="1" name=""/>
+        <p:cNvGrpSpPr/>
+        <p:nvPr/>
+      </p:nvGrpSpPr>
+      <p:grpSpPr>
+        <a:xfrm>
+          <a:off x="0" y="0"/>
+          <a:ext cx="0" cy="0"/>
+          <a:chOff x="0" y="0"/>
+          <a:chExt cx="0" cy="0"/>
+        </a:xfrm>
+      </p:grpSpPr>
+      <p:sp>
+        <p:nvSpPr>
+          <p:cNvPr id="2" name="タイトル 1">
+            <a:extLst>
+              <a:ext uri="{FF2B5EF4-FFF2-40B4-BE49-F238E27FC236}">
+                <a16:creationId xmlns:a16="http://schemas.microsoft.com/office/drawing/2014/main" id="{EA71BA09-2094-4C4E-AC15-31DF53D4B7BB}"/>
+              </a:ext>
+            </a:extLst>
+          </p:cNvPr>
+          <p:cNvSpPr>
+            <a:spLocks noGrp="1"/>
+          </p:cNvSpPr>
+          <p:nvPr>
+            <p:ph type="title"/>
+          </p:nvPr>
+        </p:nvSpPr>
+        <p:spPr>
+          <a:xfrm>
+            <a:off x="838200" y="18257"/>
+            <a:ext cx="10515600" cy="1092914"/>
+          </a:xfrm>
+        </p:spPr>
+        <p:txBody>
+          <a:bodyPr/>
+          <a:lstStyle/>
+          <a:p>
+            <a:r>
+              <a:rPr kumimoji="1" lang="ja-JP" altLang="en-US" sz="3600" dirty="0"/>
+              <a:t>考察</a:t>
+            </a:r>
+            <a:endParaRPr kumimoji="1" lang="ja-JP" altLang="en-US" dirty="0"/>
+          </a:p>
+        </p:txBody>
+      </p:sp>
+      <p:sp>
+        <p:nvSpPr>
+          <p:cNvPr id="3" name="コンテンツ プレースホルダー 2">
+            <a:extLst>
+              <a:ext uri="{FF2B5EF4-FFF2-40B4-BE49-F238E27FC236}">
+                <a16:creationId xmlns:a16="http://schemas.microsoft.com/office/drawing/2014/main" id="{D669DEFF-6426-479E-9A54-A651A91C9F89}"/>
+              </a:ext>
+            </a:extLst>
+          </p:cNvPr>
+          <p:cNvSpPr>
+            <a:spLocks noGrp="1"/>
+          </p:cNvSpPr>
+          <p:nvPr>
+            <p:ph idx="1"/>
+          </p:nvPr>
+        </p:nvSpPr>
+        <p:spPr>
+          <a:xfrm>
+            <a:off x="838200" y="5885021"/>
+            <a:ext cx="10515600" cy="954722"/>
+          </a:xfrm>
+        </p:spPr>
+        <p:txBody>
+          <a:bodyPr>
+            <a:normAutofit/>
+          </a:bodyPr>
+          <a:lstStyle/>
+          <a:p>
+            <a:pPr marL="0" indent="0">
+              <a:buNone/>
+            </a:pPr>
+            <a:r>
+              <a:rPr kumimoji="1" lang="ja-JP" altLang="en-US" dirty="0"/>
+              <a:t>バスの平均間隔</a:t>
+            </a:r>
+            <a:r>
+              <a:rPr lang="ja-JP" altLang="en-US" dirty="0"/>
+              <a:t>と</a:t>
+            </a:r>
+            <a:r>
+              <a:rPr kumimoji="1" lang="ja-JP" altLang="en-US" dirty="0"/>
+              <a:t>乗客の平均待ち時間を比較すると、乗客の平均待ち時間がバスの平均間隔の</a:t>
+            </a:r>
+            <a:r>
+              <a:rPr kumimoji="1" lang="en-US" altLang="ja-JP" dirty="0"/>
+              <a:t>2</a:t>
+            </a:r>
+            <a:r>
+              <a:rPr kumimoji="1" lang="ja-JP" altLang="en-US" dirty="0"/>
+              <a:t>倍近くになるという結果となった。</a:t>
+            </a:r>
+            <a:endParaRPr kumimoji="1" lang="en-US" altLang="ja-JP" sz="2000" dirty="0"/>
+          </a:p>
+          <a:p>
+            <a:pPr marL="0" indent="0" algn="r">
+              <a:buNone/>
+            </a:pPr>
+            <a:endParaRPr kumimoji="1" lang="ja-JP" altLang="en-US" sz="2000" dirty="0"/>
+          </a:p>
+        </p:txBody>
+      </p:sp>
+      <p:pic>
+        <p:nvPicPr>
+          <p:cNvPr id="4" name="図 3">
+            <a:extLst>
+              <a:ext uri="{FF2B5EF4-FFF2-40B4-BE49-F238E27FC236}">
+                <a16:creationId xmlns:a16="http://schemas.microsoft.com/office/drawing/2014/main" id="{D93BC678-032D-4177-914E-A54C6974D133}"/>
+              </a:ext>
+            </a:extLst>
+          </p:cNvPr>
+          <p:cNvPicPr>
+            <a:picLocks noChangeAspect="1"/>
+          </p:cNvPicPr>
+          <p:nvPr/>
+        </p:nvPicPr>
+        <p:blipFill>
+          <a:blip r:embed="rId2"/>
+          <a:stretch>
+            <a:fillRect/>
+          </a:stretch>
+        </p:blipFill>
+        <p:spPr>
+          <a:xfrm>
+            <a:off x="5909234" y="1159153"/>
+            <a:ext cx="5444566" cy="4134927"/>
+          </a:xfrm>
+          <a:prstGeom prst="rect">
+            <a:avLst/>
+          </a:prstGeom>
+        </p:spPr>
+      </p:pic>
+      <p:sp>
+        <p:nvSpPr>
+          <p:cNvPr id="5" name="テキスト ボックス 4">
+            <a:extLst>
+              <a:ext uri="{FF2B5EF4-FFF2-40B4-BE49-F238E27FC236}">
+                <a16:creationId xmlns:a16="http://schemas.microsoft.com/office/drawing/2014/main" id="{D938EEB8-9585-4627-887B-22E2D3152895}"/>
+              </a:ext>
+            </a:extLst>
+          </p:cNvPr>
+          <p:cNvSpPr txBox="1"/>
+          <p:nvPr/>
+        </p:nvSpPr>
+        <p:spPr>
+          <a:xfrm>
+            <a:off x="6790614" y="5404884"/>
+            <a:ext cx="4616605" cy="369332"/>
+          </a:xfrm>
+          <a:prstGeom prst="rect">
+            <a:avLst/>
+          </a:prstGeom>
+          <a:noFill/>
+        </p:spPr>
+        <p:txBody>
+          <a:bodyPr wrap="square" rtlCol="0">
+            <a:spAutoFit/>
+          </a:bodyPr>
+          <a:lstStyle/>
+          <a:p>
+            <a:r>
+              <a:rPr kumimoji="1" lang="ja-JP" altLang="en-US" dirty="0"/>
+              <a:t>乗客の平均待ち時間　</a:t>
+            </a:r>
+            <a:r>
+              <a:rPr kumimoji="1" lang="en-US" altLang="ja-JP" dirty="0"/>
+              <a:t>19.038</a:t>
+            </a:r>
+            <a:endParaRPr kumimoji="1" lang="ja-JP" altLang="en-US" dirty="0"/>
+          </a:p>
+        </p:txBody>
+      </p:sp>
+      <mc:AlternateContent xmlns:mc="http://schemas.openxmlformats.org/markup-compatibility/2006">
+        <mc:Choice xmlns:a14="http://schemas.microsoft.com/office/drawing/2010/main" Requires="a14">
+          <p:sp>
+            <p:nvSpPr>
+              <p:cNvPr id="6" name="コンテンツ プレースホルダー 2">
+                <a:extLst>
+                  <a:ext uri="{FF2B5EF4-FFF2-40B4-BE49-F238E27FC236}">
+                    <a16:creationId xmlns:a16="http://schemas.microsoft.com/office/drawing/2014/main" id="{B9CF8873-5DA3-45A8-A1B8-ED300BF90285}"/>
+                  </a:ext>
+                </a:extLst>
+              </p:cNvPr>
+              <p:cNvSpPr txBox="1">
+                <a:spLocks/>
+              </p:cNvSpPr>
+              <p:nvPr/>
+            </p:nvSpPr>
+            <p:spPr>
+              <a:xfrm>
+                <a:off x="1066283" y="2882543"/>
+                <a:ext cx="3533997" cy="1092914"/>
+              </a:xfrm>
+              <a:prstGeom prst="rect">
+                <a:avLst/>
+              </a:prstGeom>
+            </p:spPr>
+            <p:txBody>
+              <a:bodyPr vert="horz" lIns="91440" tIns="45720" rIns="91440" bIns="45720" rtlCol="0">
+                <a:noAutofit/>
+              </a:bodyPr>
+              <a:lstStyle>
+                <a:lvl1pPr marL="228600" indent="-228600" algn="l" defTabSz="914400" rtl="0" eaLnBrk="1" latinLnBrk="0" hangingPunct="1">
+                  <a:lnSpc>
+                    <a:spcPct val="90000"/>
+                  </a:lnSpc>
+                  <a:spcBef>
+                    <a:spcPts val="1000"/>
+                  </a:spcBef>
+                  <a:buFont typeface="Arial" panose="020B0604020202020204" pitchFamily="34" charset="0"/>
+                  <a:buChar char="•"/>
+                  <a:defRPr kumimoji="1" sz="2800" kern="1200">
+                    <a:solidFill>
+                      <a:schemeClr val="tx1"/>
+                    </a:solidFill>
+                    <a:latin typeface="+mn-lt"/>
+                    <a:ea typeface="+mn-ea"/>
+                    <a:cs typeface="+mn-cs"/>
+                  </a:defRPr>
+                </a:lvl1pPr>
+                <a:lvl2pPr marL="685800" indent="-228600" algn="l" defTabSz="914400" rtl="0" eaLnBrk="1" latinLnBrk="0" hangingPunct="1">
+                  <a:lnSpc>
+                    <a:spcPct val="90000"/>
+                  </a:lnSpc>
+                  <a:spcBef>
+                    <a:spcPts val="500"/>
+                  </a:spcBef>
+                  <a:buFont typeface="Arial" panose="020B0604020202020204" pitchFamily="34" charset="0"/>
+                  <a:buChar char="•"/>
+                  <a:defRPr kumimoji="1" sz="2400" kern="1200">
+                    <a:solidFill>
+                      <a:schemeClr val="tx1"/>
+                    </a:solidFill>
+                    <a:latin typeface="+mn-lt"/>
+                    <a:ea typeface="+mn-ea"/>
+                    <a:cs typeface="+mn-cs"/>
+                  </a:defRPr>
+                </a:lvl2pPr>
+                <a:lvl3pPr marL="1143000" indent="-228600" algn="l" defTabSz="914400" rtl="0" eaLnBrk="1" latinLnBrk="0" hangingPunct="1">
+                  <a:lnSpc>
+                    <a:spcPct val="90000"/>
+                  </a:lnSpc>
+                  <a:spcBef>
+                    <a:spcPts val="500"/>
+                  </a:spcBef>
+                  <a:buFont typeface="Arial" panose="020B0604020202020204" pitchFamily="34" charset="0"/>
+                  <a:buChar char="•"/>
+                  <a:defRPr kumimoji="1" sz="2000" kern="1200">
+                    <a:solidFill>
+                      <a:schemeClr val="tx1"/>
+                    </a:solidFill>
+                    <a:latin typeface="+mn-lt"/>
+                    <a:ea typeface="+mn-ea"/>
+                    <a:cs typeface="+mn-cs"/>
+                  </a:defRPr>
+                </a:lvl3pPr>
+                <a:lvl4pPr marL="1600200" indent="-228600" algn="l" defTabSz="914400" rtl="0" eaLnBrk="1" latinLnBrk="0" hangingPunct="1">
+                  <a:lnSpc>
+                    <a:spcPct val="90000"/>
+                  </a:lnSpc>
+                  <a:spcBef>
+                    <a:spcPts val="500"/>
+                  </a:spcBef>
+                  <a:buFont typeface="Arial" panose="020B0604020202020204" pitchFamily="34" charset="0"/>
+                  <a:buChar char="•"/>
+                  <a:defRPr kumimoji="1" sz="1800" kern="1200">
+                    <a:solidFill>
+                      <a:schemeClr val="tx1"/>
+                    </a:solidFill>
+                    <a:latin typeface="+mn-lt"/>
+                    <a:ea typeface="+mn-ea"/>
+                    <a:cs typeface="+mn-cs"/>
+                  </a:defRPr>
+                </a:lvl4pPr>
+                <a:lvl5pPr marL="2057400" indent="-228600" algn="l" defTabSz="914400" rtl="0" eaLnBrk="1" latinLnBrk="0" hangingPunct="1">
+                  <a:lnSpc>
+                    <a:spcPct val="90000"/>
+                  </a:lnSpc>
+                  <a:spcBef>
+                    <a:spcPts val="500"/>
+                  </a:spcBef>
+                  <a:buFont typeface="Arial" panose="020B0604020202020204" pitchFamily="34" charset="0"/>
+                  <a:buChar char="•"/>
+                  <a:defRPr kumimoji="1" sz="1800" kern="1200">
+                    <a:solidFill>
+                      <a:schemeClr val="tx1"/>
+                    </a:solidFill>
+                    <a:latin typeface="+mn-lt"/>
+                    <a:ea typeface="+mn-ea"/>
+                    <a:cs typeface="+mn-cs"/>
+                  </a:defRPr>
+                </a:lvl5pPr>
+                <a:lvl6pPr marL="2514600" indent="-228600" algn="l" defTabSz="914400" rtl="0" eaLnBrk="1" latinLnBrk="0" hangingPunct="1">
+                  <a:lnSpc>
+                    <a:spcPct val="90000"/>
+                  </a:lnSpc>
+                  <a:spcBef>
+                    <a:spcPts val="500"/>
+                  </a:spcBef>
+                  <a:buFont typeface="Arial" panose="020B0604020202020204" pitchFamily="34" charset="0"/>
+                  <a:buChar char="•"/>
+                  <a:defRPr kumimoji="1" sz="1800" kern="1200">
+                    <a:solidFill>
+                      <a:schemeClr val="tx1"/>
+                    </a:solidFill>
+                    <a:latin typeface="+mn-lt"/>
+                    <a:ea typeface="+mn-ea"/>
+                    <a:cs typeface="+mn-cs"/>
+                  </a:defRPr>
+                </a:lvl6pPr>
+                <a:lvl7pPr marL="2971800" indent="-228600" algn="l" defTabSz="914400" rtl="0" eaLnBrk="1" latinLnBrk="0" hangingPunct="1">
+                  <a:lnSpc>
+                    <a:spcPct val="90000"/>
+                  </a:lnSpc>
+                  <a:spcBef>
+                    <a:spcPts val="500"/>
+                  </a:spcBef>
+                  <a:buFont typeface="Arial" panose="020B0604020202020204" pitchFamily="34" charset="0"/>
+                  <a:buChar char="•"/>
+                  <a:defRPr kumimoji="1" sz="1800" kern="1200">
+                    <a:solidFill>
+                      <a:schemeClr val="tx1"/>
+                    </a:solidFill>
+                    <a:latin typeface="+mn-lt"/>
+                    <a:ea typeface="+mn-ea"/>
+                    <a:cs typeface="+mn-cs"/>
+                  </a:defRPr>
+                </a:lvl7pPr>
+                <a:lvl8pPr marL="3429000" indent="-228600" algn="l" defTabSz="914400" rtl="0" eaLnBrk="1" latinLnBrk="0" hangingPunct="1">
+                  <a:lnSpc>
+                    <a:spcPct val="90000"/>
+                  </a:lnSpc>
+                  <a:spcBef>
+                    <a:spcPts val="500"/>
+                  </a:spcBef>
+                  <a:buFont typeface="Arial" panose="020B0604020202020204" pitchFamily="34" charset="0"/>
+                  <a:buChar char="•"/>
+                  <a:defRPr kumimoji="1" sz="1800" kern="1200">
+                    <a:solidFill>
+                      <a:schemeClr val="tx1"/>
+                    </a:solidFill>
+                    <a:latin typeface="+mn-lt"/>
+                    <a:ea typeface="+mn-ea"/>
+                    <a:cs typeface="+mn-cs"/>
+                  </a:defRPr>
+                </a:lvl8pPr>
+                <a:lvl9pPr marL="3886200" indent="-228600" algn="l" defTabSz="914400" rtl="0" eaLnBrk="1" latinLnBrk="0" hangingPunct="1">
+                  <a:lnSpc>
+                    <a:spcPct val="90000"/>
+                  </a:lnSpc>
+                  <a:spcBef>
+                    <a:spcPts val="500"/>
+                  </a:spcBef>
+                  <a:buFont typeface="Arial" panose="020B0604020202020204" pitchFamily="34" charset="0"/>
+                  <a:buChar char="•"/>
+                  <a:defRPr kumimoji="1" sz="1800" kern="1200">
+                    <a:solidFill>
+                      <a:schemeClr val="tx1"/>
+                    </a:solidFill>
+                    <a:latin typeface="+mn-lt"/>
+                    <a:ea typeface="+mn-ea"/>
+                    <a:cs typeface="+mn-cs"/>
+                  </a:defRPr>
+                </a:lvl9pPr>
+              </a:lstStyle>
+              <a:p>
+                <a:pPr marL="0" indent="0">
+                  <a:buFont typeface="Arial" panose="020B0604020202020204" pitchFamily="34" charset="0"/>
+                  <a:buNone/>
+                </a:pPr>
+                <a:r>
+                  <a:rPr lang="ja-JP" altLang="en-US" sz="1800" dirty="0"/>
+                  <a:t>バスの平均到着間隔は</a:t>
+                </a:r>
+                <a:r>
+                  <a:rPr lang="en-US" altLang="ja-JP" sz="1800" dirty="0"/>
+                  <a:t>1/</a:t>
+                </a:r>
+                <a14:m>
+                  <m:oMath xmlns:m="http://schemas.openxmlformats.org/officeDocument/2006/math">
+                    <m:sSub>
+                      <m:sSubPr>
+                        <m:ctrlPr>
+                          <a:rPr lang="en-US" altLang="ja-JP" sz="1800" i="1" smtClean="0">
+                            <a:latin typeface="Cambria Math" panose="02040503050406030204" pitchFamily="18" charset="0"/>
+                          </a:rPr>
+                        </m:ctrlPr>
+                      </m:sSubPr>
+                      <m:e>
+                        <m:r>
+                          <m:rPr>
+                            <m:sty m:val="p"/>
+                          </m:rPr>
+                          <a:rPr lang="en-US" altLang="ja-JP" sz="1800" i="1">
+                            <a:latin typeface="Cambria Math" panose="02040503050406030204" pitchFamily="18" charset="0"/>
+                          </a:rPr>
+                          <m:t>λ</m:t>
+                        </m:r>
+                      </m:e>
+                      <m:sub>
+                        <m:r>
+                          <a:rPr lang="en-US" altLang="ja-JP" sz="1800" i="1">
+                            <a:latin typeface="Cambria Math" panose="02040503050406030204" pitchFamily="18" charset="0"/>
+                          </a:rPr>
+                          <m:t>1</m:t>
+                        </m:r>
+                      </m:sub>
+                    </m:sSub>
+                  </m:oMath>
+                </a14:m>
+                <a:r>
+                  <a:rPr lang="ja-JP" altLang="en-US" sz="1800" dirty="0"/>
+                  <a:t>で表されるので、今回設定した値での平均到着間隔は</a:t>
+                </a:r>
+                <a:r>
+                  <a:rPr lang="en-US" altLang="ja-JP" sz="1800" dirty="0"/>
+                  <a:t>10</a:t>
+                </a:r>
+                <a:r>
+                  <a:rPr lang="ja-JP" altLang="en-US" sz="1800" dirty="0"/>
+                  <a:t>となる。</a:t>
+                </a:r>
+              </a:p>
+            </p:txBody>
+          </p:sp>
+        </mc:Choice>
+        <mc:Fallback>
+          <p:sp>
+            <p:nvSpPr>
+              <p:cNvPr id="6" name="コンテンツ プレースホルダー 2">
+                <a:extLst>
+                  <a:ext uri="{FF2B5EF4-FFF2-40B4-BE49-F238E27FC236}">
+                    <a16:creationId xmlns:a16="http://schemas.microsoft.com/office/drawing/2014/main" id="{B9CF8873-5DA3-45A8-A1B8-ED300BF90285}"/>
+                  </a:ext>
+                </a:extLst>
+              </p:cNvPr>
+              <p:cNvSpPr txBox="1">
+                <a:spLocks noRot="1" noChangeAspect="1" noMove="1" noResize="1" noEditPoints="1" noAdjustHandles="1" noChangeArrowheads="1" noChangeShapeType="1" noTextEdit="1"/>
+              </p:cNvSpPr>
+              <p:nvPr/>
+            </p:nvSpPr>
+            <p:spPr>
+              <a:xfrm>
+                <a:off x="1066283" y="2882543"/>
+                <a:ext cx="3533997" cy="1092914"/>
+              </a:xfrm>
+              <a:prstGeom prst="rect">
+                <a:avLst/>
+              </a:prstGeom>
+              <a:blipFill>
+                <a:blip r:embed="rId3"/>
+                <a:stretch>
+                  <a:fillRect l="-1552" t="-5587"/>
+                </a:stretch>
+              </a:blipFill>
+            </p:spPr>
+            <p:txBody>
+              <a:bodyPr/>
+              <a:lstStyle/>
+              <a:p>
+                <a:r>
+                  <a:rPr lang="ja-JP" altLang="en-US">
+                    <a:noFill/>
+                  </a:rPr>
+                  <a:t> </a:t>
+                </a:r>
+              </a:p>
+            </p:txBody>
+          </p:sp>
+        </mc:Fallback>
+      </mc:AlternateContent>
+    </p:spTree>
+    <p:extLst>
+      <p:ext uri="{BB962C8B-B14F-4D97-AF65-F5344CB8AC3E}">
+        <p14:creationId xmlns:p14="http://schemas.microsoft.com/office/powerpoint/2010/main" val="59671792"/>
+      </p:ext>
+    </p:extLst>
+  </p:cSld>
+  <p:clrMapOvr>
+    <a:masterClrMapping/>
+  </p:clrMapOvr>
+  <p:timing>
+    <p:tnLst>
+      <p:par>
+        <p:cTn id="1" dur="indefinite" restart="never" nodeType="tmRoot">
+          <p:childTnLst>
+            <p:seq concurrent="1" nextAc="seek">
+              <p:cTn id="2" dur="indefinite" nodeType="mainSeq">
+                <p:childTnLst>
+                  <p:par>
+                    <p:cTn id="3" fill="hold">
+                      <p:stCondLst>
+                        <p:cond delay="indefinite"/>
+                      </p:stCondLst>
+                      <p:childTnLst>
+                        <p:par>
+                          <p:cTn id="4" fill="hold">
+                            <p:stCondLst>
+                              <p:cond delay="0"/>
+                            </p:stCondLst>
+                            <p:childTnLst>
+                              <p:par>
+                                <p:cTn id="5" presetID="16" presetClass="entr" presetSubtype="21" fill="hold" grpId="0" nodeType="clickEffect">
+                                  <p:stCondLst>
+                                    <p:cond delay="0"/>
+                                  </p:stCondLst>
+                                  <p:childTnLst>
+                                    <p:set>
+                                      <p:cBhvr>
+                                        <p:cTn id="6" dur="1" fill="hold">
+                                          <p:stCondLst>
+                                            <p:cond delay="0"/>
+                                          </p:stCondLst>
+                                        </p:cTn>
+                                        <p:tgtEl>
+                                          <p:spTgt spid="3">
+                                            <p:txEl>
+                                              <p:pRg st="0" end="0"/>
+                                            </p:txEl>
+                                          </p:spTgt>
+                                        </p:tgtEl>
+                                        <p:attrNameLst>
+                                          <p:attrName>style.visibility</p:attrName>
+                                        </p:attrNameLst>
+                                      </p:cBhvr>
+                                      <p:to>
+                                        <p:strVal val="visible"/>
+                                      </p:to>
+                                    </p:set>
+                                    <p:animEffect transition="in" filter="barn(inVertical)">
+                                      <p:cBhvr>
+                                        <p:cTn id="7" dur="500"/>
+                                        <p:tgtEl>
+                                          <p:spTgt spid="3">
+                                            <p:txEl>
+                                              <p:pRg st="0" end="0"/>
+                                            </p:txEl>
+                                          </p:spTgt>
+                                        </p:tgtEl>
+                                      </p:cBhvr>
+                                    </p:animEffect>
+                                  </p:childTnLst>
+                                </p:cTn>
+                              </p:par>
+                            </p:childTnLst>
+                          </p:cTn>
+                        </p:par>
+                      </p:childTnLst>
+                    </p:cTn>
+                  </p:par>
+                </p:childTnLst>
+              </p:cTn>
+              <p:prevCondLst>
+                <p:cond evt="onPrev" delay="0">
+                  <p:tgtEl>
+                    <p:sldTgt/>
+                  </p:tgtEl>
+                </p:cond>
+              </p:prevCondLst>
+              <p:nextCondLst>
+                <p:cond evt="onNext" delay="0">
+                  <p:tgtEl>
+                    <p:sldTgt/>
+                  </p:tgtEl>
+                </p:cond>
+              </p:nextCondLst>
+            </p:seq>
+          </p:childTnLst>
+        </p:cTn>
+      </p:par>
+    </p:tnLst>
+    <p:bldLst>
+      <p:bldP spid="3" grpId="0" build="p"/>
+    </p:bldLst>
+  </p:timing>
+</p:sld>
+</file>
+
+<file path=ppt/slides/slide13.xml><?xml version="1.0" encoding="utf-8"?>
+<p:sld xmlns:a="http://schemas.openxmlformats.org/drawingml/2006/main" xmlns:r="http://schemas.openxmlformats.org/officeDocument/2006/relationships" xmlns:p="http://schemas.openxmlformats.org/presentationml/2006/main">
+  <p:cSld>
+    <p:spTree>
+      <p:nvGrpSpPr>
+        <p:cNvPr id="1" name=""/>
+        <p:cNvGrpSpPr/>
+        <p:nvPr/>
+      </p:nvGrpSpPr>
+      <p:grpSpPr>
+        <a:xfrm>
+          <a:off x="0" y="0"/>
+          <a:ext cx="0" cy="0"/>
+          <a:chOff x="0" y="0"/>
+          <a:chExt cx="0" cy="0"/>
+        </a:xfrm>
+      </p:grpSpPr>
+      <p:sp>
+        <p:nvSpPr>
+          <p:cNvPr id="2" name="タイトル 1">
+            <a:extLst>
+              <a:ext uri="{FF2B5EF4-FFF2-40B4-BE49-F238E27FC236}">
+                <a16:creationId xmlns:a16="http://schemas.microsoft.com/office/drawing/2014/main" id="{8E0B8EAC-27FE-401E-95EF-09B985006F9C}"/>
+              </a:ext>
+            </a:extLst>
+          </p:cNvPr>
+          <p:cNvSpPr>
+            <a:spLocks noGrp="1"/>
+          </p:cNvSpPr>
+          <p:nvPr>
+            <p:ph type="title"/>
+          </p:nvPr>
+        </p:nvSpPr>
+        <p:spPr/>
+        <p:txBody>
+          <a:bodyPr/>
+          <a:lstStyle/>
+          <a:p>
+            <a:endParaRPr kumimoji="1" lang="ja-JP" altLang="en-US"/>
+          </a:p>
+        </p:txBody>
+      </p:sp>
+      <p:sp>
+        <p:nvSpPr>
+          <p:cNvPr id="3" name="コンテンツ プレースホルダー 2">
+            <a:extLst>
+              <a:ext uri="{FF2B5EF4-FFF2-40B4-BE49-F238E27FC236}">
+                <a16:creationId xmlns:a16="http://schemas.microsoft.com/office/drawing/2014/main" id="{23E9635F-5895-4142-8970-4DA46F79A7E6}"/>
+              </a:ext>
+            </a:extLst>
+          </p:cNvPr>
+          <p:cNvSpPr>
+            <a:spLocks noGrp="1"/>
+          </p:cNvSpPr>
+          <p:nvPr>
+            <p:ph idx="1"/>
+          </p:nvPr>
+        </p:nvSpPr>
+        <p:spPr/>
+        <p:txBody>
+          <a:bodyPr/>
+          <a:lstStyle/>
+          <a:p>
+            <a:pPr marL="0" indent="0">
+              <a:buNone/>
+            </a:pPr>
+            <a:r>
+              <a:rPr kumimoji="1" lang="ja-JP" altLang="en-US" dirty="0"/>
+              <a:t>考察</a:t>
+            </a:r>
+            <a:r>
+              <a:rPr lang="en-US" altLang="ja-JP" dirty="0"/>
+              <a:t>1</a:t>
+            </a:r>
+            <a:r>
+              <a:rPr lang="ja-JP" altLang="en-US" dirty="0"/>
+              <a:t>と同様に到着間隔が短かった場合は待ち時間が少ないが乗客数も少ない。一方で到着間隔が長かった場合は待ち時間の多くなった乗客数が増加しているため、「長く待たされた」と答える人の声が大きくなってしまう。このようなことが原因となって平均到着間隔と乗客の平均待ち時間に差が生まれてしまっている。</a:t>
+            </a:r>
+            <a:endParaRPr kumimoji="1" lang="ja-JP" altLang="en-US" dirty="0"/>
+          </a:p>
+        </p:txBody>
+      </p:sp>
+    </p:spTree>
+    <p:extLst>
+      <p:ext uri="{BB962C8B-B14F-4D97-AF65-F5344CB8AC3E}">
+        <p14:creationId xmlns:p14="http://schemas.microsoft.com/office/powerpoint/2010/main" val="433002792"/>
+      </p:ext>
+    </p:extLst>
+  </p:cSld>
+  <p:clrMapOvr>
+    <a:masterClrMapping/>
+  </p:clrMapOvr>
+</p:sld>
+</file>
+
 <file path=ppt/slides/slide2.xml><?xml version="1.0" encoding="utf-8"?>
 <p:sld xmlns:a="http://schemas.openxmlformats.org/drawingml/2006/main" xmlns:r="http://schemas.openxmlformats.org/officeDocument/2006/relationships" xmlns:p="http://schemas.openxmlformats.org/presentationml/2006/main">
   <p:cSld>
@@ -3773,6 +5194,22 @@
             <a:r>
               <a:rPr lang="ja-JP" altLang="en-US" dirty="0"/>
               <a:t>値確率変数の下で確率的試行を行う過程のことを言う</a:t>
+            </a:r>
+            <a:endParaRPr lang="en-US" altLang="ja-JP" dirty="0"/>
+          </a:p>
+          <a:p>
+            <a:pPr marL="0" indent="0">
+              <a:buNone/>
+            </a:pPr>
+            <a:endParaRPr kumimoji="1" lang="en-US" altLang="ja-JP" dirty="0"/>
+          </a:p>
+          <a:p>
+            <a:pPr marL="0" indent="0">
+              <a:buNone/>
+            </a:pPr>
+            <a:r>
+              <a:rPr lang="ja-JP" altLang="en-US" dirty="0"/>
+              <a:t>削除してもよさそう</a:t>
             </a:r>
             <a:endParaRPr kumimoji="1" lang="ja-JP" altLang="en-US" dirty="0"/>
           </a:p>
@@ -3872,6 +5309,22 @@
               <a:rPr lang="ja-JP" altLang="en-US" dirty="0"/>
               <a:t>回の到着が発生する確率過程</a:t>
             </a:r>
+            <a:endParaRPr lang="en-US" altLang="ja-JP" dirty="0"/>
+          </a:p>
+          <a:p>
+            <a:pPr marL="0" indent="0">
+              <a:buNone/>
+            </a:pPr>
+            <a:endParaRPr kumimoji="1" lang="en-US" altLang="ja-JP" dirty="0"/>
+          </a:p>
+          <a:p>
+            <a:pPr marL="0" indent="0">
+              <a:buNone/>
+            </a:pPr>
+            <a:r>
+              <a:rPr lang="ja-JP" altLang="en-US" dirty="0"/>
+              <a:t>同様に削除候補</a:t>
+            </a:r>
             <a:endParaRPr kumimoji="1" lang="ja-JP" altLang="en-US" dirty="0"/>
           </a:p>
         </p:txBody>
@@ -3927,7 +5380,10 @@
           <a:bodyPr/>
           <a:lstStyle/>
           <a:p>
-            <a:endParaRPr kumimoji="1" lang="ja-JP" altLang="en-US" dirty="0"/>
+            <a:r>
+              <a:rPr kumimoji="1" lang="ja-JP" altLang="en-US" dirty="0"/>
+              <a:t>序論みたいなもの？</a:t>
+            </a:r>
           </a:p>
         </p:txBody>
       </p:sp>
@@ -4007,7 +5463,15 @@
           <a:bodyPr/>
           <a:lstStyle/>
           <a:p>
-            <a:endParaRPr kumimoji="1" lang="ja-JP" altLang="en-US"/>
+            <a:r>
+              <a:rPr kumimoji="1" lang="ja-JP" altLang="en-US" dirty="0"/>
+              <a:t>実験内容の説明</a:t>
+            </a:r>
+            <a:r>
+              <a:rPr kumimoji="1" lang="en-US" altLang="ja-JP" dirty="0"/>
+              <a:t>?</a:t>
+            </a:r>
+            <a:endParaRPr kumimoji="1" lang="ja-JP" altLang="en-US" dirty="0"/>
           </a:p>
         </p:txBody>
       </p:sp>
@@ -4071,7 +5535,7 @@
           <p:cNvPr id="2" name="タイトル 1">
             <a:extLst>
               <a:ext uri="{FF2B5EF4-FFF2-40B4-BE49-F238E27FC236}">
-                <a16:creationId xmlns:a16="http://schemas.microsoft.com/office/drawing/2014/main" id="{08FB80F3-C5E8-4B83-A935-43A9A2C47635}"/>
+                <a16:creationId xmlns:a16="http://schemas.microsoft.com/office/drawing/2014/main" id="{36777E7C-D4FB-4951-A753-5746493C5B42}"/>
               </a:ext>
             </a:extLst>
           </p:cNvPr>
@@ -4079,24 +5543,39 @@
             <a:spLocks noGrp="1"/>
           </p:cNvSpPr>
           <p:nvPr>
-            <p:ph type="title"/>
+            <p:ph type="ctrTitle"/>
           </p:nvPr>
         </p:nvSpPr>
-        <p:spPr/>
-        <p:txBody>
-          <a:bodyPr/>
+        <p:spPr>
+          <a:xfrm>
+            <a:off x="1524000" y="216928"/>
+            <a:ext cx="9144000" cy="2387600"/>
+          </a:xfrm>
+        </p:spPr>
+        <p:txBody>
+          <a:bodyPr>
+            <a:normAutofit/>
+          </a:bodyPr>
           <a:lstStyle/>
           <a:p>
-            <a:endParaRPr kumimoji="1" lang="ja-JP" altLang="en-US"/>
-          </a:p>
-        </p:txBody>
-      </p:sp>
-      <p:sp>
-        <p:nvSpPr>
-          <p:cNvPr id="3" name="コンテンツ プレースホルダー 2">
+            <a:r>
+              <a:rPr kumimoji="1" lang="ja-JP" altLang="en-US" dirty="0"/>
+              <a:t>考察</a:t>
+            </a:r>
+            <a:r>
+              <a:rPr kumimoji="1" lang="en-US" altLang="ja-JP" dirty="0"/>
+              <a:t>1</a:t>
+            </a:r>
+            <a:endParaRPr kumimoji="1" lang="ja-JP" altLang="en-US" sz="7200" dirty="0"/>
+          </a:p>
+        </p:txBody>
+      </p:sp>
+      <p:sp>
+        <p:nvSpPr>
+          <p:cNvPr id="3" name="字幕 2">
             <a:extLst>
               <a:ext uri="{FF2B5EF4-FFF2-40B4-BE49-F238E27FC236}">
-                <a16:creationId xmlns:a16="http://schemas.microsoft.com/office/drawing/2014/main" id="{45F28640-5A78-41D8-8E00-5ACE9F4D48A1}"/>
+                <a16:creationId xmlns:a16="http://schemas.microsoft.com/office/drawing/2014/main" id="{7C16FAA5-AEA1-4644-9513-509F55B79A90}"/>
               </a:ext>
             </a:extLst>
           </p:cNvPr>
@@ -4104,22 +5583,32 @@
             <a:spLocks noGrp="1"/>
           </p:cNvSpPr>
           <p:nvPr>
-            <p:ph idx="1"/>
+            <p:ph type="subTitle" idx="1"/>
           </p:nvPr>
         </p:nvSpPr>
-        <p:spPr/>
-        <p:txBody>
-          <a:bodyPr/>
+        <p:spPr>
+          <a:xfrm>
+            <a:off x="224119" y="3602038"/>
+            <a:ext cx="11761694" cy="1655762"/>
+          </a:xfrm>
+        </p:spPr>
+        <p:txBody>
+          <a:bodyPr>
+            <a:normAutofit/>
+          </a:bodyPr>
           <a:lstStyle/>
           <a:p>
-            <a:endParaRPr kumimoji="1" lang="ja-JP" altLang="en-US"/>
+            <a:r>
+              <a:rPr kumimoji="1" lang="ja-JP" altLang="en-US" sz="3600" dirty="0"/>
+              <a:t>バスから見た混雑具合と乗客から見た混雑具合について</a:t>
+            </a:r>
           </a:p>
         </p:txBody>
       </p:sp>
     </p:spTree>
     <p:extLst>
       <p:ext uri="{BB962C8B-B14F-4D97-AF65-F5344CB8AC3E}">
-        <p14:creationId xmlns:p14="http://schemas.microsoft.com/office/powerpoint/2010/main" val="242434939"/>
+        <p14:creationId xmlns:p14="http://schemas.microsoft.com/office/powerpoint/2010/main" val="3364818372"/>
       </p:ext>
     </p:extLst>
   </p:cSld>
@@ -4151,7 +5640,7 @@
           <p:cNvPr id="2" name="タイトル 1">
             <a:extLst>
               <a:ext uri="{FF2B5EF4-FFF2-40B4-BE49-F238E27FC236}">
-                <a16:creationId xmlns:a16="http://schemas.microsoft.com/office/drawing/2014/main" id="{E6E2EFE5-E8CD-4E1D-80C7-75C71F86426B}"/>
+                <a16:creationId xmlns:a16="http://schemas.microsoft.com/office/drawing/2014/main" id="{B7C36E7E-5604-4938-8602-98FFF0778021}"/>
               </a:ext>
             </a:extLst>
           </p:cNvPr>
@@ -4162,64 +5651,29 @@
             <p:ph type="title"/>
           </p:nvPr>
         </p:nvSpPr>
-        <p:spPr/>
-        <p:txBody>
-          <a:bodyPr/>
+        <p:spPr>
+          <a:xfrm>
+            <a:off x="3109589" y="2235200"/>
+            <a:ext cx="6117996" cy="1604600"/>
+          </a:xfrm>
+        </p:spPr>
+        <p:txBody>
+          <a:bodyPr>
+            <a:normAutofit/>
+          </a:bodyPr>
           <a:lstStyle/>
           <a:p>
             <a:r>
-              <a:rPr kumimoji="1" lang="ja-JP" altLang="en-US" dirty="0"/>
-              <a:t>考察</a:t>
-            </a:r>
-          </a:p>
-        </p:txBody>
-      </p:sp>
-      <p:sp>
-        <p:nvSpPr>
-          <p:cNvPr id="3" name="コンテンツ プレースホルダー 2">
-            <a:extLst>
-              <a:ext uri="{FF2B5EF4-FFF2-40B4-BE49-F238E27FC236}">
-                <a16:creationId xmlns:a16="http://schemas.microsoft.com/office/drawing/2014/main" id="{8573D48A-45E8-4EFB-8FA2-1EBBE0B38B93}"/>
-              </a:ext>
-            </a:extLst>
-          </p:cNvPr>
-          <p:cNvSpPr>
-            <a:spLocks noGrp="1"/>
-          </p:cNvSpPr>
-          <p:nvPr>
-            <p:ph idx="1"/>
-          </p:nvPr>
-        </p:nvSpPr>
-        <p:spPr/>
-        <p:txBody>
-          <a:bodyPr/>
-          <a:lstStyle/>
-          <a:p>
-            <a:pPr marL="0" indent="0">
-              <a:buNone/>
-            </a:pPr>
-            <a:r>
-              <a:rPr lang="ja-JP" altLang="en-US" dirty="0"/>
-              <a:t>バスの平均乗客数に比べて平均同乗者数はおおよそ･･･の関係がある結果となった。</a:t>
-            </a:r>
-            <a:endParaRPr lang="en-US" altLang="ja-JP" dirty="0"/>
-          </a:p>
-          <a:p>
-            <a:pPr marL="0" indent="0">
-              <a:buNone/>
-            </a:pPr>
-            <a:r>
-              <a:rPr lang="ja-JP" altLang="en-US" dirty="0"/>
-              <a:t>この結果から、乗客数の増加に比べて混み具合の増加の割合が大きいため、乗客数の増加と乗客のクレームの関係に差異が出る可能性がある。</a:t>
-            </a:r>
-            <a:endParaRPr lang="en-US" altLang="ja-JP" dirty="0"/>
+              <a:rPr kumimoji="1" lang="ja-JP" altLang="en-US" sz="2800" dirty="0"/>
+              <a:t>フローチャートやプログラム？</a:t>
+            </a:r>
           </a:p>
         </p:txBody>
       </p:sp>
     </p:spTree>
     <p:extLst>
       <p:ext uri="{BB962C8B-B14F-4D97-AF65-F5344CB8AC3E}">
-        <p14:creationId xmlns:p14="http://schemas.microsoft.com/office/powerpoint/2010/main" val="1682587937"/>
+        <p14:creationId xmlns:p14="http://schemas.microsoft.com/office/powerpoint/2010/main" val="3611592432"/>
       </p:ext>
     </p:extLst>
   </p:cSld>
@@ -4251,7 +5705,7 @@
           <p:cNvPr id="2" name="タイトル 1">
             <a:extLst>
               <a:ext uri="{FF2B5EF4-FFF2-40B4-BE49-F238E27FC236}">
-                <a16:creationId xmlns:a16="http://schemas.microsoft.com/office/drawing/2014/main" id="{EA71BA09-2094-4C4E-AC15-31DF53D4B7BB}"/>
+                <a16:creationId xmlns:a16="http://schemas.microsoft.com/office/drawing/2014/main" id="{E6E2EFE5-E8CD-4E1D-80C7-75C71F86426B}"/>
               </a:ext>
             </a:extLst>
           </p:cNvPr>
@@ -4262,15 +5716,21 @@
             <p:ph type="title"/>
           </p:nvPr>
         </p:nvSpPr>
-        <p:spPr/>
+        <p:spPr>
+          <a:xfrm>
+            <a:off x="838200" y="0"/>
+            <a:ext cx="10515600" cy="1183341"/>
+          </a:xfrm>
+        </p:spPr>
         <p:txBody>
           <a:bodyPr/>
           <a:lstStyle/>
           <a:p>
             <a:r>
-              <a:rPr kumimoji="1" lang="ja-JP" altLang="en-US" dirty="0"/>
+              <a:rPr kumimoji="1" lang="ja-JP" altLang="en-US" sz="3600" dirty="0"/>
               <a:t>考察</a:t>
             </a:r>
+            <a:endParaRPr kumimoji="1" lang="ja-JP" altLang="en-US" dirty="0"/>
           </a:p>
         </p:txBody>
       </p:sp>
@@ -4279,7 +5739,7 @@
           <p:cNvPr id="3" name="コンテンツ プレースホルダー 2">
             <a:extLst>
               <a:ext uri="{FF2B5EF4-FFF2-40B4-BE49-F238E27FC236}">
-                <a16:creationId xmlns:a16="http://schemas.microsoft.com/office/drawing/2014/main" id="{D669DEFF-6426-479E-9A54-A651A91C9F89}"/>
+                <a16:creationId xmlns:a16="http://schemas.microsoft.com/office/drawing/2014/main" id="{8573D48A-45E8-4EFB-8FA2-1EBBE0B38B93}"/>
               </a:ext>
             </a:extLst>
           </p:cNvPr>
@@ -4290,41 +5750,281 @@
             <p:ph idx="1"/>
           </p:nvPr>
         </p:nvSpPr>
-        <p:spPr/>
-        <p:txBody>
-          <a:bodyPr/>
+        <p:spPr>
+          <a:xfrm>
+            <a:off x="838200" y="5674659"/>
+            <a:ext cx="10515600" cy="954911"/>
+          </a:xfrm>
+        </p:spPr>
+        <p:txBody>
+          <a:bodyPr>
+            <a:normAutofit/>
+          </a:bodyPr>
           <a:lstStyle/>
           <a:p>
             <a:pPr marL="0" indent="0">
               <a:buNone/>
             </a:pPr>
             <a:r>
+              <a:rPr lang="ja-JP" altLang="en-US" dirty="0"/>
+              <a:t>バスの平均乗客数に比べて平均同乗者数はおおよそ</a:t>
+            </a:r>
+            <a:r>
+              <a:rPr lang="en-US" altLang="ja-JP" dirty="0"/>
+              <a:t>2</a:t>
+            </a:r>
+            <a:r>
+              <a:rPr lang="ja-JP" altLang="en-US" dirty="0"/>
+              <a:t>倍になるという結果となった。</a:t>
+            </a:r>
+            <a:endParaRPr lang="en-US" altLang="ja-JP" dirty="0"/>
+          </a:p>
+        </p:txBody>
+      </p:sp>
+      <p:pic>
+        <p:nvPicPr>
+          <p:cNvPr id="4" name="図 3">
+            <a:extLst>
+              <a:ext uri="{FF2B5EF4-FFF2-40B4-BE49-F238E27FC236}">
+                <a16:creationId xmlns:a16="http://schemas.microsoft.com/office/drawing/2014/main" id="{15F8D2FC-99F1-4E19-B903-C3406F7D5357}"/>
+              </a:ext>
+            </a:extLst>
+          </p:cNvPr>
+          <p:cNvPicPr>
+            <a:picLocks noChangeAspect="1"/>
+          </p:cNvPicPr>
+          <p:nvPr/>
+        </p:nvPicPr>
+        <p:blipFill>
+          <a:blip r:embed="rId3"/>
+          <a:stretch>
+            <a:fillRect/>
+          </a:stretch>
+        </p:blipFill>
+        <p:spPr>
+          <a:xfrm>
+            <a:off x="228839" y="833378"/>
+            <a:ext cx="5179502" cy="4171790"/>
+          </a:xfrm>
+          <a:prstGeom prst="rect">
+            <a:avLst/>
+          </a:prstGeom>
+        </p:spPr>
+      </p:pic>
+      <p:sp>
+        <p:nvSpPr>
+          <p:cNvPr id="6" name="テキスト ボックス 5">
+            <a:extLst>
+              <a:ext uri="{FF2B5EF4-FFF2-40B4-BE49-F238E27FC236}">
+                <a16:creationId xmlns:a16="http://schemas.microsoft.com/office/drawing/2014/main" id="{40528702-1B5A-47D3-9DFB-58043EB04B89}"/>
+              </a:ext>
+            </a:extLst>
+          </p:cNvPr>
+          <p:cNvSpPr txBox="1"/>
+          <p:nvPr/>
+        </p:nvSpPr>
+        <p:spPr>
+          <a:xfrm>
+            <a:off x="899747" y="5015643"/>
+            <a:ext cx="4383453" cy="369332"/>
+          </a:xfrm>
+          <a:prstGeom prst="rect">
+            <a:avLst/>
+          </a:prstGeom>
+          <a:noFill/>
+        </p:spPr>
+        <p:txBody>
+          <a:bodyPr wrap="square" rtlCol="0">
+            <a:spAutoFit/>
+          </a:bodyPr>
+          <a:lstStyle/>
+          <a:p>
+            <a:r>
               <a:rPr kumimoji="1" lang="ja-JP" altLang="en-US" dirty="0"/>
-              <a:t>バスの平均間隔よりも乗客の平均時間が○○の関係があるという結果となった（多分）。</a:t>
-            </a:r>
-            <a:endParaRPr kumimoji="1" lang="en-US" altLang="ja-JP" dirty="0"/>
-          </a:p>
-          <a:p>
-            <a:pPr marL="0" indent="0">
-              <a:buNone/>
-            </a:pPr>
+              <a:t>バスから見た混雑具合の平均値　</a:t>
+            </a:r>
+            <a:r>
+              <a:rPr kumimoji="1" lang="en-US" altLang="ja-JP" dirty="0"/>
+              <a:t>105.1</a:t>
+            </a:r>
+            <a:endParaRPr kumimoji="1" lang="ja-JP" altLang="en-US" dirty="0"/>
+          </a:p>
+        </p:txBody>
+      </p:sp>
+      <p:pic>
+        <p:nvPicPr>
+          <p:cNvPr id="7" name="図 6">
+            <a:extLst>
+              <a:ext uri="{FF2B5EF4-FFF2-40B4-BE49-F238E27FC236}">
+                <a16:creationId xmlns:a16="http://schemas.microsoft.com/office/drawing/2014/main" id="{32B82B40-0C3F-4A17-B9BF-0EA9AEED1771}"/>
+              </a:ext>
+            </a:extLst>
+          </p:cNvPr>
+          <p:cNvPicPr>
+            <a:picLocks noChangeAspect="1"/>
+          </p:cNvPicPr>
+          <p:nvPr/>
+        </p:nvPicPr>
+        <p:blipFill>
+          <a:blip r:embed="rId4"/>
+          <a:stretch>
+            <a:fillRect/>
+          </a:stretch>
+        </p:blipFill>
+        <p:spPr>
+          <a:xfrm>
+            <a:off x="6017702" y="1080060"/>
+            <a:ext cx="4933860" cy="3925108"/>
+          </a:xfrm>
+          <a:prstGeom prst="rect">
+            <a:avLst/>
+          </a:prstGeom>
+        </p:spPr>
+      </p:pic>
+      <p:sp>
+        <p:nvSpPr>
+          <p:cNvPr id="8" name="テキスト ボックス 7">
+            <a:extLst>
+              <a:ext uri="{FF2B5EF4-FFF2-40B4-BE49-F238E27FC236}">
+                <a16:creationId xmlns:a16="http://schemas.microsoft.com/office/drawing/2014/main" id="{12AC532B-7982-4C1C-A2B2-9510F9F875B2}"/>
+              </a:ext>
+            </a:extLst>
+          </p:cNvPr>
+          <p:cNvSpPr txBox="1"/>
+          <p:nvPr/>
+        </p:nvSpPr>
+        <p:spPr>
+          <a:xfrm>
+            <a:off x="6654799" y="5005168"/>
+            <a:ext cx="4637453" cy="369332"/>
+          </a:xfrm>
+          <a:prstGeom prst="rect">
+            <a:avLst/>
+          </a:prstGeom>
+          <a:noFill/>
+        </p:spPr>
+        <p:txBody>
+          <a:bodyPr wrap="square" rtlCol="0">
+            <a:spAutoFit/>
+          </a:bodyPr>
+          <a:lstStyle/>
+          <a:p>
             <a:r>
               <a:rPr kumimoji="1" lang="ja-JP" altLang="en-US" dirty="0"/>
-              <a:t>バスの運行間隔を考える際にはこの結果を考慮する必要がある。</a:t>
-            </a:r>
+              <a:t>乗客から見た混雑具合の平均値　</a:t>
+            </a:r>
+            <a:r>
+              <a:rPr kumimoji="1" lang="en-US" altLang="ja-JP" dirty="0"/>
+              <a:t>205.5</a:t>
+            </a:r>
+            <a:endParaRPr kumimoji="1" lang="ja-JP" altLang="en-US" dirty="0"/>
           </a:p>
         </p:txBody>
       </p:sp>
     </p:spTree>
     <p:extLst>
       <p:ext uri="{BB962C8B-B14F-4D97-AF65-F5344CB8AC3E}">
-        <p14:creationId xmlns:p14="http://schemas.microsoft.com/office/powerpoint/2010/main" val="59671792"/>
+        <p14:creationId xmlns:p14="http://schemas.microsoft.com/office/powerpoint/2010/main" val="1682587937"/>
       </p:ext>
     </p:extLst>
   </p:cSld>
   <p:clrMapOvr>
     <a:masterClrMapping/>
   </p:clrMapOvr>
+  <p:timing>
+    <p:tnLst>
+      <p:par>
+        <p:cTn id="1" dur="indefinite" restart="never" nodeType="tmRoot">
+          <p:childTnLst>
+            <p:seq concurrent="1" nextAc="seek">
+              <p:cTn id="2" dur="indefinite" nodeType="mainSeq">
+                <p:childTnLst>
+                  <p:par>
+                    <p:cTn id="3" fill="hold">
+                      <p:stCondLst>
+                        <p:cond delay="indefinite"/>
+                      </p:stCondLst>
+                      <p:childTnLst>
+                        <p:par>
+                          <p:cTn id="4" fill="hold">
+                            <p:stCondLst>
+                              <p:cond delay="0"/>
+                            </p:stCondLst>
+                            <p:childTnLst>
+                              <p:par>
+                                <p:cTn id="5" presetID="16" presetClass="entr" presetSubtype="21" fill="hold" grpId="0" nodeType="clickEffect">
+                                  <p:stCondLst>
+                                    <p:cond delay="0"/>
+                                  </p:stCondLst>
+                                  <p:childTnLst>
+                                    <p:set>
+                                      <p:cBhvr>
+                                        <p:cTn id="6" dur="1" fill="hold">
+                                          <p:stCondLst>
+                                            <p:cond delay="0"/>
+                                          </p:stCondLst>
+                                        </p:cTn>
+                                        <p:tgtEl>
+                                          <p:spTgt spid="3">
+                                            <p:txEl>
+                                              <p:pRg st="0" end="0"/>
+                                            </p:txEl>
+                                          </p:spTgt>
+                                        </p:tgtEl>
+                                        <p:attrNameLst>
+                                          <p:attrName>style.visibility</p:attrName>
+                                        </p:attrNameLst>
+                                      </p:cBhvr>
+                                      <p:to>
+                                        <p:strVal val="visible"/>
+                                      </p:to>
+                                    </p:set>
+                                    <p:animEffect transition="in" filter="barn(inVertical)">
+                                      <p:cBhvr>
+                                        <p:cTn id="7" dur="500"/>
+                                        <p:tgtEl>
+                                          <p:spTgt spid="3">
+                                            <p:txEl>
+                                              <p:pRg st="0" end="0"/>
+                                            </p:txEl>
+                                          </p:spTgt>
+                                        </p:tgtEl>
+                                      </p:cBhvr>
+                                    </p:animEffect>
+                                  </p:childTnLst>
+                                </p:cTn>
+                              </p:par>
+                            </p:childTnLst>
+                          </p:cTn>
+                        </p:par>
+                      </p:childTnLst>
+                    </p:cTn>
+                  </p:par>
+                </p:childTnLst>
+              </p:cTn>
+              <p:prevCondLst>
+                <p:cond evt="onPrev" delay="0">
+                  <p:tgtEl>
+                    <p:sldTgt/>
+                  </p:tgtEl>
+                </p:cond>
+              </p:prevCondLst>
+              <p:nextCondLst>
+                <p:cond evt="onNext" delay="0">
+                  <p:tgtEl>
+                    <p:sldTgt/>
+                  </p:tgtEl>
+                </p:cond>
+              </p:nextCondLst>
+            </p:seq>
+          </p:childTnLst>
+        </p:cTn>
+      </p:par>
+    </p:tnLst>
+    <p:bldLst>
+      <p:bldP spid="3" grpId="0" build="p"/>
+    </p:bldLst>
+  </p:timing>
 </p:sld>
 </file>
 
@@ -4350,7 +6050,7 @@
           <p:cNvPr id="2" name="タイトル 1">
             <a:extLst>
               <a:ext uri="{FF2B5EF4-FFF2-40B4-BE49-F238E27FC236}">
-                <a16:creationId xmlns:a16="http://schemas.microsoft.com/office/drawing/2014/main" id="{8E0B8EAC-27FE-401E-95EF-09B985006F9C}"/>
+                <a16:creationId xmlns:a16="http://schemas.microsoft.com/office/drawing/2014/main" id="{6D906014-1917-4D5A-ACB3-5218C40EC96C}"/>
               </a:ext>
             </a:extLst>
           </p:cNvPr>
@@ -4361,12 +6061,21 @@
             <p:ph type="title"/>
           </p:nvPr>
         </p:nvSpPr>
-        <p:spPr/>
+        <p:spPr>
+          <a:xfrm>
+            <a:off x="838200" y="0"/>
+            <a:ext cx="10515600" cy="1134876"/>
+          </a:xfrm>
+        </p:spPr>
         <p:txBody>
           <a:bodyPr/>
           <a:lstStyle/>
           <a:p>
-            <a:endParaRPr kumimoji="1" lang="ja-JP" altLang="en-US"/>
+            <a:r>
+              <a:rPr kumimoji="1" lang="ja-JP" altLang="en-US" sz="3600" dirty="0"/>
+              <a:t>考察</a:t>
+            </a:r>
+            <a:endParaRPr kumimoji="1" lang="ja-JP" altLang="en-US" dirty="0"/>
           </a:p>
         </p:txBody>
       </p:sp>
@@ -4375,7 +6084,7 @@
           <p:cNvPr id="3" name="コンテンツ プレースホルダー 2">
             <a:extLst>
               <a:ext uri="{FF2B5EF4-FFF2-40B4-BE49-F238E27FC236}">
-                <a16:creationId xmlns:a16="http://schemas.microsoft.com/office/drawing/2014/main" id="{23E9635F-5895-4142-8970-4DA46F79A7E6}"/>
+                <a16:creationId xmlns:a16="http://schemas.microsoft.com/office/drawing/2014/main" id="{6EBA4779-20A4-46AE-B647-E61D651B9E7C}"/>
               </a:ext>
             </a:extLst>
           </p:cNvPr>
@@ -4386,25 +6095,4956 @@
             <p:ph idx="1"/>
           </p:nvPr>
         </p:nvSpPr>
-        <p:spPr/>
-        <p:txBody>
-          <a:bodyPr/>
+        <p:spPr>
+          <a:xfrm>
+            <a:off x="838199" y="1335742"/>
+            <a:ext cx="1878107" cy="439270"/>
+          </a:xfrm>
+          <a:noFill/>
+          <a:ln>
+            <a:solidFill>
+              <a:schemeClr val="bg1"/>
+            </a:solidFill>
+          </a:ln>
+        </p:spPr>
+        <p:txBody>
+          <a:bodyPr>
+            <a:normAutofit/>
+          </a:bodyPr>
           <a:lstStyle/>
           <a:p>
+            <a:pPr marL="0" indent="0">
+              <a:buNone/>
+            </a:pPr>
+            <a:r>
+              <a:rPr lang="ja-JP" altLang="en-US" sz="2400" dirty="0"/>
+              <a:t>・なぜか？</a:t>
+            </a:r>
+            <a:endParaRPr lang="en-US" altLang="ja-JP" sz="2400" dirty="0"/>
+          </a:p>
+          <a:p>
+            <a:pPr marL="0" indent="0">
+              <a:buNone/>
+            </a:pPr>
+            <a:endParaRPr kumimoji="1" lang="en-US" altLang="ja-JP" sz="4000" dirty="0"/>
+          </a:p>
+        </p:txBody>
+      </p:sp>
+      <p:sp>
+        <p:nvSpPr>
+          <p:cNvPr id="6" name="正方形/長方形 5">
+            <a:extLst>
+              <a:ext uri="{FF2B5EF4-FFF2-40B4-BE49-F238E27FC236}">
+                <a16:creationId xmlns:a16="http://schemas.microsoft.com/office/drawing/2014/main" id="{3C069772-A1DF-4B29-9A2D-D637A2F979B9}"/>
+              </a:ext>
+            </a:extLst>
+          </p:cNvPr>
+          <p:cNvSpPr/>
+          <p:nvPr/>
+        </p:nvSpPr>
+        <p:spPr>
+          <a:xfrm>
+            <a:off x="1676399" y="2232211"/>
+            <a:ext cx="2303930" cy="1353670"/>
+          </a:xfrm>
+          <a:prstGeom prst="rect">
+            <a:avLst/>
+          </a:prstGeom>
+          <a:solidFill>
+            <a:schemeClr val="bg1"/>
+          </a:solidFill>
+          <a:ln>
+            <a:solidFill>
+              <a:schemeClr val="tx1"/>
+            </a:solidFill>
+          </a:ln>
+        </p:spPr>
+        <p:style>
+          <a:lnRef idx="2">
+            <a:schemeClr val="accent1">
+              <a:shade val="50000"/>
+            </a:schemeClr>
+          </a:lnRef>
+          <a:fillRef idx="1">
+            <a:schemeClr val="accent1"/>
+          </a:fillRef>
+          <a:effectRef idx="0">
+            <a:schemeClr val="accent1"/>
+          </a:effectRef>
+          <a:fontRef idx="minor">
+            <a:schemeClr val="lt1"/>
+          </a:fontRef>
+        </p:style>
+        <p:txBody>
+          <a:bodyPr rtlCol="0" anchor="ctr"/>
+          <a:lstStyle/>
+          <a:p>
+            <a:pPr algn="ctr"/>
             <a:endParaRPr kumimoji="1" lang="ja-JP" altLang="en-US"/>
+          </a:p>
+        </p:txBody>
+      </p:sp>
+      <p:sp>
+        <p:nvSpPr>
+          <p:cNvPr id="7" name="楕円 6">
+            <a:extLst>
+              <a:ext uri="{FF2B5EF4-FFF2-40B4-BE49-F238E27FC236}">
+                <a16:creationId xmlns:a16="http://schemas.microsoft.com/office/drawing/2014/main" id="{8EB42FAD-8125-42BB-80B5-5C4EEE8ED85E}"/>
+              </a:ext>
+            </a:extLst>
+          </p:cNvPr>
+          <p:cNvSpPr/>
+          <p:nvPr/>
+        </p:nvSpPr>
+        <p:spPr>
+          <a:xfrm>
+            <a:off x="2142564" y="2689411"/>
+            <a:ext cx="457200" cy="439271"/>
+          </a:xfrm>
+          <a:prstGeom prst="ellipse">
+            <a:avLst/>
+          </a:prstGeom>
+          <a:solidFill>
+            <a:srgbClr val="FF0000"/>
+          </a:solidFill>
+        </p:spPr>
+        <p:style>
+          <a:lnRef idx="2">
+            <a:schemeClr val="accent1">
+              <a:shade val="50000"/>
+            </a:schemeClr>
+          </a:lnRef>
+          <a:fillRef idx="1">
+            <a:schemeClr val="accent1"/>
+          </a:fillRef>
+          <a:effectRef idx="0">
+            <a:schemeClr val="accent1"/>
+          </a:effectRef>
+          <a:fontRef idx="minor">
+            <a:schemeClr val="lt1"/>
+          </a:fontRef>
+        </p:style>
+        <p:txBody>
+          <a:bodyPr rtlCol="0" anchor="ctr"/>
+          <a:lstStyle/>
+          <a:p>
+            <a:pPr algn="ctr"/>
+            <a:endParaRPr kumimoji="1" lang="ja-JP" altLang="en-US"/>
+          </a:p>
+        </p:txBody>
+      </p:sp>
+      <p:sp>
+        <p:nvSpPr>
+          <p:cNvPr id="8" name="楕円 7">
+            <a:extLst>
+              <a:ext uri="{FF2B5EF4-FFF2-40B4-BE49-F238E27FC236}">
+                <a16:creationId xmlns:a16="http://schemas.microsoft.com/office/drawing/2014/main" id="{B74C83CE-4496-4ED6-A990-FC3911D6820B}"/>
+              </a:ext>
+            </a:extLst>
+          </p:cNvPr>
+          <p:cNvSpPr/>
+          <p:nvPr/>
+        </p:nvSpPr>
+        <p:spPr>
+          <a:xfrm>
+            <a:off x="3030070" y="2689411"/>
+            <a:ext cx="457200" cy="439271"/>
+          </a:xfrm>
+          <a:prstGeom prst="ellipse">
+            <a:avLst/>
+          </a:prstGeom>
+          <a:solidFill>
+            <a:srgbClr val="FF0000"/>
+          </a:solidFill>
+        </p:spPr>
+        <p:style>
+          <a:lnRef idx="2">
+            <a:schemeClr val="accent1">
+              <a:shade val="50000"/>
+            </a:schemeClr>
+          </a:lnRef>
+          <a:fillRef idx="1">
+            <a:schemeClr val="accent1"/>
+          </a:fillRef>
+          <a:effectRef idx="0">
+            <a:schemeClr val="accent1"/>
+          </a:effectRef>
+          <a:fontRef idx="minor">
+            <a:schemeClr val="lt1"/>
+          </a:fontRef>
+        </p:style>
+        <p:txBody>
+          <a:bodyPr rtlCol="0" anchor="ctr"/>
+          <a:lstStyle/>
+          <a:p>
+            <a:pPr algn="ctr"/>
+            <a:endParaRPr kumimoji="1" lang="ja-JP" altLang="en-US"/>
+          </a:p>
+        </p:txBody>
+      </p:sp>
+      <p:sp>
+        <p:nvSpPr>
+          <p:cNvPr id="11" name="雲 10">
+            <a:extLst>
+              <a:ext uri="{FF2B5EF4-FFF2-40B4-BE49-F238E27FC236}">
+                <a16:creationId xmlns:a16="http://schemas.microsoft.com/office/drawing/2014/main" id="{37132D2C-4599-4B25-95BC-35197A49960A}"/>
+              </a:ext>
+            </a:extLst>
+          </p:cNvPr>
+          <p:cNvSpPr/>
+          <p:nvPr/>
+        </p:nvSpPr>
+        <p:spPr>
+          <a:xfrm rot="10800000">
+            <a:off x="3931470" y="1335741"/>
+            <a:ext cx="2492190" cy="1353670"/>
+          </a:xfrm>
+          <a:prstGeom prst="cloud">
+            <a:avLst/>
+          </a:prstGeom>
+          <a:noFill/>
+        </p:spPr>
+        <p:style>
+          <a:lnRef idx="2">
+            <a:schemeClr val="accent1">
+              <a:shade val="50000"/>
+            </a:schemeClr>
+          </a:lnRef>
+          <a:fillRef idx="1">
+            <a:schemeClr val="accent1"/>
+          </a:fillRef>
+          <a:effectRef idx="0">
+            <a:schemeClr val="accent1"/>
+          </a:effectRef>
+          <a:fontRef idx="minor">
+            <a:schemeClr val="lt1"/>
+          </a:fontRef>
+        </p:style>
+        <p:txBody>
+          <a:bodyPr rtlCol="0" anchor="ctr"/>
+          <a:lstStyle/>
+          <a:p>
+            <a:pPr algn="ctr"/>
+            <a:endParaRPr kumimoji="1" lang="ja-JP" altLang="en-US"/>
+          </a:p>
+        </p:txBody>
+      </p:sp>
+      <p:sp>
+        <p:nvSpPr>
+          <p:cNvPr id="12" name="テキスト ボックス 11">
+            <a:extLst>
+              <a:ext uri="{FF2B5EF4-FFF2-40B4-BE49-F238E27FC236}">
+                <a16:creationId xmlns:a16="http://schemas.microsoft.com/office/drawing/2014/main" id="{28F7DE65-F90E-4D0E-AE8A-66DE242FEC28}"/>
+              </a:ext>
+            </a:extLst>
+          </p:cNvPr>
+          <p:cNvSpPr txBox="1"/>
+          <p:nvPr/>
+        </p:nvSpPr>
+        <p:spPr>
+          <a:xfrm>
+            <a:off x="4449182" y="1775012"/>
+            <a:ext cx="1725706" cy="584775"/>
+          </a:xfrm>
+          <a:prstGeom prst="rect">
+            <a:avLst/>
+          </a:prstGeom>
+          <a:noFill/>
+        </p:spPr>
+        <p:txBody>
+          <a:bodyPr wrap="square" rtlCol="0">
+            <a:spAutoFit/>
+          </a:bodyPr>
+          <a:lstStyle/>
+          <a:p>
+            <a:r>
+              <a:rPr kumimoji="1" lang="ja-JP" altLang="en-US" sz="1600" dirty="0"/>
+              <a:t>・</a:t>
+            </a:r>
+            <a:r>
+              <a:rPr kumimoji="1" lang="en-US" altLang="ja-JP" sz="1600" dirty="0"/>
+              <a:t>2</a:t>
+            </a:r>
+            <a:r>
+              <a:rPr kumimoji="1" lang="ja-JP" altLang="en-US" sz="1600" dirty="0"/>
+              <a:t>人だけ</a:t>
+            </a:r>
+            <a:endParaRPr kumimoji="1" lang="en-US" altLang="ja-JP" sz="1600" dirty="0"/>
+          </a:p>
+          <a:p>
+            <a:r>
+              <a:rPr lang="ja-JP" altLang="en-US" sz="1600" dirty="0"/>
+              <a:t>・空いてる</a:t>
+            </a:r>
+            <a:endParaRPr kumimoji="1" lang="ja-JP" altLang="en-US" sz="1600" dirty="0"/>
+          </a:p>
+        </p:txBody>
+      </p:sp>
+      <p:sp>
+        <p:nvSpPr>
+          <p:cNvPr id="15" name="テキスト ボックス 14">
+            <a:extLst>
+              <a:ext uri="{FF2B5EF4-FFF2-40B4-BE49-F238E27FC236}">
+                <a16:creationId xmlns:a16="http://schemas.microsoft.com/office/drawing/2014/main" id="{5A08B260-B260-4224-8AFA-20E5344F5D4D}"/>
+              </a:ext>
+            </a:extLst>
+          </p:cNvPr>
+          <p:cNvSpPr txBox="1"/>
+          <p:nvPr/>
+        </p:nvSpPr>
+        <p:spPr>
+          <a:xfrm>
+            <a:off x="1041473" y="3861247"/>
+            <a:ext cx="3573781" cy="677108"/>
+          </a:xfrm>
+          <a:prstGeom prst="rect">
+            <a:avLst/>
+          </a:prstGeom>
+          <a:noFill/>
+        </p:spPr>
+        <p:txBody>
+          <a:bodyPr wrap="square" rtlCol="0">
+            <a:spAutoFit/>
+          </a:bodyPr>
+          <a:lstStyle/>
+          <a:p>
+            <a:r>
+              <a:rPr kumimoji="1" lang="en-US" altLang="ja-JP" dirty="0"/>
+              <a:t>2</a:t>
+            </a:r>
+            <a:r>
+              <a:rPr kumimoji="1" lang="ja-JP" altLang="en-US" dirty="0"/>
+              <a:t>人しかいないと答える人が２名</a:t>
+            </a:r>
+            <a:endParaRPr kumimoji="1" lang="en-US" altLang="ja-JP" dirty="0"/>
+          </a:p>
+          <a:p>
+            <a:r>
+              <a:rPr lang="en-US" altLang="ja-JP" sz="2000" b="1" dirty="0"/>
+              <a:t>2×2=</a:t>
+            </a:r>
+            <a:r>
+              <a:rPr lang="ja-JP" altLang="en-US" sz="2000" b="1" dirty="0"/>
+              <a:t>４</a:t>
+            </a:r>
+            <a:endParaRPr kumimoji="1" lang="ja-JP" altLang="en-US" sz="2000" b="1" dirty="0"/>
+          </a:p>
+        </p:txBody>
+      </p:sp>
+      <p:sp>
+        <p:nvSpPr>
+          <p:cNvPr id="16" name="正方形/長方形 15">
+            <a:extLst>
+              <a:ext uri="{FF2B5EF4-FFF2-40B4-BE49-F238E27FC236}">
+                <a16:creationId xmlns:a16="http://schemas.microsoft.com/office/drawing/2014/main" id="{D124AC14-38D2-4DF9-A54C-397A63C29929}"/>
+              </a:ext>
+            </a:extLst>
+          </p:cNvPr>
+          <p:cNvSpPr/>
+          <p:nvPr/>
+        </p:nvSpPr>
+        <p:spPr>
+          <a:xfrm>
+            <a:off x="6678707" y="2232210"/>
+            <a:ext cx="2303930" cy="1353671"/>
+          </a:xfrm>
+          <a:prstGeom prst="rect">
+            <a:avLst/>
+          </a:prstGeom>
+          <a:noFill/>
+          <a:ln>
+            <a:solidFill>
+              <a:schemeClr val="tx1"/>
+            </a:solidFill>
+          </a:ln>
+        </p:spPr>
+        <p:style>
+          <a:lnRef idx="2">
+            <a:schemeClr val="accent1">
+              <a:shade val="50000"/>
+            </a:schemeClr>
+          </a:lnRef>
+          <a:fillRef idx="1">
+            <a:schemeClr val="accent1"/>
+          </a:fillRef>
+          <a:effectRef idx="0">
+            <a:schemeClr val="accent1"/>
+          </a:effectRef>
+          <a:fontRef idx="minor">
+            <a:schemeClr val="lt1"/>
+          </a:fontRef>
+        </p:style>
+        <p:txBody>
+          <a:bodyPr rtlCol="0" anchor="ctr"/>
+          <a:lstStyle/>
+          <a:p>
+            <a:pPr algn="ctr"/>
+            <a:endParaRPr kumimoji="1" lang="ja-JP" altLang="en-US"/>
+          </a:p>
+        </p:txBody>
+      </p:sp>
+      <p:sp>
+        <p:nvSpPr>
+          <p:cNvPr id="17" name="楕円 16">
+            <a:extLst>
+              <a:ext uri="{FF2B5EF4-FFF2-40B4-BE49-F238E27FC236}">
+                <a16:creationId xmlns:a16="http://schemas.microsoft.com/office/drawing/2014/main" id="{CE260CAA-D32B-4E80-9874-9D88FBD7CA3C}"/>
+              </a:ext>
+            </a:extLst>
+          </p:cNvPr>
+          <p:cNvSpPr/>
+          <p:nvPr/>
+        </p:nvSpPr>
+        <p:spPr>
+          <a:xfrm>
+            <a:off x="7073602" y="2590799"/>
+            <a:ext cx="454510" cy="439271"/>
+          </a:xfrm>
+          <a:prstGeom prst="ellipse">
+            <a:avLst/>
+          </a:prstGeom>
+          <a:solidFill>
+            <a:srgbClr val="FF0000"/>
+          </a:solidFill>
+        </p:spPr>
+        <p:style>
+          <a:lnRef idx="2">
+            <a:schemeClr val="accent1">
+              <a:shade val="50000"/>
+            </a:schemeClr>
+          </a:lnRef>
+          <a:fillRef idx="1">
+            <a:schemeClr val="accent1"/>
+          </a:fillRef>
+          <a:effectRef idx="0">
+            <a:schemeClr val="accent1"/>
+          </a:effectRef>
+          <a:fontRef idx="minor">
+            <a:schemeClr val="lt1"/>
+          </a:fontRef>
+        </p:style>
+        <p:txBody>
+          <a:bodyPr rtlCol="0" anchor="ctr"/>
+          <a:lstStyle/>
+          <a:p>
+            <a:pPr algn="ctr"/>
+            <a:endParaRPr kumimoji="1" lang="ja-JP" altLang="en-US"/>
+          </a:p>
+        </p:txBody>
+      </p:sp>
+      <p:sp>
+        <p:nvSpPr>
+          <p:cNvPr id="18" name="楕円 17">
+            <a:extLst>
+              <a:ext uri="{FF2B5EF4-FFF2-40B4-BE49-F238E27FC236}">
+                <a16:creationId xmlns:a16="http://schemas.microsoft.com/office/drawing/2014/main" id="{8497CE3A-B0A4-4C7B-81D2-3E34AA115ACC}"/>
+              </a:ext>
+            </a:extLst>
+          </p:cNvPr>
+          <p:cNvSpPr/>
+          <p:nvPr/>
+        </p:nvSpPr>
+        <p:spPr>
+          <a:xfrm>
+            <a:off x="6762527" y="2250139"/>
+            <a:ext cx="454510" cy="439272"/>
+          </a:xfrm>
+          <a:prstGeom prst="ellipse">
+            <a:avLst/>
+          </a:prstGeom>
+          <a:solidFill>
+            <a:srgbClr val="FF0000"/>
+          </a:solidFill>
+        </p:spPr>
+        <p:style>
+          <a:lnRef idx="2">
+            <a:schemeClr val="accent1">
+              <a:shade val="50000"/>
+            </a:schemeClr>
+          </a:lnRef>
+          <a:fillRef idx="1">
+            <a:schemeClr val="accent1"/>
+          </a:fillRef>
+          <a:effectRef idx="0">
+            <a:schemeClr val="accent1"/>
+          </a:effectRef>
+          <a:fontRef idx="minor">
+            <a:schemeClr val="lt1"/>
+          </a:fontRef>
+        </p:style>
+        <p:txBody>
+          <a:bodyPr rtlCol="0" anchor="ctr"/>
+          <a:lstStyle/>
+          <a:p>
+            <a:pPr algn="ctr"/>
+            <a:endParaRPr kumimoji="1" lang="ja-JP" altLang="en-US"/>
+          </a:p>
+        </p:txBody>
+      </p:sp>
+      <p:sp>
+        <p:nvSpPr>
+          <p:cNvPr id="19" name="楕円 18">
+            <a:extLst>
+              <a:ext uri="{FF2B5EF4-FFF2-40B4-BE49-F238E27FC236}">
+                <a16:creationId xmlns:a16="http://schemas.microsoft.com/office/drawing/2014/main" id="{22A01993-B24B-46FB-B716-C32A69C24BDC}"/>
+              </a:ext>
+            </a:extLst>
+          </p:cNvPr>
+          <p:cNvSpPr/>
+          <p:nvPr/>
+        </p:nvSpPr>
+        <p:spPr>
+          <a:xfrm>
+            <a:off x="8373036" y="3083858"/>
+            <a:ext cx="454510" cy="439271"/>
+          </a:xfrm>
+          <a:prstGeom prst="ellipse">
+            <a:avLst/>
+          </a:prstGeom>
+          <a:solidFill>
+            <a:srgbClr val="FF0000"/>
+          </a:solidFill>
+        </p:spPr>
+        <p:style>
+          <a:lnRef idx="2">
+            <a:schemeClr val="accent1">
+              <a:shade val="50000"/>
+            </a:schemeClr>
+          </a:lnRef>
+          <a:fillRef idx="1">
+            <a:schemeClr val="accent1"/>
+          </a:fillRef>
+          <a:effectRef idx="0">
+            <a:schemeClr val="accent1"/>
+          </a:effectRef>
+          <a:fontRef idx="minor">
+            <a:schemeClr val="lt1"/>
+          </a:fontRef>
+        </p:style>
+        <p:txBody>
+          <a:bodyPr rtlCol="0" anchor="ctr"/>
+          <a:lstStyle/>
+          <a:p>
+            <a:pPr algn="ctr"/>
+            <a:endParaRPr kumimoji="1" lang="ja-JP" altLang="en-US"/>
+          </a:p>
+        </p:txBody>
+      </p:sp>
+      <p:sp>
+        <p:nvSpPr>
+          <p:cNvPr id="20" name="楕円 19">
+            <a:extLst>
+              <a:ext uri="{FF2B5EF4-FFF2-40B4-BE49-F238E27FC236}">
+                <a16:creationId xmlns:a16="http://schemas.microsoft.com/office/drawing/2014/main" id="{A6E761C5-E2CE-4F2E-837D-AAB58CA8AB8F}"/>
+              </a:ext>
+            </a:extLst>
+          </p:cNvPr>
+          <p:cNvSpPr/>
+          <p:nvPr/>
+        </p:nvSpPr>
+        <p:spPr>
+          <a:xfrm>
+            <a:off x="8265459" y="2411502"/>
+            <a:ext cx="454510" cy="439273"/>
+          </a:xfrm>
+          <a:prstGeom prst="ellipse">
+            <a:avLst/>
+          </a:prstGeom>
+          <a:solidFill>
+            <a:srgbClr val="FF0000"/>
+          </a:solidFill>
+        </p:spPr>
+        <p:style>
+          <a:lnRef idx="2">
+            <a:schemeClr val="accent1">
+              <a:shade val="50000"/>
+            </a:schemeClr>
+          </a:lnRef>
+          <a:fillRef idx="1">
+            <a:schemeClr val="accent1"/>
+          </a:fillRef>
+          <a:effectRef idx="0">
+            <a:schemeClr val="accent1"/>
+          </a:effectRef>
+          <a:fontRef idx="minor">
+            <a:schemeClr val="lt1"/>
+          </a:fontRef>
+        </p:style>
+        <p:txBody>
+          <a:bodyPr rtlCol="0" anchor="ctr"/>
+          <a:lstStyle/>
+          <a:p>
+            <a:pPr algn="ctr"/>
+            <a:endParaRPr kumimoji="1" lang="ja-JP" altLang="en-US"/>
+          </a:p>
+        </p:txBody>
+      </p:sp>
+      <p:sp>
+        <p:nvSpPr>
+          <p:cNvPr id="21" name="楕円 20">
+            <a:extLst>
+              <a:ext uri="{FF2B5EF4-FFF2-40B4-BE49-F238E27FC236}">
+                <a16:creationId xmlns:a16="http://schemas.microsoft.com/office/drawing/2014/main" id="{691D58F1-126E-4417-B487-DA4A28E0FD9B}"/>
+              </a:ext>
+            </a:extLst>
+          </p:cNvPr>
+          <p:cNvSpPr/>
+          <p:nvPr/>
+        </p:nvSpPr>
+        <p:spPr>
+          <a:xfrm>
+            <a:off x="7712563" y="2581836"/>
+            <a:ext cx="454510" cy="439271"/>
+          </a:xfrm>
+          <a:prstGeom prst="ellipse">
+            <a:avLst/>
+          </a:prstGeom>
+          <a:solidFill>
+            <a:srgbClr val="FF0000"/>
+          </a:solidFill>
+        </p:spPr>
+        <p:style>
+          <a:lnRef idx="2">
+            <a:schemeClr val="accent1">
+              <a:shade val="50000"/>
+            </a:schemeClr>
+          </a:lnRef>
+          <a:fillRef idx="1">
+            <a:schemeClr val="accent1"/>
+          </a:fillRef>
+          <a:effectRef idx="0">
+            <a:schemeClr val="accent1"/>
+          </a:effectRef>
+          <a:fontRef idx="minor">
+            <a:schemeClr val="lt1"/>
+          </a:fontRef>
+        </p:style>
+        <p:txBody>
+          <a:bodyPr rtlCol="0" anchor="ctr"/>
+          <a:lstStyle/>
+          <a:p>
+            <a:pPr algn="ctr"/>
+            <a:endParaRPr kumimoji="1" lang="ja-JP" altLang="en-US"/>
+          </a:p>
+        </p:txBody>
+      </p:sp>
+      <p:sp>
+        <p:nvSpPr>
+          <p:cNvPr id="22" name="楕円 21">
+            <a:extLst>
+              <a:ext uri="{FF2B5EF4-FFF2-40B4-BE49-F238E27FC236}">
+                <a16:creationId xmlns:a16="http://schemas.microsoft.com/office/drawing/2014/main" id="{D32E3DA6-989D-409B-90DE-CC27B55BDE71}"/>
+              </a:ext>
+            </a:extLst>
+          </p:cNvPr>
+          <p:cNvSpPr/>
+          <p:nvPr/>
+        </p:nvSpPr>
+        <p:spPr>
+          <a:xfrm>
+            <a:off x="7073602" y="3128682"/>
+            <a:ext cx="454510" cy="439271"/>
+          </a:xfrm>
+          <a:prstGeom prst="ellipse">
+            <a:avLst/>
+          </a:prstGeom>
+          <a:solidFill>
+            <a:srgbClr val="FF0000"/>
+          </a:solidFill>
+        </p:spPr>
+        <p:style>
+          <a:lnRef idx="2">
+            <a:schemeClr val="accent1">
+              <a:shade val="50000"/>
+            </a:schemeClr>
+          </a:lnRef>
+          <a:fillRef idx="1">
+            <a:schemeClr val="accent1"/>
+          </a:fillRef>
+          <a:effectRef idx="0">
+            <a:schemeClr val="accent1"/>
+          </a:effectRef>
+          <a:fontRef idx="minor">
+            <a:schemeClr val="lt1"/>
+          </a:fontRef>
+        </p:style>
+        <p:txBody>
+          <a:bodyPr rtlCol="0" anchor="ctr"/>
+          <a:lstStyle/>
+          <a:p>
+            <a:pPr algn="ctr"/>
+            <a:endParaRPr kumimoji="1" lang="ja-JP" altLang="en-US"/>
+          </a:p>
+        </p:txBody>
+      </p:sp>
+      <p:sp>
+        <p:nvSpPr>
+          <p:cNvPr id="23" name="楕円 22">
+            <a:extLst>
+              <a:ext uri="{FF2B5EF4-FFF2-40B4-BE49-F238E27FC236}">
+                <a16:creationId xmlns:a16="http://schemas.microsoft.com/office/drawing/2014/main" id="{9B7E6591-E8D4-446B-ABBB-951E63DCBD62}"/>
+              </a:ext>
+            </a:extLst>
+          </p:cNvPr>
+          <p:cNvSpPr/>
+          <p:nvPr/>
+        </p:nvSpPr>
+        <p:spPr>
+          <a:xfrm>
+            <a:off x="7810949" y="3083859"/>
+            <a:ext cx="454510" cy="439271"/>
+          </a:xfrm>
+          <a:prstGeom prst="ellipse">
+            <a:avLst/>
+          </a:prstGeom>
+          <a:solidFill>
+            <a:srgbClr val="FF0000"/>
+          </a:solidFill>
+        </p:spPr>
+        <p:style>
+          <a:lnRef idx="2">
+            <a:schemeClr val="accent1">
+              <a:shade val="50000"/>
+            </a:schemeClr>
+          </a:lnRef>
+          <a:fillRef idx="1">
+            <a:schemeClr val="accent1"/>
+          </a:fillRef>
+          <a:effectRef idx="0">
+            <a:schemeClr val="accent1"/>
+          </a:effectRef>
+          <a:fontRef idx="minor">
+            <a:schemeClr val="lt1"/>
+          </a:fontRef>
+        </p:style>
+        <p:txBody>
+          <a:bodyPr rtlCol="0" anchor="ctr"/>
+          <a:lstStyle/>
+          <a:p>
+            <a:pPr algn="ctr"/>
+            <a:endParaRPr kumimoji="1" lang="ja-JP" altLang="en-US" dirty="0"/>
+          </a:p>
+        </p:txBody>
+      </p:sp>
+      <p:sp>
+        <p:nvSpPr>
+          <p:cNvPr id="24" name="雲 23">
+            <a:extLst>
+              <a:ext uri="{FF2B5EF4-FFF2-40B4-BE49-F238E27FC236}">
+                <a16:creationId xmlns:a16="http://schemas.microsoft.com/office/drawing/2014/main" id="{215F587D-0091-4A27-89DB-02CF68C117B6}"/>
+              </a:ext>
+            </a:extLst>
+          </p:cNvPr>
+          <p:cNvSpPr/>
+          <p:nvPr/>
+        </p:nvSpPr>
+        <p:spPr>
+          <a:xfrm>
+            <a:off x="8982637" y="1134876"/>
+            <a:ext cx="2303930" cy="1353671"/>
+          </a:xfrm>
+          <a:prstGeom prst="cloud">
+            <a:avLst/>
+          </a:prstGeom>
+          <a:noFill/>
+        </p:spPr>
+        <p:style>
+          <a:lnRef idx="2">
+            <a:schemeClr val="accent1">
+              <a:shade val="50000"/>
+            </a:schemeClr>
+          </a:lnRef>
+          <a:fillRef idx="1">
+            <a:schemeClr val="accent1"/>
+          </a:fillRef>
+          <a:effectRef idx="0">
+            <a:schemeClr val="accent1"/>
+          </a:effectRef>
+          <a:fontRef idx="minor">
+            <a:schemeClr val="lt1"/>
+          </a:fontRef>
+        </p:style>
+        <p:txBody>
+          <a:bodyPr rtlCol="0" anchor="ctr"/>
+          <a:lstStyle/>
+          <a:p>
+            <a:pPr algn="ctr"/>
+            <a:endParaRPr kumimoji="1" lang="ja-JP" altLang="en-US"/>
+          </a:p>
+        </p:txBody>
+      </p:sp>
+      <p:sp>
+        <p:nvSpPr>
+          <p:cNvPr id="25" name="テキスト ボックス 24">
+            <a:extLst>
+              <a:ext uri="{FF2B5EF4-FFF2-40B4-BE49-F238E27FC236}">
+                <a16:creationId xmlns:a16="http://schemas.microsoft.com/office/drawing/2014/main" id="{6E01DFB4-FF11-455B-9A09-CB8220D90D23}"/>
+              </a:ext>
+            </a:extLst>
+          </p:cNvPr>
+          <p:cNvSpPr txBox="1"/>
+          <p:nvPr/>
+        </p:nvSpPr>
+        <p:spPr>
+          <a:xfrm>
+            <a:off x="9377081" y="1407459"/>
+            <a:ext cx="1586753" cy="646331"/>
+          </a:xfrm>
+          <a:prstGeom prst="rect">
+            <a:avLst/>
+          </a:prstGeom>
+          <a:noFill/>
+        </p:spPr>
+        <p:txBody>
+          <a:bodyPr wrap="square" rtlCol="0">
+            <a:spAutoFit/>
+          </a:bodyPr>
+          <a:lstStyle/>
+          <a:p>
+            <a:r>
+              <a:rPr kumimoji="1" lang="ja-JP" altLang="en-US" dirty="0"/>
+              <a:t>・</a:t>
+            </a:r>
+            <a:r>
+              <a:rPr kumimoji="1" lang="en-US" altLang="ja-JP" dirty="0"/>
+              <a:t>7</a:t>
+            </a:r>
+            <a:r>
+              <a:rPr kumimoji="1" lang="ja-JP" altLang="en-US" dirty="0"/>
+              <a:t>人もいる</a:t>
+            </a:r>
+            <a:endParaRPr kumimoji="1" lang="en-US" altLang="ja-JP" dirty="0"/>
+          </a:p>
+          <a:p>
+            <a:r>
+              <a:rPr lang="ja-JP" altLang="en-US" dirty="0"/>
+              <a:t>・混んでる</a:t>
+            </a:r>
+            <a:endParaRPr kumimoji="1" lang="ja-JP" altLang="en-US" dirty="0"/>
+          </a:p>
+        </p:txBody>
+      </p:sp>
+      <p:sp>
+        <p:nvSpPr>
+          <p:cNvPr id="26" name="テキスト ボックス 25">
+            <a:extLst>
+              <a:ext uri="{FF2B5EF4-FFF2-40B4-BE49-F238E27FC236}">
+                <a16:creationId xmlns:a16="http://schemas.microsoft.com/office/drawing/2014/main" id="{22277D8B-D4CC-48F7-835F-C554BD81DDC2}"/>
+              </a:ext>
+            </a:extLst>
+          </p:cNvPr>
+          <p:cNvSpPr txBox="1"/>
+          <p:nvPr/>
+        </p:nvSpPr>
+        <p:spPr>
+          <a:xfrm>
+            <a:off x="6762527" y="3845859"/>
+            <a:ext cx="2952974" cy="677108"/>
+          </a:xfrm>
+          <a:prstGeom prst="rect">
+            <a:avLst/>
+          </a:prstGeom>
+          <a:noFill/>
+        </p:spPr>
+        <p:txBody>
+          <a:bodyPr wrap="square" rtlCol="0">
+            <a:spAutoFit/>
+          </a:bodyPr>
+          <a:lstStyle/>
+          <a:p>
+            <a:r>
+              <a:rPr kumimoji="1" lang="en-US" altLang="ja-JP" dirty="0"/>
+              <a:t>7</a:t>
+            </a:r>
+            <a:r>
+              <a:rPr kumimoji="1" lang="ja-JP" altLang="en-US" dirty="0"/>
+              <a:t>人もいたと答える人が</a:t>
+            </a:r>
+            <a:r>
+              <a:rPr lang="en-US" altLang="ja-JP" dirty="0"/>
+              <a:t>7</a:t>
+            </a:r>
+            <a:r>
+              <a:rPr lang="ja-JP" altLang="en-US" dirty="0"/>
+              <a:t>名</a:t>
+            </a:r>
+            <a:endParaRPr lang="en-US" altLang="ja-JP" dirty="0"/>
+          </a:p>
+          <a:p>
+            <a:r>
+              <a:rPr kumimoji="1" lang="en-US" altLang="ja-JP" sz="2000" b="1" dirty="0"/>
+              <a:t>7×7=</a:t>
+            </a:r>
+            <a:r>
+              <a:rPr lang="en-US" altLang="ja-JP" sz="2000" b="1" dirty="0"/>
+              <a:t>49</a:t>
+            </a:r>
+            <a:endParaRPr kumimoji="1" lang="ja-JP" altLang="en-US" sz="2000" b="1" dirty="0"/>
+          </a:p>
+        </p:txBody>
+      </p:sp>
+      <p:sp>
+        <p:nvSpPr>
+          <p:cNvPr id="27" name="テキスト ボックス 26">
+            <a:extLst>
+              <a:ext uri="{FF2B5EF4-FFF2-40B4-BE49-F238E27FC236}">
+                <a16:creationId xmlns:a16="http://schemas.microsoft.com/office/drawing/2014/main" id="{353E726E-37CC-4CB4-B863-3409811354D2}"/>
+              </a:ext>
+            </a:extLst>
+          </p:cNvPr>
+          <p:cNvSpPr txBox="1"/>
+          <p:nvPr/>
+        </p:nvSpPr>
+        <p:spPr>
+          <a:xfrm>
+            <a:off x="2828363" y="4683215"/>
+            <a:ext cx="4930589" cy="954107"/>
+          </a:xfrm>
+          <a:prstGeom prst="rect">
+            <a:avLst/>
+          </a:prstGeom>
+          <a:noFill/>
+        </p:spPr>
+        <p:txBody>
+          <a:bodyPr wrap="square" rtlCol="0">
+            <a:spAutoFit/>
+          </a:bodyPr>
+          <a:lstStyle/>
+          <a:p>
+            <a:r>
+              <a:rPr kumimoji="1" lang="ja-JP" altLang="en-US" sz="2800" b="1" dirty="0"/>
+              <a:t>混んでいたと答える人の声がより大きくなる</a:t>
+            </a:r>
+          </a:p>
+        </p:txBody>
+      </p:sp>
+      <p:sp>
+        <p:nvSpPr>
+          <p:cNvPr id="28" name="テキスト ボックス 27">
+            <a:extLst>
+              <a:ext uri="{FF2B5EF4-FFF2-40B4-BE49-F238E27FC236}">
+                <a16:creationId xmlns:a16="http://schemas.microsoft.com/office/drawing/2014/main" id="{5FA959F7-ED70-4A1F-975A-A49E89BE4D43}"/>
+              </a:ext>
+            </a:extLst>
+          </p:cNvPr>
+          <p:cNvSpPr txBox="1"/>
+          <p:nvPr/>
+        </p:nvSpPr>
+        <p:spPr>
+          <a:xfrm>
+            <a:off x="5853953" y="5880279"/>
+            <a:ext cx="4679576" cy="369332"/>
+          </a:xfrm>
+          <a:prstGeom prst="rect">
+            <a:avLst/>
+          </a:prstGeom>
+          <a:noFill/>
+        </p:spPr>
+        <p:txBody>
+          <a:bodyPr wrap="square" rtlCol="0">
+            <a:spAutoFit/>
+          </a:bodyPr>
+          <a:lstStyle/>
+          <a:p>
+            <a:r>
+              <a:rPr kumimoji="1" lang="ja-JP" altLang="en-US" dirty="0"/>
+              <a:t>でも</a:t>
+            </a:r>
+            <a:r>
+              <a:rPr kumimoji="1" lang="en-US" altLang="ja-JP" dirty="0"/>
+              <a:t>2</a:t>
+            </a:r>
+            <a:r>
+              <a:rPr kumimoji="1" lang="ja-JP" altLang="en-US" dirty="0"/>
+              <a:t>倍より大きくなるんじゃないの･･･？</a:t>
+            </a:r>
           </a:p>
         </p:txBody>
       </p:sp>
     </p:spTree>
     <p:extLst>
       <p:ext uri="{BB962C8B-B14F-4D97-AF65-F5344CB8AC3E}">
-        <p14:creationId xmlns:p14="http://schemas.microsoft.com/office/powerpoint/2010/main" val="433002792"/>
+        <p14:creationId xmlns:p14="http://schemas.microsoft.com/office/powerpoint/2010/main" val="2720182944"/>
       </p:ext>
     </p:extLst>
   </p:cSld>
   <p:clrMapOvr>
     <a:masterClrMapping/>
   </p:clrMapOvr>
+  <p:timing>
+    <p:tnLst>
+      <p:par>
+        <p:cTn id="1" dur="indefinite" restart="never" nodeType="tmRoot">
+          <p:childTnLst>
+            <p:seq concurrent="1" nextAc="seek">
+              <p:cTn id="2" dur="indefinite" nodeType="mainSeq">
+                <p:childTnLst>
+                  <p:par>
+                    <p:cTn id="3" fill="hold">
+                      <p:stCondLst>
+                        <p:cond delay="indefinite"/>
+                      </p:stCondLst>
+                      <p:childTnLst>
+                        <p:par>
+                          <p:cTn id="4" fill="hold">
+                            <p:stCondLst>
+                              <p:cond delay="0"/>
+                            </p:stCondLst>
+                            <p:childTnLst>
+                              <p:par>
+                                <p:cTn id="5" presetID="10" presetClass="entr" presetSubtype="0" fill="hold" grpId="0" nodeType="clickEffect">
+                                  <p:stCondLst>
+                                    <p:cond delay="0"/>
+                                  </p:stCondLst>
+                                  <p:childTnLst>
+                                    <p:set>
+                                      <p:cBhvr>
+                                        <p:cTn id="6" dur="1" fill="hold">
+                                          <p:stCondLst>
+                                            <p:cond delay="0"/>
+                                          </p:stCondLst>
+                                        </p:cTn>
+                                        <p:tgtEl>
+                                          <p:spTgt spid="3">
+                                            <p:bg/>
+                                          </p:spTgt>
+                                        </p:tgtEl>
+                                        <p:attrNameLst>
+                                          <p:attrName>style.visibility</p:attrName>
+                                        </p:attrNameLst>
+                                      </p:cBhvr>
+                                      <p:to>
+                                        <p:strVal val="visible"/>
+                                      </p:to>
+                                    </p:set>
+                                    <p:animEffect transition="in" filter="fade">
+                                      <p:cBhvr>
+                                        <p:cTn id="7" dur="500"/>
+                                        <p:tgtEl>
+                                          <p:spTgt spid="3">
+                                            <p:bg/>
+                                          </p:spTgt>
+                                        </p:tgtEl>
+                                      </p:cBhvr>
+                                    </p:animEffect>
+                                  </p:childTnLst>
+                                </p:cTn>
+                              </p:par>
+                            </p:childTnLst>
+                          </p:cTn>
+                        </p:par>
+                      </p:childTnLst>
+                    </p:cTn>
+                  </p:par>
+                  <p:par>
+                    <p:cTn id="8" fill="hold">
+                      <p:stCondLst>
+                        <p:cond delay="indefinite"/>
+                      </p:stCondLst>
+                      <p:childTnLst>
+                        <p:par>
+                          <p:cTn id="9" fill="hold">
+                            <p:stCondLst>
+                              <p:cond delay="0"/>
+                            </p:stCondLst>
+                            <p:childTnLst>
+                              <p:par>
+                                <p:cTn id="10" presetID="10" presetClass="entr" presetSubtype="0" fill="hold" grpId="0" nodeType="clickEffect">
+                                  <p:stCondLst>
+                                    <p:cond delay="0"/>
+                                  </p:stCondLst>
+                                  <p:childTnLst>
+                                    <p:set>
+                                      <p:cBhvr>
+                                        <p:cTn id="11" dur="1" fill="hold">
+                                          <p:stCondLst>
+                                            <p:cond delay="0"/>
+                                          </p:stCondLst>
+                                        </p:cTn>
+                                        <p:tgtEl>
+                                          <p:spTgt spid="3">
+                                            <p:txEl>
+                                              <p:pRg st="0" end="0"/>
+                                            </p:txEl>
+                                          </p:spTgt>
+                                        </p:tgtEl>
+                                        <p:attrNameLst>
+                                          <p:attrName>style.visibility</p:attrName>
+                                        </p:attrNameLst>
+                                      </p:cBhvr>
+                                      <p:to>
+                                        <p:strVal val="visible"/>
+                                      </p:to>
+                                    </p:set>
+                                    <p:animEffect transition="in" filter="fade">
+                                      <p:cBhvr>
+                                        <p:cTn id="12" dur="500"/>
+                                        <p:tgtEl>
+                                          <p:spTgt spid="3">
+                                            <p:txEl>
+                                              <p:pRg st="0" end="0"/>
+                                            </p:txEl>
+                                          </p:spTgt>
+                                        </p:tgtEl>
+                                      </p:cBhvr>
+                                    </p:animEffect>
+                                  </p:childTnLst>
+                                </p:cTn>
+                              </p:par>
+                            </p:childTnLst>
+                          </p:cTn>
+                        </p:par>
+                      </p:childTnLst>
+                    </p:cTn>
+                  </p:par>
+                  <p:par>
+                    <p:cTn id="13" fill="hold">
+                      <p:stCondLst>
+                        <p:cond delay="indefinite"/>
+                      </p:stCondLst>
+                      <p:childTnLst>
+                        <p:par>
+                          <p:cTn id="14" fill="hold">
+                            <p:stCondLst>
+                              <p:cond delay="0"/>
+                            </p:stCondLst>
+                            <p:childTnLst>
+                              <p:par>
+                                <p:cTn id="15" presetID="26" presetClass="entr" presetSubtype="0" fill="hold" grpId="0" nodeType="clickEffect">
+                                  <p:stCondLst>
+                                    <p:cond delay="0"/>
+                                  </p:stCondLst>
+                                  <p:childTnLst>
+                                    <p:set>
+                                      <p:cBhvr>
+                                        <p:cTn id="16" dur="1" fill="hold">
+                                          <p:stCondLst>
+                                            <p:cond delay="0"/>
+                                          </p:stCondLst>
+                                        </p:cTn>
+                                        <p:tgtEl>
+                                          <p:spTgt spid="6"/>
+                                        </p:tgtEl>
+                                        <p:attrNameLst>
+                                          <p:attrName>style.visibility</p:attrName>
+                                        </p:attrNameLst>
+                                      </p:cBhvr>
+                                      <p:to>
+                                        <p:strVal val="visible"/>
+                                      </p:to>
+                                    </p:set>
+                                    <p:animEffect transition="in" filter="wipe(down)">
+                                      <p:cBhvr>
+                                        <p:cTn id="17" dur="580">
+                                          <p:stCondLst>
+                                            <p:cond delay="0"/>
+                                          </p:stCondLst>
+                                        </p:cTn>
+                                        <p:tgtEl>
+                                          <p:spTgt spid="6"/>
+                                        </p:tgtEl>
+                                      </p:cBhvr>
+                                    </p:animEffect>
+                                    <p:anim calcmode="lin" valueType="num">
+                                      <p:cBhvr>
+                                        <p:cTn id="18" dur="1822" tmFilter="0,0; 0.14,0.36; 0.43,0.73; 0.71,0.91; 1.0,1.0">
+                                          <p:stCondLst>
+                                            <p:cond delay="0"/>
+                                          </p:stCondLst>
+                                        </p:cTn>
+                                        <p:tgtEl>
+                                          <p:spTgt spid="6"/>
+                                        </p:tgtEl>
+                                        <p:attrNameLst>
+                                          <p:attrName>ppt_x</p:attrName>
+                                        </p:attrNameLst>
+                                      </p:cBhvr>
+                                      <p:tavLst>
+                                        <p:tav tm="0">
+                                          <p:val>
+                                            <p:strVal val="#ppt_x-0.25"/>
+                                          </p:val>
+                                        </p:tav>
+                                        <p:tav tm="100000">
+                                          <p:val>
+                                            <p:strVal val="#ppt_x"/>
+                                          </p:val>
+                                        </p:tav>
+                                      </p:tavLst>
+                                    </p:anim>
+                                    <p:anim calcmode="lin" valueType="num">
+                                      <p:cBhvr>
+                                        <p:cTn id="19" dur="664" tmFilter="0.0,0.0; 0.25,0.07; 0.50,0.2; 0.75,0.467; 1.0,1.0">
+                                          <p:stCondLst>
+                                            <p:cond delay="0"/>
+                                          </p:stCondLst>
+                                        </p:cTn>
+                                        <p:tgtEl>
+                                          <p:spTgt spid="6"/>
+                                        </p:tgtEl>
+                                        <p:attrNameLst>
+                                          <p:attrName>ppt_y</p:attrName>
+                                        </p:attrNameLst>
+                                      </p:cBhvr>
+                                      <p:tavLst>
+                                        <p:tav tm="0" fmla="#ppt_y-sin(pi*$)/3">
+                                          <p:val>
+                                            <p:fltVal val="0.5"/>
+                                          </p:val>
+                                        </p:tav>
+                                        <p:tav tm="100000">
+                                          <p:val>
+                                            <p:fltVal val="1"/>
+                                          </p:val>
+                                        </p:tav>
+                                      </p:tavLst>
+                                    </p:anim>
+                                    <p:anim calcmode="lin" valueType="num">
+                                      <p:cBhvr>
+                                        <p:cTn id="20" dur="664" tmFilter="0, 0; 0.125,0.2665; 0.25,0.4; 0.375,0.465; 0.5,0.5;  0.625,0.535; 0.75,0.6; 0.875,0.7335; 1,1">
+                                          <p:stCondLst>
+                                            <p:cond delay="664"/>
+                                          </p:stCondLst>
+                                        </p:cTn>
+                                        <p:tgtEl>
+                                          <p:spTgt spid="6"/>
+                                        </p:tgtEl>
+                                        <p:attrNameLst>
+                                          <p:attrName>ppt_y</p:attrName>
+                                        </p:attrNameLst>
+                                      </p:cBhvr>
+                                      <p:tavLst>
+                                        <p:tav tm="0" fmla="#ppt_y-sin(pi*$)/9">
+                                          <p:val>
+                                            <p:fltVal val="0"/>
+                                          </p:val>
+                                        </p:tav>
+                                        <p:tav tm="100000">
+                                          <p:val>
+                                            <p:fltVal val="1"/>
+                                          </p:val>
+                                        </p:tav>
+                                      </p:tavLst>
+                                    </p:anim>
+                                    <p:anim calcmode="lin" valueType="num">
+                                      <p:cBhvr>
+                                        <p:cTn id="21" dur="332" tmFilter="0, 0; 0.125,0.2665; 0.25,0.4; 0.375,0.465; 0.5,0.5;  0.625,0.535; 0.75,0.6; 0.875,0.7335; 1,1">
+                                          <p:stCondLst>
+                                            <p:cond delay="1324"/>
+                                          </p:stCondLst>
+                                        </p:cTn>
+                                        <p:tgtEl>
+                                          <p:spTgt spid="6"/>
+                                        </p:tgtEl>
+                                        <p:attrNameLst>
+                                          <p:attrName>ppt_y</p:attrName>
+                                        </p:attrNameLst>
+                                      </p:cBhvr>
+                                      <p:tavLst>
+                                        <p:tav tm="0" fmla="#ppt_y-sin(pi*$)/27">
+                                          <p:val>
+                                            <p:fltVal val="0"/>
+                                          </p:val>
+                                        </p:tav>
+                                        <p:tav tm="100000">
+                                          <p:val>
+                                            <p:fltVal val="1"/>
+                                          </p:val>
+                                        </p:tav>
+                                      </p:tavLst>
+                                    </p:anim>
+                                    <p:anim calcmode="lin" valueType="num">
+                                      <p:cBhvr>
+                                        <p:cTn id="22" dur="164" tmFilter="0, 0; 0.125,0.2665; 0.25,0.4; 0.375,0.465; 0.5,0.5;  0.625,0.535; 0.75,0.6; 0.875,0.7335; 1,1">
+                                          <p:stCondLst>
+                                            <p:cond delay="1656"/>
+                                          </p:stCondLst>
+                                        </p:cTn>
+                                        <p:tgtEl>
+                                          <p:spTgt spid="6"/>
+                                        </p:tgtEl>
+                                        <p:attrNameLst>
+                                          <p:attrName>ppt_y</p:attrName>
+                                        </p:attrNameLst>
+                                      </p:cBhvr>
+                                      <p:tavLst>
+                                        <p:tav tm="0" fmla="#ppt_y-sin(pi*$)/81">
+                                          <p:val>
+                                            <p:fltVal val="0"/>
+                                          </p:val>
+                                        </p:tav>
+                                        <p:tav tm="100000">
+                                          <p:val>
+                                            <p:fltVal val="1"/>
+                                          </p:val>
+                                        </p:tav>
+                                      </p:tavLst>
+                                    </p:anim>
+                                    <p:animScale>
+                                      <p:cBhvr>
+                                        <p:cTn id="23" dur="26">
+                                          <p:stCondLst>
+                                            <p:cond delay="650"/>
+                                          </p:stCondLst>
+                                        </p:cTn>
+                                        <p:tgtEl>
+                                          <p:spTgt spid="6"/>
+                                        </p:tgtEl>
+                                      </p:cBhvr>
+                                      <p:to x="100000" y="60000"/>
+                                    </p:animScale>
+                                    <p:animScale>
+                                      <p:cBhvr>
+                                        <p:cTn id="24" dur="166" decel="50000">
+                                          <p:stCondLst>
+                                            <p:cond delay="676"/>
+                                          </p:stCondLst>
+                                        </p:cTn>
+                                        <p:tgtEl>
+                                          <p:spTgt spid="6"/>
+                                        </p:tgtEl>
+                                      </p:cBhvr>
+                                      <p:to x="100000" y="100000"/>
+                                    </p:animScale>
+                                    <p:animScale>
+                                      <p:cBhvr>
+                                        <p:cTn id="25" dur="26">
+                                          <p:stCondLst>
+                                            <p:cond delay="1312"/>
+                                          </p:stCondLst>
+                                        </p:cTn>
+                                        <p:tgtEl>
+                                          <p:spTgt spid="6"/>
+                                        </p:tgtEl>
+                                      </p:cBhvr>
+                                      <p:to x="100000" y="80000"/>
+                                    </p:animScale>
+                                    <p:animScale>
+                                      <p:cBhvr>
+                                        <p:cTn id="26" dur="166" decel="50000">
+                                          <p:stCondLst>
+                                            <p:cond delay="1338"/>
+                                          </p:stCondLst>
+                                        </p:cTn>
+                                        <p:tgtEl>
+                                          <p:spTgt spid="6"/>
+                                        </p:tgtEl>
+                                      </p:cBhvr>
+                                      <p:to x="100000" y="100000"/>
+                                    </p:animScale>
+                                    <p:animScale>
+                                      <p:cBhvr>
+                                        <p:cTn id="27" dur="26">
+                                          <p:stCondLst>
+                                            <p:cond delay="1642"/>
+                                          </p:stCondLst>
+                                        </p:cTn>
+                                        <p:tgtEl>
+                                          <p:spTgt spid="6"/>
+                                        </p:tgtEl>
+                                      </p:cBhvr>
+                                      <p:to x="100000" y="90000"/>
+                                    </p:animScale>
+                                    <p:animScale>
+                                      <p:cBhvr>
+                                        <p:cTn id="28" dur="166" decel="50000">
+                                          <p:stCondLst>
+                                            <p:cond delay="1668"/>
+                                          </p:stCondLst>
+                                        </p:cTn>
+                                        <p:tgtEl>
+                                          <p:spTgt spid="6"/>
+                                        </p:tgtEl>
+                                      </p:cBhvr>
+                                      <p:to x="100000" y="100000"/>
+                                    </p:animScale>
+                                    <p:animScale>
+                                      <p:cBhvr>
+                                        <p:cTn id="29" dur="26">
+                                          <p:stCondLst>
+                                            <p:cond delay="1808"/>
+                                          </p:stCondLst>
+                                        </p:cTn>
+                                        <p:tgtEl>
+                                          <p:spTgt spid="6"/>
+                                        </p:tgtEl>
+                                      </p:cBhvr>
+                                      <p:to x="100000" y="95000"/>
+                                    </p:animScale>
+                                    <p:animScale>
+                                      <p:cBhvr>
+                                        <p:cTn id="30" dur="166" decel="50000">
+                                          <p:stCondLst>
+                                            <p:cond delay="1834"/>
+                                          </p:stCondLst>
+                                        </p:cTn>
+                                        <p:tgtEl>
+                                          <p:spTgt spid="6"/>
+                                        </p:tgtEl>
+                                      </p:cBhvr>
+                                      <p:to x="100000" y="100000"/>
+                                    </p:animScale>
+                                  </p:childTnLst>
+                                </p:cTn>
+                              </p:par>
+                              <p:par>
+                                <p:cTn id="31" presetID="26" presetClass="entr" presetSubtype="0" fill="hold" grpId="0" nodeType="withEffect">
+                                  <p:stCondLst>
+                                    <p:cond delay="0"/>
+                                  </p:stCondLst>
+                                  <p:childTnLst>
+                                    <p:set>
+                                      <p:cBhvr>
+                                        <p:cTn id="32" dur="1" fill="hold">
+                                          <p:stCondLst>
+                                            <p:cond delay="0"/>
+                                          </p:stCondLst>
+                                        </p:cTn>
+                                        <p:tgtEl>
+                                          <p:spTgt spid="7"/>
+                                        </p:tgtEl>
+                                        <p:attrNameLst>
+                                          <p:attrName>style.visibility</p:attrName>
+                                        </p:attrNameLst>
+                                      </p:cBhvr>
+                                      <p:to>
+                                        <p:strVal val="visible"/>
+                                      </p:to>
+                                    </p:set>
+                                    <p:animEffect transition="in" filter="wipe(down)">
+                                      <p:cBhvr>
+                                        <p:cTn id="33" dur="580">
+                                          <p:stCondLst>
+                                            <p:cond delay="0"/>
+                                          </p:stCondLst>
+                                        </p:cTn>
+                                        <p:tgtEl>
+                                          <p:spTgt spid="7"/>
+                                        </p:tgtEl>
+                                      </p:cBhvr>
+                                    </p:animEffect>
+                                    <p:anim calcmode="lin" valueType="num">
+                                      <p:cBhvr>
+                                        <p:cTn id="34" dur="1822" tmFilter="0,0; 0.14,0.36; 0.43,0.73; 0.71,0.91; 1.0,1.0">
+                                          <p:stCondLst>
+                                            <p:cond delay="0"/>
+                                          </p:stCondLst>
+                                        </p:cTn>
+                                        <p:tgtEl>
+                                          <p:spTgt spid="7"/>
+                                        </p:tgtEl>
+                                        <p:attrNameLst>
+                                          <p:attrName>ppt_x</p:attrName>
+                                        </p:attrNameLst>
+                                      </p:cBhvr>
+                                      <p:tavLst>
+                                        <p:tav tm="0">
+                                          <p:val>
+                                            <p:strVal val="#ppt_x-0.25"/>
+                                          </p:val>
+                                        </p:tav>
+                                        <p:tav tm="100000">
+                                          <p:val>
+                                            <p:strVal val="#ppt_x"/>
+                                          </p:val>
+                                        </p:tav>
+                                      </p:tavLst>
+                                    </p:anim>
+                                    <p:anim calcmode="lin" valueType="num">
+                                      <p:cBhvr>
+                                        <p:cTn id="35" dur="664" tmFilter="0.0,0.0; 0.25,0.07; 0.50,0.2; 0.75,0.467; 1.0,1.0">
+                                          <p:stCondLst>
+                                            <p:cond delay="0"/>
+                                          </p:stCondLst>
+                                        </p:cTn>
+                                        <p:tgtEl>
+                                          <p:spTgt spid="7"/>
+                                        </p:tgtEl>
+                                        <p:attrNameLst>
+                                          <p:attrName>ppt_y</p:attrName>
+                                        </p:attrNameLst>
+                                      </p:cBhvr>
+                                      <p:tavLst>
+                                        <p:tav tm="0" fmla="#ppt_y-sin(pi*$)/3">
+                                          <p:val>
+                                            <p:fltVal val="0.5"/>
+                                          </p:val>
+                                        </p:tav>
+                                        <p:tav tm="100000">
+                                          <p:val>
+                                            <p:fltVal val="1"/>
+                                          </p:val>
+                                        </p:tav>
+                                      </p:tavLst>
+                                    </p:anim>
+                                    <p:anim calcmode="lin" valueType="num">
+                                      <p:cBhvr>
+                                        <p:cTn id="36" dur="664" tmFilter="0, 0; 0.125,0.2665; 0.25,0.4; 0.375,0.465; 0.5,0.5;  0.625,0.535; 0.75,0.6; 0.875,0.7335; 1,1">
+                                          <p:stCondLst>
+                                            <p:cond delay="664"/>
+                                          </p:stCondLst>
+                                        </p:cTn>
+                                        <p:tgtEl>
+                                          <p:spTgt spid="7"/>
+                                        </p:tgtEl>
+                                        <p:attrNameLst>
+                                          <p:attrName>ppt_y</p:attrName>
+                                        </p:attrNameLst>
+                                      </p:cBhvr>
+                                      <p:tavLst>
+                                        <p:tav tm="0" fmla="#ppt_y-sin(pi*$)/9">
+                                          <p:val>
+                                            <p:fltVal val="0"/>
+                                          </p:val>
+                                        </p:tav>
+                                        <p:tav tm="100000">
+                                          <p:val>
+                                            <p:fltVal val="1"/>
+                                          </p:val>
+                                        </p:tav>
+                                      </p:tavLst>
+                                    </p:anim>
+                                    <p:anim calcmode="lin" valueType="num">
+                                      <p:cBhvr>
+                                        <p:cTn id="37" dur="332" tmFilter="0, 0; 0.125,0.2665; 0.25,0.4; 0.375,0.465; 0.5,0.5;  0.625,0.535; 0.75,0.6; 0.875,0.7335; 1,1">
+                                          <p:stCondLst>
+                                            <p:cond delay="1324"/>
+                                          </p:stCondLst>
+                                        </p:cTn>
+                                        <p:tgtEl>
+                                          <p:spTgt spid="7"/>
+                                        </p:tgtEl>
+                                        <p:attrNameLst>
+                                          <p:attrName>ppt_y</p:attrName>
+                                        </p:attrNameLst>
+                                      </p:cBhvr>
+                                      <p:tavLst>
+                                        <p:tav tm="0" fmla="#ppt_y-sin(pi*$)/27">
+                                          <p:val>
+                                            <p:fltVal val="0"/>
+                                          </p:val>
+                                        </p:tav>
+                                        <p:tav tm="100000">
+                                          <p:val>
+                                            <p:fltVal val="1"/>
+                                          </p:val>
+                                        </p:tav>
+                                      </p:tavLst>
+                                    </p:anim>
+                                    <p:anim calcmode="lin" valueType="num">
+                                      <p:cBhvr>
+                                        <p:cTn id="38" dur="164" tmFilter="0, 0; 0.125,0.2665; 0.25,0.4; 0.375,0.465; 0.5,0.5;  0.625,0.535; 0.75,0.6; 0.875,0.7335; 1,1">
+                                          <p:stCondLst>
+                                            <p:cond delay="1656"/>
+                                          </p:stCondLst>
+                                        </p:cTn>
+                                        <p:tgtEl>
+                                          <p:spTgt spid="7"/>
+                                        </p:tgtEl>
+                                        <p:attrNameLst>
+                                          <p:attrName>ppt_y</p:attrName>
+                                        </p:attrNameLst>
+                                      </p:cBhvr>
+                                      <p:tavLst>
+                                        <p:tav tm="0" fmla="#ppt_y-sin(pi*$)/81">
+                                          <p:val>
+                                            <p:fltVal val="0"/>
+                                          </p:val>
+                                        </p:tav>
+                                        <p:tav tm="100000">
+                                          <p:val>
+                                            <p:fltVal val="1"/>
+                                          </p:val>
+                                        </p:tav>
+                                      </p:tavLst>
+                                    </p:anim>
+                                    <p:animScale>
+                                      <p:cBhvr>
+                                        <p:cTn id="39" dur="26">
+                                          <p:stCondLst>
+                                            <p:cond delay="650"/>
+                                          </p:stCondLst>
+                                        </p:cTn>
+                                        <p:tgtEl>
+                                          <p:spTgt spid="7"/>
+                                        </p:tgtEl>
+                                      </p:cBhvr>
+                                      <p:to x="100000" y="60000"/>
+                                    </p:animScale>
+                                    <p:animScale>
+                                      <p:cBhvr>
+                                        <p:cTn id="40" dur="166" decel="50000">
+                                          <p:stCondLst>
+                                            <p:cond delay="676"/>
+                                          </p:stCondLst>
+                                        </p:cTn>
+                                        <p:tgtEl>
+                                          <p:spTgt spid="7"/>
+                                        </p:tgtEl>
+                                      </p:cBhvr>
+                                      <p:to x="100000" y="100000"/>
+                                    </p:animScale>
+                                    <p:animScale>
+                                      <p:cBhvr>
+                                        <p:cTn id="41" dur="26">
+                                          <p:stCondLst>
+                                            <p:cond delay="1312"/>
+                                          </p:stCondLst>
+                                        </p:cTn>
+                                        <p:tgtEl>
+                                          <p:spTgt spid="7"/>
+                                        </p:tgtEl>
+                                      </p:cBhvr>
+                                      <p:to x="100000" y="80000"/>
+                                    </p:animScale>
+                                    <p:animScale>
+                                      <p:cBhvr>
+                                        <p:cTn id="42" dur="166" decel="50000">
+                                          <p:stCondLst>
+                                            <p:cond delay="1338"/>
+                                          </p:stCondLst>
+                                        </p:cTn>
+                                        <p:tgtEl>
+                                          <p:spTgt spid="7"/>
+                                        </p:tgtEl>
+                                      </p:cBhvr>
+                                      <p:to x="100000" y="100000"/>
+                                    </p:animScale>
+                                    <p:animScale>
+                                      <p:cBhvr>
+                                        <p:cTn id="43" dur="26">
+                                          <p:stCondLst>
+                                            <p:cond delay="1642"/>
+                                          </p:stCondLst>
+                                        </p:cTn>
+                                        <p:tgtEl>
+                                          <p:spTgt spid="7"/>
+                                        </p:tgtEl>
+                                      </p:cBhvr>
+                                      <p:to x="100000" y="90000"/>
+                                    </p:animScale>
+                                    <p:animScale>
+                                      <p:cBhvr>
+                                        <p:cTn id="44" dur="166" decel="50000">
+                                          <p:stCondLst>
+                                            <p:cond delay="1668"/>
+                                          </p:stCondLst>
+                                        </p:cTn>
+                                        <p:tgtEl>
+                                          <p:spTgt spid="7"/>
+                                        </p:tgtEl>
+                                      </p:cBhvr>
+                                      <p:to x="100000" y="100000"/>
+                                    </p:animScale>
+                                    <p:animScale>
+                                      <p:cBhvr>
+                                        <p:cTn id="45" dur="26">
+                                          <p:stCondLst>
+                                            <p:cond delay="1808"/>
+                                          </p:stCondLst>
+                                        </p:cTn>
+                                        <p:tgtEl>
+                                          <p:spTgt spid="7"/>
+                                        </p:tgtEl>
+                                      </p:cBhvr>
+                                      <p:to x="100000" y="95000"/>
+                                    </p:animScale>
+                                    <p:animScale>
+                                      <p:cBhvr>
+                                        <p:cTn id="46" dur="166" decel="50000">
+                                          <p:stCondLst>
+                                            <p:cond delay="1834"/>
+                                          </p:stCondLst>
+                                        </p:cTn>
+                                        <p:tgtEl>
+                                          <p:spTgt spid="7"/>
+                                        </p:tgtEl>
+                                      </p:cBhvr>
+                                      <p:to x="100000" y="100000"/>
+                                    </p:animScale>
+                                  </p:childTnLst>
+                                </p:cTn>
+                              </p:par>
+                              <p:par>
+                                <p:cTn id="47" presetID="26" presetClass="entr" presetSubtype="0" fill="hold" grpId="0" nodeType="withEffect">
+                                  <p:stCondLst>
+                                    <p:cond delay="0"/>
+                                  </p:stCondLst>
+                                  <p:childTnLst>
+                                    <p:set>
+                                      <p:cBhvr>
+                                        <p:cTn id="48" dur="1" fill="hold">
+                                          <p:stCondLst>
+                                            <p:cond delay="0"/>
+                                          </p:stCondLst>
+                                        </p:cTn>
+                                        <p:tgtEl>
+                                          <p:spTgt spid="8"/>
+                                        </p:tgtEl>
+                                        <p:attrNameLst>
+                                          <p:attrName>style.visibility</p:attrName>
+                                        </p:attrNameLst>
+                                      </p:cBhvr>
+                                      <p:to>
+                                        <p:strVal val="visible"/>
+                                      </p:to>
+                                    </p:set>
+                                    <p:animEffect transition="in" filter="wipe(down)">
+                                      <p:cBhvr>
+                                        <p:cTn id="49" dur="580">
+                                          <p:stCondLst>
+                                            <p:cond delay="0"/>
+                                          </p:stCondLst>
+                                        </p:cTn>
+                                        <p:tgtEl>
+                                          <p:spTgt spid="8"/>
+                                        </p:tgtEl>
+                                      </p:cBhvr>
+                                    </p:animEffect>
+                                    <p:anim calcmode="lin" valueType="num">
+                                      <p:cBhvr>
+                                        <p:cTn id="50" dur="1822" tmFilter="0,0; 0.14,0.36; 0.43,0.73; 0.71,0.91; 1.0,1.0">
+                                          <p:stCondLst>
+                                            <p:cond delay="0"/>
+                                          </p:stCondLst>
+                                        </p:cTn>
+                                        <p:tgtEl>
+                                          <p:spTgt spid="8"/>
+                                        </p:tgtEl>
+                                        <p:attrNameLst>
+                                          <p:attrName>ppt_x</p:attrName>
+                                        </p:attrNameLst>
+                                      </p:cBhvr>
+                                      <p:tavLst>
+                                        <p:tav tm="0">
+                                          <p:val>
+                                            <p:strVal val="#ppt_x-0.25"/>
+                                          </p:val>
+                                        </p:tav>
+                                        <p:tav tm="100000">
+                                          <p:val>
+                                            <p:strVal val="#ppt_x"/>
+                                          </p:val>
+                                        </p:tav>
+                                      </p:tavLst>
+                                    </p:anim>
+                                    <p:anim calcmode="lin" valueType="num">
+                                      <p:cBhvr>
+                                        <p:cTn id="51" dur="664" tmFilter="0.0,0.0; 0.25,0.07; 0.50,0.2; 0.75,0.467; 1.0,1.0">
+                                          <p:stCondLst>
+                                            <p:cond delay="0"/>
+                                          </p:stCondLst>
+                                        </p:cTn>
+                                        <p:tgtEl>
+                                          <p:spTgt spid="8"/>
+                                        </p:tgtEl>
+                                        <p:attrNameLst>
+                                          <p:attrName>ppt_y</p:attrName>
+                                        </p:attrNameLst>
+                                      </p:cBhvr>
+                                      <p:tavLst>
+                                        <p:tav tm="0" fmla="#ppt_y-sin(pi*$)/3">
+                                          <p:val>
+                                            <p:fltVal val="0.5"/>
+                                          </p:val>
+                                        </p:tav>
+                                        <p:tav tm="100000">
+                                          <p:val>
+                                            <p:fltVal val="1"/>
+                                          </p:val>
+                                        </p:tav>
+                                      </p:tavLst>
+                                    </p:anim>
+                                    <p:anim calcmode="lin" valueType="num">
+                                      <p:cBhvr>
+                                        <p:cTn id="52" dur="664" tmFilter="0, 0; 0.125,0.2665; 0.25,0.4; 0.375,0.465; 0.5,0.5;  0.625,0.535; 0.75,0.6; 0.875,0.7335; 1,1">
+                                          <p:stCondLst>
+                                            <p:cond delay="664"/>
+                                          </p:stCondLst>
+                                        </p:cTn>
+                                        <p:tgtEl>
+                                          <p:spTgt spid="8"/>
+                                        </p:tgtEl>
+                                        <p:attrNameLst>
+                                          <p:attrName>ppt_y</p:attrName>
+                                        </p:attrNameLst>
+                                      </p:cBhvr>
+                                      <p:tavLst>
+                                        <p:tav tm="0" fmla="#ppt_y-sin(pi*$)/9">
+                                          <p:val>
+                                            <p:fltVal val="0"/>
+                                          </p:val>
+                                        </p:tav>
+                                        <p:tav tm="100000">
+                                          <p:val>
+                                            <p:fltVal val="1"/>
+                                          </p:val>
+                                        </p:tav>
+                                      </p:tavLst>
+                                    </p:anim>
+                                    <p:anim calcmode="lin" valueType="num">
+                                      <p:cBhvr>
+                                        <p:cTn id="53" dur="332" tmFilter="0, 0; 0.125,0.2665; 0.25,0.4; 0.375,0.465; 0.5,0.5;  0.625,0.535; 0.75,0.6; 0.875,0.7335; 1,1">
+                                          <p:stCondLst>
+                                            <p:cond delay="1324"/>
+                                          </p:stCondLst>
+                                        </p:cTn>
+                                        <p:tgtEl>
+                                          <p:spTgt spid="8"/>
+                                        </p:tgtEl>
+                                        <p:attrNameLst>
+                                          <p:attrName>ppt_y</p:attrName>
+                                        </p:attrNameLst>
+                                      </p:cBhvr>
+                                      <p:tavLst>
+                                        <p:tav tm="0" fmla="#ppt_y-sin(pi*$)/27">
+                                          <p:val>
+                                            <p:fltVal val="0"/>
+                                          </p:val>
+                                        </p:tav>
+                                        <p:tav tm="100000">
+                                          <p:val>
+                                            <p:fltVal val="1"/>
+                                          </p:val>
+                                        </p:tav>
+                                      </p:tavLst>
+                                    </p:anim>
+                                    <p:anim calcmode="lin" valueType="num">
+                                      <p:cBhvr>
+                                        <p:cTn id="54" dur="164" tmFilter="0, 0; 0.125,0.2665; 0.25,0.4; 0.375,0.465; 0.5,0.5;  0.625,0.535; 0.75,0.6; 0.875,0.7335; 1,1">
+                                          <p:stCondLst>
+                                            <p:cond delay="1656"/>
+                                          </p:stCondLst>
+                                        </p:cTn>
+                                        <p:tgtEl>
+                                          <p:spTgt spid="8"/>
+                                        </p:tgtEl>
+                                        <p:attrNameLst>
+                                          <p:attrName>ppt_y</p:attrName>
+                                        </p:attrNameLst>
+                                      </p:cBhvr>
+                                      <p:tavLst>
+                                        <p:tav tm="0" fmla="#ppt_y-sin(pi*$)/81">
+                                          <p:val>
+                                            <p:fltVal val="0"/>
+                                          </p:val>
+                                        </p:tav>
+                                        <p:tav tm="100000">
+                                          <p:val>
+                                            <p:fltVal val="1"/>
+                                          </p:val>
+                                        </p:tav>
+                                      </p:tavLst>
+                                    </p:anim>
+                                    <p:animScale>
+                                      <p:cBhvr>
+                                        <p:cTn id="55" dur="26">
+                                          <p:stCondLst>
+                                            <p:cond delay="650"/>
+                                          </p:stCondLst>
+                                        </p:cTn>
+                                        <p:tgtEl>
+                                          <p:spTgt spid="8"/>
+                                        </p:tgtEl>
+                                      </p:cBhvr>
+                                      <p:to x="100000" y="60000"/>
+                                    </p:animScale>
+                                    <p:animScale>
+                                      <p:cBhvr>
+                                        <p:cTn id="56" dur="166" decel="50000">
+                                          <p:stCondLst>
+                                            <p:cond delay="676"/>
+                                          </p:stCondLst>
+                                        </p:cTn>
+                                        <p:tgtEl>
+                                          <p:spTgt spid="8"/>
+                                        </p:tgtEl>
+                                      </p:cBhvr>
+                                      <p:to x="100000" y="100000"/>
+                                    </p:animScale>
+                                    <p:animScale>
+                                      <p:cBhvr>
+                                        <p:cTn id="57" dur="26">
+                                          <p:stCondLst>
+                                            <p:cond delay="1312"/>
+                                          </p:stCondLst>
+                                        </p:cTn>
+                                        <p:tgtEl>
+                                          <p:spTgt spid="8"/>
+                                        </p:tgtEl>
+                                      </p:cBhvr>
+                                      <p:to x="100000" y="80000"/>
+                                    </p:animScale>
+                                    <p:animScale>
+                                      <p:cBhvr>
+                                        <p:cTn id="58" dur="166" decel="50000">
+                                          <p:stCondLst>
+                                            <p:cond delay="1338"/>
+                                          </p:stCondLst>
+                                        </p:cTn>
+                                        <p:tgtEl>
+                                          <p:spTgt spid="8"/>
+                                        </p:tgtEl>
+                                      </p:cBhvr>
+                                      <p:to x="100000" y="100000"/>
+                                    </p:animScale>
+                                    <p:animScale>
+                                      <p:cBhvr>
+                                        <p:cTn id="59" dur="26">
+                                          <p:stCondLst>
+                                            <p:cond delay="1642"/>
+                                          </p:stCondLst>
+                                        </p:cTn>
+                                        <p:tgtEl>
+                                          <p:spTgt spid="8"/>
+                                        </p:tgtEl>
+                                      </p:cBhvr>
+                                      <p:to x="100000" y="90000"/>
+                                    </p:animScale>
+                                    <p:animScale>
+                                      <p:cBhvr>
+                                        <p:cTn id="60" dur="166" decel="50000">
+                                          <p:stCondLst>
+                                            <p:cond delay="1668"/>
+                                          </p:stCondLst>
+                                        </p:cTn>
+                                        <p:tgtEl>
+                                          <p:spTgt spid="8"/>
+                                        </p:tgtEl>
+                                      </p:cBhvr>
+                                      <p:to x="100000" y="100000"/>
+                                    </p:animScale>
+                                    <p:animScale>
+                                      <p:cBhvr>
+                                        <p:cTn id="61" dur="26">
+                                          <p:stCondLst>
+                                            <p:cond delay="1808"/>
+                                          </p:stCondLst>
+                                        </p:cTn>
+                                        <p:tgtEl>
+                                          <p:spTgt spid="8"/>
+                                        </p:tgtEl>
+                                      </p:cBhvr>
+                                      <p:to x="100000" y="95000"/>
+                                    </p:animScale>
+                                    <p:animScale>
+                                      <p:cBhvr>
+                                        <p:cTn id="62" dur="166" decel="50000">
+                                          <p:stCondLst>
+                                            <p:cond delay="1834"/>
+                                          </p:stCondLst>
+                                        </p:cTn>
+                                        <p:tgtEl>
+                                          <p:spTgt spid="8"/>
+                                        </p:tgtEl>
+                                      </p:cBhvr>
+                                      <p:to x="100000" y="100000"/>
+                                    </p:animScale>
+                                  </p:childTnLst>
+                                </p:cTn>
+                              </p:par>
+                            </p:childTnLst>
+                          </p:cTn>
+                        </p:par>
+                      </p:childTnLst>
+                    </p:cTn>
+                  </p:par>
+                  <p:par>
+                    <p:cTn id="63" fill="hold">
+                      <p:stCondLst>
+                        <p:cond delay="indefinite"/>
+                      </p:stCondLst>
+                      <p:childTnLst>
+                        <p:par>
+                          <p:cTn id="64" fill="hold">
+                            <p:stCondLst>
+                              <p:cond delay="0"/>
+                            </p:stCondLst>
+                            <p:childTnLst>
+                              <p:par>
+                                <p:cTn id="65" presetID="42" presetClass="entr" presetSubtype="0" fill="hold" grpId="0" nodeType="clickEffect">
+                                  <p:stCondLst>
+                                    <p:cond delay="0"/>
+                                  </p:stCondLst>
+                                  <p:childTnLst>
+                                    <p:set>
+                                      <p:cBhvr>
+                                        <p:cTn id="66" dur="1" fill="hold">
+                                          <p:stCondLst>
+                                            <p:cond delay="0"/>
+                                          </p:stCondLst>
+                                        </p:cTn>
+                                        <p:tgtEl>
+                                          <p:spTgt spid="11"/>
+                                        </p:tgtEl>
+                                        <p:attrNameLst>
+                                          <p:attrName>style.visibility</p:attrName>
+                                        </p:attrNameLst>
+                                      </p:cBhvr>
+                                      <p:to>
+                                        <p:strVal val="visible"/>
+                                      </p:to>
+                                    </p:set>
+                                    <p:animEffect transition="in" filter="fade">
+                                      <p:cBhvr>
+                                        <p:cTn id="67" dur="1000"/>
+                                        <p:tgtEl>
+                                          <p:spTgt spid="11"/>
+                                        </p:tgtEl>
+                                      </p:cBhvr>
+                                    </p:animEffect>
+                                    <p:anim calcmode="lin" valueType="num">
+                                      <p:cBhvr>
+                                        <p:cTn id="68" dur="1000" fill="hold"/>
+                                        <p:tgtEl>
+                                          <p:spTgt spid="11"/>
+                                        </p:tgtEl>
+                                        <p:attrNameLst>
+                                          <p:attrName>ppt_x</p:attrName>
+                                        </p:attrNameLst>
+                                      </p:cBhvr>
+                                      <p:tavLst>
+                                        <p:tav tm="0">
+                                          <p:val>
+                                            <p:strVal val="#ppt_x"/>
+                                          </p:val>
+                                        </p:tav>
+                                        <p:tav tm="100000">
+                                          <p:val>
+                                            <p:strVal val="#ppt_x"/>
+                                          </p:val>
+                                        </p:tav>
+                                      </p:tavLst>
+                                    </p:anim>
+                                    <p:anim calcmode="lin" valueType="num">
+                                      <p:cBhvr>
+                                        <p:cTn id="69" dur="1000" fill="hold"/>
+                                        <p:tgtEl>
+                                          <p:spTgt spid="11"/>
+                                        </p:tgtEl>
+                                        <p:attrNameLst>
+                                          <p:attrName>ppt_y</p:attrName>
+                                        </p:attrNameLst>
+                                      </p:cBhvr>
+                                      <p:tavLst>
+                                        <p:tav tm="0">
+                                          <p:val>
+                                            <p:strVal val="#ppt_y+.1"/>
+                                          </p:val>
+                                        </p:tav>
+                                        <p:tav tm="100000">
+                                          <p:val>
+                                            <p:strVal val="#ppt_y"/>
+                                          </p:val>
+                                        </p:tav>
+                                      </p:tavLst>
+                                    </p:anim>
+                                  </p:childTnLst>
+                                </p:cTn>
+                              </p:par>
+                              <p:par>
+                                <p:cTn id="70" presetID="42" presetClass="entr" presetSubtype="0" fill="hold" grpId="0" nodeType="withEffect">
+                                  <p:stCondLst>
+                                    <p:cond delay="0"/>
+                                  </p:stCondLst>
+                                  <p:childTnLst>
+                                    <p:set>
+                                      <p:cBhvr>
+                                        <p:cTn id="71" dur="1" fill="hold">
+                                          <p:stCondLst>
+                                            <p:cond delay="0"/>
+                                          </p:stCondLst>
+                                        </p:cTn>
+                                        <p:tgtEl>
+                                          <p:spTgt spid="12"/>
+                                        </p:tgtEl>
+                                        <p:attrNameLst>
+                                          <p:attrName>style.visibility</p:attrName>
+                                        </p:attrNameLst>
+                                      </p:cBhvr>
+                                      <p:to>
+                                        <p:strVal val="visible"/>
+                                      </p:to>
+                                    </p:set>
+                                    <p:animEffect transition="in" filter="fade">
+                                      <p:cBhvr>
+                                        <p:cTn id="72" dur="1000"/>
+                                        <p:tgtEl>
+                                          <p:spTgt spid="12"/>
+                                        </p:tgtEl>
+                                      </p:cBhvr>
+                                    </p:animEffect>
+                                    <p:anim calcmode="lin" valueType="num">
+                                      <p:cBhvr>
+                                        <p:cTn id="73" dur="1000" fill="hold"/>
+                                        <p:tgtEl>
+                                          <p:spTgt spid="12"/>
+                                        </p:tgtEl>
+                                        <p:attrNameLst>
+                                          <p:attrName>ppt_x</p:attrName>
+                                        </p:attrNameLst>
+                                      </p:cBhvr>
+                                      <p:tavLst>
+                                        <p:tav tm="0">
+                                          <p:val>
+                                            <p:strVal val="#ppt_x"/>
+                                          </p:val>
+                                        </p:tav>
+                                        <p:tav tm="100000">
+                                          <p:val>
+                                            <p:strVal val="#ppt_x"/>
+                                          </p:val>
+                                        </p:tav>
+                                      </p:tavLst>
+                                    </p:anim>
+                                    <p:anim calcmode="lin" valueType="num">
+                                      <p:cBhvr>
+                                        <p:cTn id="74" dur="1000" fill="hold"/>
+                                        <p:tgtEl>
+                                          <p:spTgt spid="12"/>
+                                        </p:tgtEl>
+                                        <p:attrNameLst>
+                                          <p:attrName>ppt_y</p:attrName>
+                                        </p:attrNameLst>
+                                      </p:cBhvr>
+                                      <p:tavLst>
+                                        <p:tav tm="0">
+                                          <p:val>
+                                            <p:strVal val="#ppt_y+.1"/>
+                                          </p:val>
+                                        </p:tav>
+                                        <p:tav tm="100000">
+                                          <p:val>
+                                            <p:strVal val="#ppt_y"/>
+                                          </p:val>
+                                        </p:tav>
+                                      </p:tavLst>
+                                    </p:anim>
+                                  </p:childTnLst>
+                                </p:cTn>
+                              </p:par>
+                            </p:childTnLst>
+                          </p:cTn>
+                        </p:par>
+                      </p:childTnLst>
+                    </p:cTn>
+                  </p:par>
+                  <p:par>
+                    <p:cTn id="75" fill="hold">
+                      <p:stCondLst>
+                        <p:cond delay="indefinite"/>
+                      </p:stCondLst>
+                      <p:childTnLst>
+                        <p:par>
+                          <p:cTn id="76" fill="hold">
+                            <p:stCondLst>
+                              <p:cond delay="0"/>
+                            </p:stCondLst>
+                            <p:childTnLst>
+                              <p:par>
+                                <p:cTn id="77" presetID="42" presetClass="entr" presetSubtype="0" fill="hold" grpId="0" nodeType="clickEffect">
+                                  <p:stCondLst>
+                                    <p:cond delay="0"/>
+                                  </p:stCondLst>
+                                  <p:childTnLst>
+                                    <p:set>
+                                      <p:cBhvr>
+                                        <p:cTn id="78" dur="1" fill="hold">
+                                          <p:stCondLst>
+                                            <p:cond delay="0"/>
+                                          </p:stCondLst>
+                                        </p:cTn>
+                                        <p:tgtEl>
+                                          <p:spTgt spid="15"/>
+                                        </p:tgtEl>
+                                        <p:attrNameLst>
+                                          <p:attrName>style.visibility</p:attrName>
+                                        </p:attrNameLst>
+                                      </p:cBhvr>
+                                      <p:to>
+                                        <p:strVal val="visible"/>
+                                      </p:to>
+                                    </p:set>
+                                    <p:animEffect transition="in" filter="fade">
+                                      <p:cBhvr>
+                                        <p:cTn id="79" dur="1000"/>
+                                        <p:tgtEl>
+                                          <p:spTgt spid="15"/>
+                                        </p:tgtEl>
+                                      </p:cBhvr>
+                                    </p:animEffect>
+                                    <p:anim calcmode="lin" valueType="num">
+                                      <p:cBhvr>
+                                        <p:cTn id="80" dur="1000" fill="hold"/>
+                                        <p:tgtEl>
+                                          <p:spTgt spid="15"/>
+                                        </p:tgtEl>
+                                        <p:attrNameLst>
+                                          <p:attrName>ppt_x</p:attrName>
+                                        </p:attrNameLst>
+                                      </p:cBhvr>
+                                      <p:tavLst>
+                                        <p:tav tm="0">
+                                          <p:val>
+                                            <p:strVal val="#ppt_x"/>
+                                          </p:val>
+                                        </p:tav>
+                                        <p:tav tm="100000">
+                                          <p:val>
+                                            <p:strVal val="#ppt_x"/>
+                                          </p:val>
+                                        </p:tav>
+                                      </p:tavLst>
+                                    </p:anim>
+                                    <p:anim calcmode="lin" valueType="num">
+                                      <p:cBhvr>
+                                        <p:cTn id="81" dur="1000" fill="hold"/>
+                                        <p:tgtEl>
+                                          <p:spTgt spid="15"/>
+                                        </p:tgtEl>
+                                        <p:attrNameLst>
+                                          <p:attrName>ppt_y</p:attrName>
+                                        </p:attrNameLst>
+                                      </p:cBhvr>
+                                      <p:tavLst>
+                                        <p:tav tm="0">
+                                          <p:val>
+                                            <p:strVal val="#ppt_y+.1"/>
+                                          </p:val>
+                                        </p:tav>
+                                        <p:tav tm="100000">
+                                          <p:val>
+                                            <p:strVal val="#ppt_y"/>
+                                          </p:val>
+                                        </p:tav>
+                                      </p:tavLst>
+                                    </p:anim>
+                                  </p:childTnLst>
+                                </p:cTn>
+                              </p:par>
+                            </p:childTnLst>
+                          </p:cTn>
+                        </p:par>
+                      </p:childTnLst>
+                    </p:cTn>
+                  </p:par>
+                  <p:par>
+                    <p:cTn id="82" fill="hold">
+                      <p:stCondLst>
+                        <p:cond delay="indefinite"/>
+                      </p:stCondLst>
+                      <p:childTnLst>
+                        <p:par>
+                          <p:cTn id="83" fill="hold">
+                            <p:stCondLst>
+                              <p:cond delay="0"/>
+                            </p:stCondLst>
+                            <p:childTnLst>
+                              <p:par>
+                                <p:cTn id="84" presetID="26" presetClass="entr" presetSubtype="0" fill="hold" grpId="0" nodeType="clickEffect">
+                                  <p:stCondLst>
+                                    <p:cond delay="0"/>
+                                  </p:stCondLst>
+                                  <p:childTnLst>
+                                    <p:set>
+                                      <p:cBhvr>
+                                        <p:cTn id="85" dur="1" fill="hold">
+                                          <p:stCondLst>
+                                            <p:cond delay="0"/>
+                                          </p:stCondLst>
+                                        </p:cTn>
+                                        <p:tgtEl>
+                                          <p:spTgt spid="16"/>
+                                        </p:tgtEl>
+                                        <p:attrNameLst>
+                                          <p:attrName>style.visibility</p:attrName>
+                                        </p:attrNameLst>
+                                      </p:cBhvr>
+                                      <p:to>
+                                        <p:strVal val="visible"/>
+                                      </p:to>
+                                    </p:set>
+                                    <p:animEffect transition="in" filter="wipe(down)">
+                                      <p:cBhvr>
+                                        <p:cTn id="86" dur="580">
+                                          <p:stCondLst>
+                                            <p:cond delay="0"/>
+                                          </p:stCondLst>
+                                        </p:cTn>
+                                        <p:tgtEl>
+                                          <p:spTgt spid="16"/>
+                                        </p:tgtEl>
+                                      </p:cBhvr>
+                                    </p:animEffect>
+                                    <p:anim calcmode="lin" valueType="num">
+                                      <p:cBhvr>
+                                        <p:cTn id="87" dur="1822" tmFilter="0,0; 0.14,0.36; 0.43,0.73; 0.71,0.91; 1.0,1.0">
+                                          <p:stCondLst>
+                                            <p:cond delay="0"/>
+                                          </p:stCondLst>
+                                        </p:cTn>
+                                        <p:tgtEl>
+                                          <p:spTgt spid="16"/>
+                                        </p:tgtEl>
+                                        <p:attrNameLst>
+                                          <p:attrName>ppt_x</p:attrName>
+                                        </p:attrNameLst>
+                                      </p:cBhvr>
+                                      <p:tavLst>
+                                        <p:tav tm="0">
+                                          <p:val>
+                                            <p:strVal val="#ppt_x-0.25"/>
+                                          </p:val>
+                                        </p:tav>
+                                        <p:tav tm="100000">
+                                          <p:val>
+                                            <p:strVal val="#ppt_x"/>
+                                          </p:val>
+                                        </p:tav>
+                                      </p:tavLst>
+                                    </p:anim>
+                                    <p:anim calcmode="lin" valueType="num">
+                                      <p:cBhvr>
+                                        <p:cTn id="88" dur="664" tmFilter="0.0,0.0; 0.25,0.07; 0.50,0.2; 0.75,0.467; 1.0,1.0">
+                                          <p:stCondLst>
+                                            <p:cond delay="0"/>
+                                          </p:stCondLst>
+                                        </p:cTn>
+                                        <p:tgtEl>
+                                          <p:spTgt spid="16"/>
+                                        </p:tgtEl>
+                                        <p:attrNameLst>
+                                          <p:attrName>ppt_y</p:attrName>
+                                        </p:attrNameLst>
+                                      </p:cBhvr>
+                                      <p:tavLst>
+                                        <p:tav tm="0" fmla="#ppt_y-sin(pi*$)/3">
+                                          <p:val>
+                                            <p:fltVal val="0.5"/>
+                                          </p:val>
+                                        </p:tav>
+                                        <p:tav tm="100000">
+                                          <p:val>
+                                            <p:fltVal val="1"/>
+                                          </p:val>
+                                        </p:tav>
+                                      </p:tavLst>
+                                    </p:anim>
+                                    <p:anim calcmode="lin" valueType="num">
+                                      <p:cBhvr>
+                                        <p:cTn id="89" dur="664" tmFilter="0, 0; 0.125,0.2665; 0.25,0.4; 0.375,0.465; 0.5,0.5;  0.625,0.535; 0.75,0.6; 0.875,0.7335; 1,1">
+                                          <p:stCondLst>
+                                            <p:cond delay="664"/>
+                                          </p:stCondLst>
+                                        </p:cTn>
+                                        <p:tgtEl>
+                                          <p:spTgt spid="16"/>
+                                        </p:tgtEl>
+                                        <p:attrNameLst>
+                                          <p:attrName>ppt_y</p:attrName>
+                                        </p:attrNameLst>
+                                      </p:cBhvr>
+                                      <p:tavLst>
+                                        <p:tav tm="0" fmla="#ppt_y-sin(pi*$)/9">
+                                          <p:val>
+                                            <p:fltVal val="0"/>
+                                          </p:val>
+                                        </p:tav>
+                                        <p:tav tm="100000">
+                                          <p:val>
+                                            <p:fltVal val="1"/>
+                                          </p:val>
+                                        </p:tav>
+                                      </p:tavLst>
+                                    </p:anim>
+                                    <p:anim calcmode="lin" valueType="num">
+                                      <p:cBhvr>
+                                        <p:cTn id="90" dur="332" tmFilter="0, 0; 0.125,0.2665; 0.25,0.4; 0.375,0.465; 0.5,0.5;  0.625,0.535; 0.75,0.6; 0.875,0.7335; 1,1">
+                                          <p:stCondLst>
+                                            <p:cond delay="1324"/>
+                                          </p:stCondLst>
+                                        </p:cTn>
+                                        <p:tgtEl>
+                                          <p:spTgt spid="16"/>
+                                        </p:tgtEl>
+                                        <p:attrNameLst>
+                                          <p:attrName>ppt_y</p:attrName>
+                                        </p:attrNameLst>
+                                      </p:cBhvr>
+                                      <p:tavLst>
+                                        <p:tav tm="0" fmla="#ppt_y-sin(pi*$)/27">
+                                          <p:val>
+                                            <p:fltVal val="0"/>
+                                          </p:val>
+                                        </p:tav>
+                                        <p:tav tm="100000">
+                                          <p:val>
+                                            <p:fltVal val="1"/>
+                                          </p:val>
+                                        </p:tav>
+                                      </p:tavLst>
+                                    </p:anim>
+                                    <p:anim calcmode="lin" valueType="num">
+                                      <p:cBhvr>
+                                        <p:cTn id="91" dur="164" tmFilter="0, 0; 0.125,0.2665; 0.25,0.4; 0.375,0.465; 0.5,0.5;  0.625,0.535; 0.75,0.6; 0.875,0.7335; 1,1">
+                                          <p:stCondLst>
+                                            <p:cond delay="1656"/>
+                                          </p:stCondLst>
+                                        </p:cTn>
+                                        <p:tgtEl>
+                                          <p:spTgt spid="16"/>
+                                        </p:tgtEl>
+                                        <p:attrNameLst>
+                                          <p:attrName>ppt_y</p:attrName>
+                                        </p:attrNameLst>
+                                      </p:cBhvr>
+                                      <p:tavLst>
+                                        <p:tav tm="0" fmla="#ppt_y-sin(pi*$)/81">
+                                          <p:val>
+                                            <p:fltVal val="0"/>
+                                          </p:val>
+                                        </p:tav>
+                                        <p:tav tm="100000">
+                                          <p:val>
+                                            <p:fltVal val="1"/>
+                                          </p:val>
+                                        </p:tav>
+                                      </p:tavLst>
+                                    </p:anim>
+                                    <p:animScale>
+                                      <p:cBhvr>
+                                        <p:cTn id="92" dur="26">
+                                          <p:stCondLst>
+                                            <p:cond delay="650"/>
+                                          </p:stCondLst>
+                                        </p:cTn>
+                                        <p:tgtEl>
+                                          <p:spTgt spid="16"/>
+                                        </p:tgtEl>
+                                      </p:cBhvr>
+                                      <p:to x="100000" y="60000"/>
+                                    </p:animScale>
+                                    <p:animScale>
+                                      <p:cBhvr>
+                                        <p:cTn id="93" dur="166" decel="50000">
+                                          <p:stCondLst>
+                                            <p:cond delay="676"/>
+                                          </p:stCondLst>
+                                        </p:cTn>
+                                        <p:tgtEl>
+                                          <p:spTgt spid="16"/>
+                                        </p:tgtEl>
+                                      </p:cBhvr>
+                                      <p:to x="100000" y="100000"/>
+                                    </p:animScale>
+                                    <p:animScale>
+                                      <p:cBhvr>
+                                        <p:cTn id="94" dur="26">
+                                          <p:stCondLst>
+                                            <p:cond delay="1312"/>
+                                          </p:stCondLst>
+                                        </p:cTn>
+                                        <p:tgtEl>
+                                          <p:spTgt spid="16"/>
+                                        </p:tgtEl>
+                                      </p:cBhvr>
+                                      <p:to x="100000" y="80000"/>
+                                    </p:animScale>
+                                    <p:animScale>
+                                      <p:cBhvr>
+                                        <p:cTn id="95" dur="166" decel="50000">
+                                          <p:stCondLst>
+                                            <p:cond delay="1338"/>
+                                          </p:stCondLst>
+                                        </p:cTn>
+                                        <p:tgtEl>
+                                          <p:spTgt spid="16"/>
+                                        </p:tgtEl>
+                                      </p:cBhvr>
+                                      <p:to x="100000" y="100000"/>
+                                    </p:animScale>
+                                    <p:animScale>
+                                      <p:cBhvr>
+                                        <p:cTn id="96" dur="26">
+                                          <p:stCondLst>
+                                            <p:cond delay="1642"/>
+                                          </p:stCondLst>
+                                        </p:cTn>
+                                        <p:tgtEl>
+                                          <p:spTgt spid="16"/>
+                                        </p:tgtEl>
+                                      </p:cBhvr>
+                                      <p:to x="100000" y="90000"/>
+                                    </p:animScale>
+                                    <p:animScale>
+                                      <p:cBhvr>
+                                        <p:cTn id="97" dur="166" decel="50000">
+                                          <p:stCondLst>
+                                            <p:cond delay="1668"/>
+                                          </p:stCondLst>
+                                        </p:cTn>
+                                        <p:tgtEl>
+                                          <p:spTgt spid="16"/>
+                                        </p:tgtEl>
+                                      </p:cBhvr>
+                                      <p:to x="100000" y="100000"/>
+                                    </p:animScale>
+                                    <p:animScale>
+                                      <p:cBhvr>
+                                        <p:cTn id="98" dur="26">
+                                          <p:stCondLst>
+                                            <p:cond delay="1808"/>
+                                          </p:stCondLst>
+                                        </p:cTn>
+                                        <p:tgtEl>
+                                          <p:spTgt spid="16"/>
+                                        </p:tgtEl>
+                                      </p:cBhvr>
+                                      <p:to x="100000" y="95000"/>
+                                    </p:animScale>
+                                    <p:animScale>
+                                      <p:cBhvr>
+                                        <p:cTn id="99" dur="166" decel="50000">
+                                          <p:stCondLst>
+                                            <p:cond delay="1834"/>
+                                          </p:stCondLst>
+                                        </p:cTn>
+                                        <p:tgtEl>
+                                          <p:spTgt spid="16"/>
+                                        </p:tgtEl>
+                                      </p:cBhvr>
+                                      <p:to x="100000" y="100000"/>
+                                    </p:animScale>
+                                  </p:childTnLst>
+                                </p:cTn>
+                              </p:par>
+                              <p:par>
+                                <p:cTn id="100" presetID="26" presetClass="entr" presetSubtype="0" fill="hold" grpId="0" nodeType="withEffect">
+                                  <p:stCondLst>
+                                    <p:cond delay="0"/>
+                                  </p:stCondLst>
+                                  <p:childTnLst>
+                                    <p:set>
+                                      <p:cBhvr>
+                                        <p:cTn id="101" dur="1" fill="hold">
+                                          <p:stCondLst>
+                                            <p:cond delay="0"/>
+                                          </p:stCondLst>
+                                        </p:cTn>
+                                        <p:tgtEl>
+                                          <p:spTgt spid="18"/>
+                                        </p:tgtEl>
+                                        <p:attrNameLst>
+                                          <p:attrName>style.visibility</p:attrName>
+                                        </p:attrNameLst>
+                                      </p:cBhvr>
+                                      <p:to>
+                                        <p:strVal val="visible"/>
+                                      </p:to>
+                                    </p:set>
+                                    <p:animEffect transition="in" filter="wipe(down)">
+                                      <p:cBhvr>
+                                        <p:cTn id="102" dur="580">
+                                          <p:stCondLst>
+                                            <p:cond delay="0"/>
+                                          </p:stCondLst>
+                                        </p:cTn>
+                                        <p:tgtEl>
+                                          <p:spTgt spid="18"/>
+                                        </p:tgtEl>
+                                      </p:cBhvr>
+                                    </p:animEffect>
+                                    <p:anim calcmode="lin" valueType="num">
+                                      <p:cBhvr>
+                                        <p:cTn id="103" dur="1822" tmFilter="0,0; 0.14,0.36; 0.43,0.73; 0.71,0.91; 1.0,1.0">
+                                          <p:stCondLst>
+                                            <p:cond delay="0"/>
+                                          </p:stCondLst>
+                                        </p:cTn>
+                                        <p:tgtEl>
+                                          <p:spTgt spid="18"/>
+                                        </p:tgtEl>
+                                        <p:attrNameLst>
+                                          <p:attrName>ppt_x</p:attrName>
+                                        </p:attrNameLst>
+                                      </p:cBhvr>
+                                      <p:tavLst>
+                                        <p:tav tm="0">
+                                          <p:val>
+                                            <p:strVal val="#ppt_x-0.25"/>
+                                          </p:val>
+                                        </p:tav>
+                                        <p:tav tm="100000">
+                                          <p:val>
+                                            <p:strVal val="#ppt_x"/>
+                                          </p:val>
+                                        </p:tav>
+                                      </p:tavLst>
+                                    </p:anim>
+                                    <p:anim calcmode="lin" valueType="num">
+                                      <p:cBhvr>
+                                        <p:cTn id="104" dur="664" tmFilter="0.0,0.0; 0.25,0.07; 0.50,0.2; 0.75,0.467; 1.0,1.0">
+                                          <p:stCondLst>
+                                            <p:cond delay="0"/>
+                                          </p:stCondLst>
+                                        </p:cTn>
+                                        <p:tgtEl>
+                                          <p:spTgt spid="18"/>
+                                        </p:tgtEl>
+                                        <p:attrNameLst>
+                                          <p:attrName>ppt_y</p:attrName>
+                                        </p:attrNameLst>
+                                      </p:cBhvr>
+                                      <p:tavLst>
+                                        <p:tav tm="0" fmla="#ppt_y-sin(pi*$)/3">
+                                          <p:val>
+                                            <p:fltVal val="0.5"/>
+                                          </p:val>
+                                        </p:tav>
+                                        <p:tav tm="100000">
+                                          <p:val>
+                                            <p:fltVal val="1"/>
+                                          </p:val>
+                                        </p:tav>
+                                      </p:tavLst>
+                                    </p:anim>
+                                    <p:anim calcmode="lin" valueType="num">
+                                      <p:cBhvr>
+                                        <p:cTn id="105" dur="664" tmFilter="0, 0; 0.125,0.2665; 0.25,0.4; 0.375,0.465; 0.5,0.5;  0.625,0.535; 0.75,0.6; 0.875,0.7335; 1,1">
+                                          <p:stCondLst>
+                                            <p:cond delay="664"/>
+                                          </p:stCondLst>
+                                        </p:cTn>
+                                        <p:tgtEl>
+                                          <p:spTgt spid="18"/>
+                                        </p:tgtEl>
+                                        <p:attrNameLst>
+                                          <p:attrName>ppt_y</p:attrName>
+                                        </p:attrNameLst>
+                                      </p:cBhvr>
+                                      <p:tavLst>
+                                        <p:tav tm="0" fmla="#ppt_y-sin(pi*$)/9">
+                                          <p:val>
+                                            <p:fltVal val="0"/>
+                                          </p:val>
+                                        </p:tav>
+                                        <p:tav tm="100000">
+                                          <p:val>
+                                            <p:fltVal val="1"/>
+                                          </p:val>
+                                        </p:tav>
+                                      </p:tavLst>
+                                    </p:anim>
+                                    <p:anim calcmode="lin" valueType="num">
+                                      <p:cBhvr>
+                                        <p:cTn id="106" dur="332" tmFilter="0, 0; 0.125,0.2665; 0.25,0.4; 0.375,0.465; 0.5,0.5;  0.625,0.535; 0.75,0.6; 0.875,0.7335; 1,1">
+                                          <p:stCondLst>
+                                            <p:cond delay="1324"/>
+                                          </p:stCondLst>
+                                        </p:cTn>
+                                        <p:tgtEl>
+                                          <p:spTgt spid="18"/>
+                                        </p:tgtEl>
+                                        <p:attrNameLst>
+                                          <p:attrName>ppt_y</p:attrName>
+                                        </p:attrNameLst>
+                                      </p:cBhvr>
+                                      <p:tavLst>
+                                        <p:tav tm="0" fmla="#ppt_y-sin(pi*$)/27">
+                                          <p:val>
+                                            <p:fltVal val="0"/>
+                                          </p:val>
+                                        </p:tav>
+                                        <p:tav tm="100000">
+                                          <p:val>
+                                            <p:fltVal val="1"/>
+                                          </p:val>
+                                        </p:tav>
+                                      </p:tavLst>
+                                    </p:anim>
+                                    <p:anim calcmode="lin" valueType="num">
+                                      <p:cBhvr>
+                                        <p:cTn id="107" dur="164" tmFilter="0, 0; 0.125,0.2665; 0.25,0.4; 0.375,0.465; 0.5,0.5;  0.625,0.535; 0.75,0.6; 0.875,0.7335; 1,1">
+                                          <p:stCondLst>
+                                            <p:cond delay="1656"/>
+                                          </p:stCondLst>
+                                        </p:cTn>
+                                        <p:tgtEl>
+                                          <p:spTgt spid="18"/>
+                                        </p:tgtEl>
+                                        <p:attrNameLst>
+                                          <p:attrName>ppt_y</p:attrName>
+                                        </p:attrNameLst>
+                                      </p:cBhvr>
+                                      <p:tavLst>
+                                        <p:tav tm="0" fmla="#ppt_y-sin(pi*$)/81">
+                                          <p:val>
+                                            <p:fltVal val="0"/>
+                                          </p:val>
+                                        </p:tav>
+                                        <p:tav tm="100000">
+                                          <p:val>
+                                            <p:fltVal val="1"/>
+                                          </p:val>
+                                        </p:tav>
+                                      </p:tavLst>
+                                    </p:anim>
+                                    <p:animScale>
+                                      <p:cBhvr>
+                                        <p:cTn id="108" dur="26">
+                                          <p:stCondLst>
+                                            <p:cond delay="650"/>
+                                          </p:stCondLst>
+                                        </p:cTn>
+                                        <p:tgtEl>
+                                          <p:spTgt spid="18"/>
+                                        </p:tgtEl>
+                                      </p:cBhvr>
+                                      <p:to x="100000" y="60000"/>
+                                    </p:animScale>
+                                    <p:animScale>
+                                      <p:cBhvr>
+                                        <p:cTn id="109" dur="166" decel="50000">
+                                          <p:stCondLst>
+                                            <p:cond delay="676"/>
+                                          </p:stCondLst>
+                                        </p:cTn>
+                                        <p:tgtEl>
+                                          <p:spTgt spid="18"/>
+                                        </p:tgtEl>
+                                      </p:cBhvr>
+                                      <p:to x="100000" y="100000"/>
+                                    </p:animScale>
+                                    <p:animScale>
+                                      <p:cBhvr>
+                                        <p:cTn id="110" dur="26">
+                                          <p:stCondLst>
+                                            <p:cond delay="1312"/>
+                                          </p:stCondLst>
+                                        </p:cTn>
+                                        <p:tgtEl>
+                                          <p:spTgt spid="18"/>
+                                        </p:tgtEl>
+                                      </p:cBhvr>
+                                      <p:to x="100000" y="80000"/>
+                                    </p:animScale>
+                                    <p:animScale>
+                                      <p:cBhvr>
+                                        <p:cTn id="111" dur="166" decel="50000">
+                                          <p:stCondLst>
+                                            <p:cond delay="1338"/>
+                                          </p:stCondLst>
+                                        </p:cTn>
+                                        <p:tgtEl>
+                                          <p:spTgt spid="18"/>
+                                        </p:tgtEl>
+                                      </p:cBhvr>
+                                      <p:to x="100000" y="100000"/>
+                                    </p:animScale>
+                                    <p:animScale>
+                                      <p:cBhvr>
+                                        <p:cTn id="112" dur="26">
+                                          <p:stCondLst>
+                                            <p:cond delay="1642"/>
+                                          </p:stCondLst>
+                                        </p:cTn>
+                                        <p:tgtEl>
+                                          <p:spTgt spid="18"/>
+                                        </p:tgtEl>
+                                      </p:cBhvr>
+                                      <p:to x="100000" y="90000"/>
+                                    </p:animScale>
+                                    <p:animScale>
+                                      <p:cBhvr>
+                                        <p:cTn id="113" dur="166" decel="50000">
+                                          <p:stCondLst>
+                                            <p:cond delay="1668"/>
+                                          </p:stCondLst>
+                                        </p:cTn>
+                                        <p:tgtEl>
+                                          <p:spTgt spid="18"/>
+                                        </p:tgtEl>
+                                      </p:cBhvr>
+                                      <p:to x="100000" y="100000"/>
+                                    </p:animScale>
+                                    <p:animScale>
+                                      <p:cBhvr>
+                                        <p:cTn id="114" dur="26">
+                                          <p:stCondLst>
+                                            <p:cond delay="1808"/>
+                                          </p:stCondLst>
+                                        </p:cTn>
+                                        <p:tgtEl>
+                                          <p:spTgt spid="18"/>
+                                        </p:tgtEl>
+                                      </p:cBhvr>
+                                      <p:to x="100000" y="95000"/>
+                                    </p:animScale>
+                                    <p:animScale>
+                                      <p:cBhvr>
+                                        <p:cTn id="115" dur="166" decel="50000">
+                                          <p:stCondLst>
+                                            <p:cond delay="1834"/>
+                                          </p:stCondLst>
+                                        </p:cTn>
+                                        <p:tgtEl>
+                                          <p:spTgt spid="18"/>
+                                        </p:tgtEl>
+                                      </p:cBhvr>
+                                      <p:to x="100000" y="100000"/>
+                                    </p:animScale>
+                                  </p:childTnLst>
+                                </p:cTn>
+                              </p:par>
+                              <p:par>
+                                <p:cTn id="116" presetID="26" presetClass="entr" presetSubtype="0" fill="hold" grpId="0" nodeType="withEffect">
+                                  <p:stCondLst>
+                                    <p:cond delay="0"/>
+                                  </p:stCondLst>
+                                  <p:childTnLst>
+                                    <p:set>
+                                      <p:cBhvr>
+                                        <p:cTn id="117" dur="1" fill="hold">
+                                          <p:stCondLst>
+                                            <p:cond delay="0"/>
+                                          </p:stCondLst>
+                                        </p:cTn>
+                                        <p:tgtEl>
+                                          <p:spTgt spid="17"/>
+                                        </p:tgtEl>
+                                        <p:attrNameLst>
+                                          <p:attrName>style.visibility</p:attrName>
+                                        </p:attrNameLst>
+                                      </p:cBhvr>
+                                      <p:to>
+                                        <p:strVal val="visible"/>
+                                      </p:to>
+                                    </p:set>
+                                    <p:animEffect transition="in" filter="wipe(down)">
+                                      <p:cBhvr>
+                                        <p:cTn id="118" dur="580">
+                                          <p:stCondLst>
+                                            <p:cond delay="0"/>
+                                          </p:stCondLst>
+                                        </p:cTn>
+                                        <p:tgtEl>
+                                          <p:spTgt spid="17"/>
+                                        </p:tgtEl>
+                                      </p:cBhvr>
+                                    </p:animEffect>
+                                    <p:anim calcmode="lin" valueType="num">
+                                      <p:cBhvr>
+                                        <p:cTn id="119" dur="1822" tmFilter="0,0; 0.14,0.36; 0.43,0.73; 0.71,0.91; 1.0,1.0">
+                                          <p:stCondLst>
+                                            <p:cond delay="0"/>
+                                          </p:stCondLst>
+                                        </p:cTn>
+                                        <p:tgtEl>
+                                          <p:spTgt spid="17"/>
+                                        </p:tgtEl>
+                                        <p:attrNameLst>
+                                          <p:attrName>ppt_x</p:attrName>
+                                        </p:attrNameLst>
+                                      </p:cBhvr>
+                                      <p:tavLst>
+                                        <p:tav tm="0">
+                                          <p:val>
+                                            <p:strVal val="#ppt_x-0.25"/>
+                                          </p:val>
+                                        </p:tav>
+                                        <p:tav tm="100000">
+                                          <p:val>
+                                            <p:strVal val="#ppt_x"/>
+                                          </p:val>
+                                        </p:tav>
+                                      </p:tavLst>
+                                    </p:anim>
+                                    <p:anim calcmode="lin" valueType="num">
+                                      <p:cBhvr>
+                                        <p:cTn id="120" dur="664" tmFilter="0.0,0.0; 0.25,0.07; 0.50,0.2; 0.75,0.467; 1.0,1.0">
+                                          <p:stCondLst>
+                                            <p:cond delay="0"/>
+                                          </p:stCondLst>
+                                        </p:cTn>
+                                        <p:tgtEl>
+                                          <p:spTgt spid="17"/>
+                                        </p:tgtEl>
+                                        <p:attrNameLst>
+                                          <p:attrName>ppt_y</p:attrName>
+                                        </p:attrNameLst>
+                                      </p:cBhvr>
+                                      <p:tavLst>
+                                        <p:tav tm="0" fmla="#ppt_y-sin(pi*$)/3">
+                                          <p:val>
+                                            <p:fltVal val="0.5"/>
+                                          </p:val>
+                                        </p:tav>
+                                        <p:tav tm="100000">
+                                          <p:val>
+                                            <p:fltVal val="1"/>
+                                          </p:val>
+                                        </p:tav>
+                                      </p:tavLst>
+                                    </p:anim>
+                                    <p:anim calcmode="lin" valueType="num">
+                                      <p:cBhvr>
+                                        <p:cTn id="121" dur="664" tmFilter="0, 0; 0.125,0.2665; 0.25,0.4; 0.375,0.465; 0.5,0.5;  0.625,0.535; 0.75,0.6; 0.875,0.7335; 1,1">
+                                          <p:stCondLst>
+                                            <p:cond delay="664"/>
+                                          </p:stCondLst>
+                                        </p:cTn>
+                                        <p:tgtEl>
+                                          <p:spTgt spid="17"/>
+                                        </p:tgtEl>
+                                        <p:attrNameLst>
+                                          <p:attrName>ppt_y</p:attrName>
+                                        </p:attrNameLst>
+                                      </p:cBhvr>
+                                      <p:tavLst>
+                                        <p:tav tm="0" fmla="#ppt_y-sin(pi*$)/9">
+                                          <p:val>
+                                            <p:fltVal val="0"/>
+                                          </p:val>
+                                        </p:tav>
+                                        <p:tav tm="100000">
+                                          <p:val>
+                                            <p:fltVal val="1"/>
+                                          </p:val>
+                                        </p:tav>
+                                      </p:tavLst>
+                                    </p:anim>
+                                    <p:anim calcmode="lin" valueType="num">
+                                      <p:cBhvr>
+                                        <p:cTn id="122" dur="332" tmFilter="0, 0; 0.125,0.2665; 0.25,0.4; 0.375,0.465; 0.5,0.5;  0.625,0.535; 0.75,0.6; 0.875,0.7335; 1,1">
+                                          <p:stCondLst>
+                                            <p:cond delay="1324"/>
+                                          </p:stCondLst>
+                                        </p:cTn>
+                                        <p:tgtEl>
+                                          <p:spTgt spid="17"/>
+                                        </p:tgtEl>
+                                        <p:attrNameLst>
+                                          <p:attrName>ppt_y</p:attrName>
+                                        </p:attrNameLst>
+                                      </p:cBhvr>
+                                      <p:tavLst>
+                                        <p:tav tm="0" fmla="#ppt_y-sin(pi*$)/27">
+                                          <p:val>
+                                            <p:fltVal val="0"/>
+                                          </p:val>
+                                        </p:tav>
+                                        <p:tav tm="100000">
+                                          <p:val>
+                                            <p:fltVal val="1"/>
+                                          </p:val>
+                                        </p:tav>
+                                      </p:tavLst>
+                                    </p:anim>
+                                    <p:anim calcmode="lin" valueType="num">
+                                      <p:cBhvr>
+                                        <p:cTn id="123" dur="164" tmFilter="0, 0; 0.125,0.2665; 0.25,0.4; 0.375,0.465; 0.5,0.5;  0.625,0.535; 0.75,0.6; 0.875,0.7335; 1,1">
+                                          <p:stCondLst>
+                                            <p:cond delay="1656"/>
+                                          </p:stCondLst>
+                                        </p:cTn>
+                                        <p:tgtEl>
+                                          <p:spTgt spid="17"/>
+                                        </p:tgtEl>
+                                        <p:attrNameLst>
+                                          <p:attrName>ppt_y</p:attrName>
+                                        </p:attrNameLst>
+                                      </p:cBhvr>
+                                      <p:tavLst>
+                                        <p:tav tm="0" fmla="#ppt_y-sin(pi*$)/81">
+                                          <p:val>
+                                            <p:fltVal val="0"/>
+                                          </p:val>
+                                        </p:tav>
+                                        <p:tav tm="100000">
+                                          <p:val>
+                                            <p:fltVal val="1"/>
+                                          </p:val>
+                                        </p:tav>
+                                      </p:tavLst>
+                                    </p:anim>
+                                    <p:animScale>
+                                      <p:cBhvr>
+                                        <p:cTn id="124" dur="26">
+                                          <p:stCondLst>
+                                            <p:cond delay="650"/>
+                                          </p:stCondLst>
+                                        </p:cTn>
+                                        <p:tgtEl>
+                                          <p:spTgt spid="17"/>
+                                        </p:tgtEl>
+                                      </p:cBhvr>
+                                      <p:to x="100000" y="60000"/>
+                                    </p:animScale>
+                                    <p:animScale>
+                                      <p:cBhvr>
+                                        <p:cTn id="125" dur="166" decel="50000">
+                                          <p:stCondLst>
+                                            <p:cond delay="676"/>
+                                          </p:stCondLst>
+                                        </p:cTn>
+                                        <p:tgtEl>
+                                          <p:spTgt spid="17"/>
+                                        </p:tgtEl>
+                                      </p:cBhvr>
+                                      <p:to x="100000" y="100000"/>
+                                    </p:animScale>
+                                    <p:animScale>
+                                      <p:cBhvr>
+                                        <p:cTn id="126" dur="26">
+                                          <p:stCondLst>
+                                            <p:cond delay="1312"/>
+                                          </p:stCondLst>
+                                        </p:cTn>
+                                        <p:tgtEl>
+                                          <p:spTgt spid="17"/>
+                                        </p:tgtEl>
+                                      </p:cBhvr>
+                                      <p:to x="100000" y="80000"/>
+                                    </p:animScale>
+                                    <p:animScale>
+                                      <p:cBhvr>
+                                        <p:cTn id="127" dur="166" decel="50000">
+                                          <p:stCondLst>
+                                            <p:cond delay="1338"/>
+                                          </p:stCondLst>
+                                        </p:cTn>
+                                        <p:tgtEl>
+                                          <p:spTgt spid="17"/>
+                                        </p:tgtEl>
+                                      </p:cBhvr>
+                                      <p:to x="100000" y="100000"/>
+                                    </p:animScale>
+                                    <p:animScale>
+                                      <p:cBhvr>
+                                        <p:cTn id="128" dur="26">
+                                          <p:stCondLst>
+                                            <p:cond delay="1642"/>
+                                          </p:stCondLst>
+                                        </p:cTn>
+                                        <p:tgtEl>
+                                          <p:spTgt spid="17"/>
+                                        </p:tgtEl>
+                                      </p:cBhvr>
+                                      <p:to x="100000" y="90000"/>
+                                    </p:animScale>
+                                    <p:animScale>
+                                      <p:cBhvr>
+                                        <p:cTn id="129" dur="166" decel="50000">
+                                          <p:stCondLst>
+                                            <p:cond delay="1668"/>
+                                          </p:stCondLst>
+                                        </p:cTn>
+                                        <p:tgtEl>
+                                          <p:spTgt spid="17"/>
+                                        </p:tgtEl>
+                                      </p:cBhvr>
+                                      <p:to x="100000" y="100000"/>
+                                    </p:animScale>
+                                    <p:animScale>
+                                      <p:cBhvr>
+                                        <p:cTn id="130" dur="26">
+                                          <p:stCondLst>
+                                            <p:cond delay="1808"/>
+                                          </p:stCondLst>
+                                        </p:cTn>
+                                        <p:tgtEl>
+                                          <p:spTgt spid="17"/>
+                                        </p:tgtEl>
+                                      </p:cBhvr>
+                                      <p:to x="100000" y="95000"/>
+                                    </p:animScale>
+                                    <p:animScale>
+                                      <p:cBhvr>
+                                        <p:cTn id="131" dur="166" decel="50000">
+                                          <p:stCondLst>
+                                            <p:cond delay="1834"/>
+                                          </p:stCondLst>
+                                        </p:cTn>
+                                        <p:tgtEl>
+                                          <p:spTgt spid="17"/>
+                                        </p:tgtEl>
+                                      </p:cBhvr>
+                                      <p:to x="100000" y="100000"/>
+                                    </p:animScale>
+                                  </p:childTnLst>
+                                </p:cTn>
+                              </p:par>
+                              <p:par>
+                                <p:cTn id="132" presetID="26" presetClass="entr" presetSubtype="0" fill="hold" grpId="0" nodeType="withEffect">
+                                  <p:stCondLst>
+                                    <p:cond delay="0"/>
+                                  </p:stCondLst>
+                                  <p:childTnLst>
+                                    <p:set>
+                                      <p:cBhvr>
+                                        <p:cTn id="133" dur="1" fill="hold">
+                                          <p:stCondLst>
+                                            <p:cond delay="0"/>
+                                          </p:stCondLst>
+                                        </p:cTn>
+                                        <p:tgtEl>
+                                          <p:spTgt spid="21"/>
+                                        </p:tgtEl>
+                                        <p:attrNameLst>
+                                          <p:attrName>style.visibility</p:attrName>
+                                        </p:attrNameLst>
+                                      </p:cBhvr>
+                                      <p:to>
+                                        <p:strVal val="visible"/>
+                                      </p:to>
+                                    </p:set>
+                                    <p:animEffect transition="in" filter="wipe(down)">
+                                      <p:cBhvr>
+                                        <p:cTn id="134" dur="580">
+                                          <p:stCondLst>
+                                            <p:cond delay="0"/>
+                                          </p:stCondLst>
+                                        </p:cTn>
+                                        <p:tgtEl>
+                                          <p:spTgt spid="21"/>
+                                        </p:tgtEl>
+                                      </p:cBhvr>
+                                    </p:animEffect>
+                                    <p:anim calcmode="lin" valueType="num">
+                                      <p:cBhvr>
+                                        <p:cTn id="135" dur="1822" tmFilter="0,0; 0.14,0.36; 0.43,0.73; 0.71,0.91; 1.0,1.0">
+                                          <p:stCondLst>
+                                            <p:cond delay="0"/>
+                                          </p:stCondLst>
+                                        </p:cTn>
+                                        <p:tgtEl>
+                                          <p:spTgt spid="21"/>
+                                        </p:tgtEl>
+                                        <p:attrNameLst>
+                                          <p:attrName>ppt_x</p:attrName>
+                                        </p:attrNameLst>
+                                      </p:cBhvr>
+                                      <p:tavLst>
+                                        <p:tav tm="0">
+                                          <p:val>
+                                            <p:strVal val="#ppt_x-0.25"/>
+                                          </p:val>
+                                        </p:tav>
+                                        <p:tav tm="100000">
+                                          <p:val>
+                                            <p:strVal val="#ppt_x"/>
+                                          </p:val>
+                                        </p:tav>
+                                      </p:tavLst>
+                                    </p:anim>
+                                    <p:anim calcmode="lin" valueType="num">
+                                      <p:cBhvr>
+                                        <p:cTn id="136" dur="664" tmFilter="0.0,0.0; 0.25,0.07; 0.50,0.2; 0.75,0.467; 1.0,1.0">
+                                          <p:stCondLst>
+                                            <p:cond delay="0"/>
+                                          </p:stCondLst>
+                                        </p:cTn>
+                                        <p:tgtEl>
+                                          <p:spTgt spid="21"/>
+                                        </p:tgtEl>
+                                        <p:attrNameLst>
+                                          <p:attrName>ppt_y</p:attrName>
+                                        </p:attrNameLst>
+                                      </p:cBhvr>
+                                      <p:tavLst>
+                                        <p:tav tm="0" fmla="#ppt_y-sin(pi*$)/3">
+                                          <p:val>
+                                            <p:fltVal val="0.5"/>
+                                          </p:val>
+                                        </p:tav>
+                                        <p:tav tm="100000">
+                                          <p:val>
+                                            <p:fltVal val="1"/>
+                                          </p:val>
+                                        </p:tav>
+                                      </p:tavLst>
+                                    </p:anim>
+                                    <p:anim calcmode="lin" valueType="num">
+                                      <p:cBhvr>
+                                        <p:cTn id="137" dur="664" tmFilter="0, 0; 0.125,0.2665; 0.25,0.4; 0.375,0.465; 0.5,0.5;  0.625,0.535; 0.75,0.6; 0.875,0.7335; 1,1">
+                                          <p:stCondLst>
+                                            <p:cond delay="664"/>
+                                          </p:stCondLst>
+                                        </p:cTn>
+                                        <p:tgtEl>
+                                          <p:spTgt spid="21"/>
+                                        </p:tgtEl>
+                                        <p:attrNameLst>
+                                          <p:attrName>ppt_y</p:attrName>
+                                        </p:attrNameLst>
+                                      </p:cBhvr>
+                                      <p:tavLst>
+                                        <p:tav tm="0" fmla="#ppt_y-sin(pi*$)/9">
+                                          <p:val>
+                                            <p:fltVal val="0"/>
+                                          </p:val>
+                                        </p:tav>
+                                        <p:tav tm="100000">
+                                          <p:val>
+                                            <p:fltVal val="1"/>
+                                          </p:val>
+                                        </p:tav>
+                                      </p:tavLst>
+                                    </p:anim>
+                                    <p:anim calcmode="lin" valueType="num">
+                                      <p:cBhvr>
+                                        <p:cTn id="138" dur="332" tmFilter="0, 0; 0.125,0.2665; 0.25,0.4; 0.375,0.465; 0.5,0.5;  0.625,0.535; 0.75,0.6; 0.875,0.7335; 1,1">
+                                          <p:stCondLst>
+                                            <p:cond delay="1324"/>
+                                          </p:stCondLst>
+                                        </p:cTn>
+                                        <p:tgtEl>
+                                          <p:spTgt spid="21"/>
+                                        </p:tgtEl>
+                                        <p:attrNameLst>
+                                          <p:attrName>ppt_y</p:attrName>
+                                        </p:attrNameLst>
+                                      </p:cBhvr>
+                                      <p:tavLst>
+                                        <p:tav tm="0" fmla="#ppt_y-sin(pi*$)/27">
+                                          <p:val>
+                                            <p:fltVal val="0"/>
+                                          </p:val>
+                                        </p:tav>
+                                        <p:tav tm="100000">
+                                          <p:val>
+                                            <p:fltVal val="1"/>
+                                          </p:val>
+                                        </p:tav>
+                                      </p:tavLst>
+                                    </p:anim>
+                                    <p:anim calcmode="lin" valueType="num">
+                                      <p:cBhvr>
+                                        <p:cTn id="139" dur="164" tmFilter="0, 0; 0.125,0.2665; 0.25,0.4; 0.375,0.465; 0.5,0.5;  0.625,0.535; 0.75,0.6; 0.875,0.7335; 1,1">
+                                          <p:stCondLst>
+                                            <p:cond delay="1656"/>
+                                          </p:stCondLst>
+                                        </p:cTn>
+                                        <p:tgtEl>
+                                          <p:spTgt spid="21"/>
+                                        </p:tgtEl>
+                                        <p:attrNameLst>
+                                          <p:attrName>ppt_y</p:attrName>
+                                        </p:attrNameLst>
+                                      </p:cBhvr>
+                                      <p:tavLst>
+                                        <p:tav tm="0" fmla="#ppt_y-sin(pi*$)/81">
+                                          <p:val>
+                                            <p:fltVal val="0"/>
+                                          </p:val>
+                                        </p:tav>
+                                        <p:tav tm="100000">
+                                          <p:val>
+                                            <p:fltVal val="1"/>
+                                          </p:val>
+                                        </p:tav>
+                                      </p:tavLst>
+                                    </p:anim>
+                                    <p:animScale>
+                                      <p:cBhvr>
+                                        <p:cTn id="140" dur="26">
+                                          <p:stCondLst>
+                                            <p:cond delay="650"/>
+                                          </p:stCondLst>
+                                        </p:cTn>
+                                        <p:tgtEl>
+                                          <p:spTgt spid="21"/>
+                                        </p:tgtEl>
+                                      </p:cBhvr>
+                                      <p:to x="100000" y="60000"/>
+                                    </p:animScale>
+                                    <p:animScale>
+                                      <p:cBhvr>
+                                        <p:cTn id="141" dur="166" decel="50000">
+                                          <p:stCondLst>
+                                            <p:cond delay="676"/>
+                                          </p:stCondLst>
+                                        </p:cTn>
+                                        <p:tgtEl>
+                                          <p:spTgt spid="21"/>
+                                        </p:tgtEl>
+                                      </p:cBhvr>
+                                      <p:to x="100000" y="100000"/>
+                                    </p:animScale>
+                                    <p:animScale>
+                                      <p:cBhvr>
+                                        <p:cTn id="142" dur="26">
+                                          <p:stCondLst>
+                                            <p:cond delay="1312"/>
+                                          </p:stCondLst>
+                                        </p:cTn>
+                                        <p:tgtEl>
+                                          <p:spTgt spid="21"/>
+                                        </p:tgtEl>
+                                      </p:cBhvr>
+                                      <p:to x="100000" y="80000"/>
+                                    </p:animScale>
+                                    <p:animScale>
+                                      <p:cBhvr>
+                                        <p:cTn id="143" dur="166" decel="50000">
+                                          <p:stCondLst>
+                                            <p:cond delay="1338"/>
+                                          </p:stCondLst>
+                                        </p:cTn>
+                                        <p:tgtEl>
+                                          <p:spTgt spid="21"/>
+                                        </p:tgtEl>
+                                      </p:cBhvr>
+                                      <p:to x="100000" y="100000"/>
+                                    </p:animScale>
+                                    <p:animScale>
+                                      <p:cBhvr>
+                                        <p:cTn id="144" dur="26">
+                                          <p:stCondLst>
+                                            <p:cond delay="1642"/>
+                                          </p:stCondLst>
+                                        </p:cTn>
+                                        <p:tgtEl>
+                                          <p:spTgt spid="21"/>
+                                        </p:tgtEl>
+                                      </p:cBhvr>
+                                      <p:to x="100000" y="90000"/>
+                                    </p:animScale>
+                                    <p:animScale>
+                                      <p:cBhvr>
+                                        <p:cTn id="145" dur="166" decel="50000">
+                                          <p:stCondLst>
+                                            <p:cond delay="1668"/>
+                                          </p:stCondLst>
+                                        </p:cTn>
+                                        <p:tgtEl>
+                                          <p:spTgt spid="21"/>
+                                        </p:tgtEl>
+                                      </p:cBhvr>
+                                      <p:to x="100000" y="100000"/>
+                                    </p:animScale>
+                                    <p:animScale>
+                                      <p:cBhvr>
+                                        <p:cTn id="146" dur="26">
+                                          <p:stCondLst>
+                                            <p:cond delay="1808"/>
+                                          </p:stCondLst>
+                                        </p:cTn>
+                                        <p:tgtEl>
+                                          <p:spTgt spid="21"/>
+                                        </p:tgtEl>
+                                      </p:cBhvr>
+                                      <p:to x="100000" y="95000"/>
+                                    </p:animScale>
+                                    <p:animScale>
+                                      <p:cBhvr>
+                                        <p:cTn id="147" dur="166" decel="50000">
+                                          <p:stCondLst>
+                                            <p:cond delay="1834"/>
+                                          </p:stCondLst>
+                                        </p:cTn>
+                                        <p:tgtEl>
+                                          <p:spTgt spid="21"/>
+                                        </p:tgtEl>
+                                      </p:cBhvr>
+                                      <p:to x="100000" y="100000"/>
+                                    </p:animScale>
+                                  </p:childTnLst>
+                                </p:cTn>
+                              </p:par>
+                              <p:par>
+                                <p:cTn id="148" presetID="26" presetClass="entr" presetSubtype="0" fill="hold" grpId="0" nodeType="withEffect">
+                                  <p:stCondLst>
+                                    <p:cond delay="0"/>
+                                  </p:stCondLst>
+                                  <p:childTnLst>
+                                    <p:set>
+                                      <p:cBhvr>
+                                        <p:cTn id="149" dur="1" fill="hold">
+                                          <p:stCondLst>
+                                            <p:cond delay="0"/>
+                                          </p:stCondLst>
+                                        </p:cTn>
+                                        <p:tgtEl>
+                                          <p:spTgt spid="20"/>
+                                        </p:tgtEl>
+                                        <p:attrNameLst>
+                                          <p:attrName>style.visibility</p:attrName>
+                                        </p:attrNameLst>
+                                      </p:cBhvr>
+                                      <p:to>
+                                        <p:strVal val="visible"/>
+                                      </p:to>
+                                    </p:set>
+                                    <p:animEffect transition="in" filter="wipe(down)">
+                                      <p:cBhvr>
+                                        <p:cTn id="150" dur="580">
+                                          <p:stCondLst>
+                                            <p:cond delay="0"/>
+                                          </p:stCondLst>
+                                        </p:cTn>
+                                        <p:tgtEl>
+                                          <p:spTgt spid="20"/>
+                                        </p:tgtEl>
+                                      </p:cBhvr>
+                                    </p:animEffect>
+                                    <p:anim calcmode="lin" valueType="num">
+                                      <p:cBhvr>
+                                        <p:cTn id="151" dur="1822" tmFilter="0,0; 0.14,0.36; 0.43,0.73; 0.71,0.91; 1.0,1.0">
+                                          <p:stCondLst>
+                                            <p:cond delay="0"/>
+                                          </p:stCondLst>
+                                        </p:cTn>
+                                        <p:tgtEl>
+                                          <p:spTgt spid="20"/>
+                                        </p:tgtEl>
+                                        <p:attrNameLst>
+                                          <p:attrName>ppt_x</p:attrName>
+                                        </p:attrNameLst>
+                                      </p:cBhvr>
+                                      <p:tavLst>
+                                        <p:tav tm="0">
+                                          <p:val>
+                                            <p:strVal val="#ppt_x-0.25"/>
+                                          </p:val>
+                                        </p:tav>
+                                        <p:tav tm="100000">
+                                          <p:val>
+                                            <p:strVal val="#ppt_x"/>
+                                          </p:val>
+                                        </p:tav>
+                                      </p:tavLst>
+                                    </p:anim>
+                                    <p:anim calcmode="lin" valueType="num">
+                                      <p:cBhvr>
+                                        <p:cTn id="152" dur="664" tmFilter="0.0,0.0; 0.25,0.07; 0.50,0.2; 0.75,0.467; 1.0,1.0">
+                                          <p:stCondLst>
+                                            <p:cond delay="0"/>
+                                          </p:stCondLst>
+                                        </p:cTn>
+                                        <p:tgtEl>
+                                          <p:spTgt spid="20"/>
+                                        </p:tgtEl>
+                                        <p:attrNameLst>
+                                          <p:attrName>ppt_y</p:attrName>
+                                        </p:attrNameLst>
+                                      </p:cBhvr>
+                                      <p:tavLst>
+                                        <p:tav tm="0" fmla="#ppt_y-sin(pi*$)/3">
+                                          <p:val>
+                                            <p:fltVal val="0.5"/>
+                                          </p:val>
+                                        </p:tav>
+                                        <p:tav tm="100000">
+                                          <p:val>
+                                            <p:fltVal val="1"/>
+                                          </p:val>
+                                        </p:tav>
+                                      </p:tavLst>
+                                    </p:anim>
+                                    <p:anim calcmode="lin" valueType="num">
+                                      <p:cBhvr>
+                                        <p:cTn id="153" dur="664" tmFilter="0, 0; 0.125,0.2665; 0.25,0.4; 0.375,0.465; 0.5,0.5;  0.625,0.535; 0.75,0.6; 0.875,0.7335; 1,1">
+                                          <p:stCondLst>
+                                            <p:cond delay="664"/>
+                                          </p:stCondLst>
+                                        </p:cTn>
+                                        <p:tgtEl>
+                                          <p:spTgt spid="20"/>
+                                        </p:tgtEl>
+                                        <p:attrNameLst>
+                                          <p:attrName>ppt_y</p:attrName>
+                                        </p:attrNameLst>
+                                      </p:cBhvr>
+                                      <p:tavLst>
+                                        <p:tav tm="0" fmla="#ppt_y-sin(pi*$)/9">
+                                          <p:val>
+                                            <p:fltVal val="0"/>
+                                          </p:val>
+                                        </p:tav>
+                                        <p:tav tm="100000">
+                                          <p:val>
+                                            <p:fltVal val="1"/>
+                                          </p:val>
+                                        </p:tav>
+                                      </p:tavLst>
+                                    </p:anim>
+                                    <p:anim calcmode="lin" valueType="num">
+                                      <p:cBhvr>
+                                        <p:cTn id="154" dur="332" tmFilter="0, 0; 0.125,0.2665; 0.25,0.4; 0.375,0.465; 0.5,0.5;  0.625,0.535; 0.75,0.6; 0.875,0.7335; 1,1">
+                                          <p:stCondLst>
+                                            <p:cond delay="1324"/>
+                                          </p:stCondLst>
+                                        </p:cTn>
+                                        <p:tgtEl>
+                                          <p:spTgt spid="20"/>
+                                        </p:tgtEl>
+                                        <p:attrNameLst>
+                                          <p:attrName>ppt_y</p:attrName>
+                                        </p:attrNameLst>
+                                      </p:cBhvr>
+                                      <p:tavLst>
+                                        <p:tav tm="0" fmla="#ppt_y-sin(pi*$)/27">
+                                          <p:val>
+                                            <p:fltVal val="0"/>
+                                          </p:val>
+                                        </p:tav>
+                                        <p:tav tm="100000">
+                                          <p:val>
+                                            <p:fltVal val="1"/>
+                                          </p:val>
+                                        </p:tav>
+                                      </p:tavLst>
+                                    </p:anim>
+                                    <p:anim calcmode="lin" valueType="num">
+                                      <p:cBhvr>
+                                        <p:cTn id="155" dur="164" tmFilter="0, 0; 0.125,0.2665; 0.25,0.4; 0.375,0.465; 0.5,0.5;  0.625,0.535; 0.75,0.6; 0.875,0.7335; 1,1">
+                                          <p:stCondLst>
+                                            <p:cond delay="1656"/>
+                                          </p:stCondLst>
+                                        </p:cTn>
+                                        <p:tgtEl>
+                                          <p:spTgt spid="20"/>
+                                        </p:tgtEl>
+                                        <p:attrNameLst>
+                                          <p:attrName>ppt_y</p:attrName>
+                                        </p:attrNameLst>
+                                      </p:cBhvr>
+                                      <p:tavLst>
+                                        <p:tav tm="0" fmla="#ppt_y-sin(pi*$)/81">
+                                          <p:val>
+                                            <p:fltVal val="0"/>
+                                          </p:val>
+                                        </p:tav>
+                                        <p:tav tm="100000">
+                                          <p:val>
+                                            <p:fltVal val="1"/>
+                                          </p:val>
+                                        </p:tav>
+                                      </p:tavLst>
+                                    </p:anim>
+                                    <p:animScale>
+                                      <p:cBhvr>
+                                        <p:cTn id="156" dur="26">
+                                          <p:stCondLst>
+                                            <p:cond delay="650"/>
+                                          </p:stCondLst>
+                                        </p:cTn>
+                                        <p:tgtEl>
+                                          <p:spTgt spid="20"/>
+                                        </p:tgtEl>
+                                      </p:cBhvr>
+                                      <p:to x="100000" y="60000"/>
+                                    </p:animScale>
+                                    <p:animScale>
+                                      <p:cBhvr>
+                                        <p:cTn id="157" dur="166" decel="50000">
+                                          <p:stCondLst>
+                                            <p:cond delay="676"/>
+                                          </p:stCondLst>
+                                        </p:cTn>
+                                        <p:tgtEl>
+                                          <p:spTgt spid="20"/>
+                                        </p:tgtEl>
+                                      </p:cBhvr>
+                                      <p:to x="100000" y="100000"/>
+                                    </p:animScale>
+                                    <p:animScale>
+                                      <p:cBhvr>
+                                        <p:cTn id="158" dur="26">
+                                          <p:stCondLst>
+                                            <p:cond delay="1312"/>
+                                          </p:stCondLst>
+                                        </p:cTn>
+                                        <p:tgtEl>
+                                          <p:spTgt spid="20"/>
+                                        </p:tgtEl>
+                                      </p:cBhvr>
+                                      <p:to x="100000" y="80000"/>
+                                    </p:animScale>
+                                    <p:animScale>
+                                      <p:cBhvr>
+                                        <p:cTn id="159" dur="166" decel="50000">
+                                          <p:stCondLst>
+                                            <p:cond delay="1338"/>
+                                          </p:stCondLst>
+                                        </p:cTn>
+                                        <p:tgtEl>
+                                          <p:spTgt spid="20"/>
+                                        </p:tgtEl>
+                                      </p:cBhvr>
+                                      <p:to x="100000" y="100000"/>
+                                    </p:animScale>
+                                    <p:animScale>
+                                      <p:cBhvr>
+                                        <p:cTn id="160" dur="26">
+                                          <p:stCondLst>
+                                            <p:cond delay="1642"/>
+                                          </p:stCondLst>
+                                        </p:cTn>
+                                        <p:tgtEl>
+                                          <p:spTgt spid="20"/>
+                                        </p:tgtEl>
+                                      </p:cBhvr>
+                                      <p:to x="100000" y="90000"/>
+                                    </p:animScale>
+                                    <p:animScale>
+                                      <p:cBhvr>
+                                        <p:cTn id="161" dur="166" decel="50000">
+                                          <p:stCondLst>
+                                            <p:cond delay="1668"/>
+                                          </p:stCondLst>
+                                        </p:cTn>
+                                        <p:tgtEl>
+                                          <p:spTgt spid="20"/>
+                                        </p:tgtEl>
+                                      </p:cBhvr>
+                                      <p:to x="100000" y="100000"/>
+                                    </p:animScale>
+                                    <p:animScale>
+                                      <p:cBhvr>
+                                        <p:cTn id="162" dur="26">
+                                          <p:stCondLst>
+                                            <p:cond delay="1808"/>
+                                          </p:stCondLst>
+                                        </p:cTn>
+                                        <p:tgtEl>
+                                          <p:spTgt spid="20"/>
+                                        </p:tgtEl>
+                                      </p:cBhvr>
+                                      <p:to x="100000" y="95000"/>
+                                    </p:animScale>
+                                    <p:animScale>
+                                      <p:cBhvr>
+                                        <p:cTn id="163" dur="166" decel="50000">
+                                          <p:stCondLst>
+                                            <p:cond delay="1834"/>
+                                          </p:stCondLst>
+                                        </p:cTn>
+                                        <p:tgtEl>
+                                          <p:spTgt spid="20"/>
+                                        </p:tgtEl>
+                                      </p:cBhvr>
+                                      <p:to x="100000" y="100000"/>
+                                    </p:animScale>
+                                  </p:childTnLst>
+                                </p:cTn>
+                              </p:par>
+                              <p:par>
+                                <p:cTn id="164" presetID="26" presetClass="entr" presetSubtype="0" fill="hold" grpId="0" nodeType="withEffect">
+                                  <p:stCondLst>
+                                    <p:cond delay="0"/>
+                                  </p:stCondLst>
+                                  <p:childTnLst>
+                                    <p:set>
+                                      <p:cBhvr>
+                                        <p:cTn id="165" dur="1" fill="hold">
+                                          <p:stCondLst>
+                                            <p:cond delay="0"/>
+                                          </p:stCondLst>
+                                        </p:cTn>
+                                        <p:tgtEl>
+                                          <p:spTgt spid="22"/>
+                                        </p:tgtEl>
+                                        <p:attrNameLst>
+                                          <p:attrName>style.visibility</p:attrName>
+                                        </p:attrNameLst>
+                                      </p:cBhvr>
+                                      <p:to>
+                                        <p:strVal val="visible"/>
+                                      </p:to>
+                                    </p:set>
+                                    <p:animEffect transition="in" filter="wipe(down)">
+                                      <p:cBhvr>
+                                        <p:cTn id="166" dur="580">
+                                          <p:stCondLst>
+                                            <p:cond delay="0"/>
+                                          </p:stCondLst>
+                                        </p:cTn>
+                                        <p:tgtEl>
+                                          <p:spTgt spid="22"/>
+                                        </p:tgtEl>
+                                      </p:cBhvr>
+                                    </p:animEffect>
+                                    <p:anim calcmode="lin" valueType="num">
+                                      <p:cBhvr>
+                                        <p:cTn id="167" dur="1822" tmFilter="0,0; 0.14,0.36; 0.43,0.73; 0.71,0.91; 1.0,1.0">
+                                          <p:stCondLst>
+                                            <p:cond delay="0"/>
+                                          </p:stCondLst>
+                                        </p:cTn>
+                                        <p:tgtEl>
+                                          <p:spTgt spid="22"/>
+                                        </p:tgtEl>
+                                        <p:attrNameLst>
+                                          <p:attrName>ppt_x</p:attrName>
+                                        </p:attrNameLst>
+                                      </p:cBhvr>
+                                      <p:tavLst>
+                                        <p:tav tm="0">
+                                          <p:val>
+                                            <p:strVal val="#ppt_x-0.25"/>
+                                          </p:val>
+                                        </p:tav>
+                                        <p:tav tm="100000">
+                                          <p:val>
+                                            <p:strVal val="#ppt_x"/>
+                                          </p:val>
+                                        </p:tav>
+                                      </p:tavLst>
+                                    </p:anim>
+                                    <p:anim calcmode="lin" valueType="num">
+                                      <p:cBhvr>
+                                        <p:cTn id="168" dur="664" tmFilter="0.0,0.0; 0.25,0.07; 0.50,0.2; 0.75,0.467; 1.0,1.0">
+                                          <p:stCondLst>
+                                            <p:cond delay="0"/>
+                                          </p:stCondLst>
+                                        </p:cTn>
+                                        <p:tgtEl>
+                                          <p:spTgt spid="22"/>
+                                        </p:tgtEl>
+                                        <p:attrNameLst>
+                                          <p:attrName>ppt_y</p:attrName>
+                                        </p:attrNameLst>
+                                      </p:cBhvr>
+                                      <p:tavLst>
+                                        <p:tav tm="0" fmla="#ppt_y-sin(pi*$)/3">
+                                          <p:val>
+                                            <p:fltVal val="0.5"/>
+                                          </p:val>
+                                        </p:tav>
+                                        <p:tav tm="100000">
+                                          <p:val>
+                                            <p:fltVal val="1"/>
+                                          </p:val>
+                                        </p:tav>
+                                      </p:tavLst>
+                                    </p:anim>
+                                    <p:anim calcmode="lin" valueType="num">
+                                      <p:cBhvr>
+                                        <p:cTn id="169" dur="664" tmFilter="0, 0; 0.125,0.2665; 0.25,0.4; 0.375,0.465; 0.5,0.5;  0.625,0.535; 0.75,0.6; 0.875,0.7335; 1,1">
+                                          <p:stCondLst>
+                                            <p:cond delay="664"/>
+                                          </p:stCondLst>
+                                        </p:cTn>
+                                        <p:tgtEl>
+                                          <p:spTgt spid="22"/>
+                                        </p:tgtEl>
+                                        <p:attrNameLst>
+                                          <p:attrName>ppt_y</p:attrName>
+                                        </p:attrNameLst>
+                                      </p:cBhvr>
+                                      <p:tavLst>
+                                        <p:tav tm="0" fmla="#ppt_y-sin(pi*$)/9">
+                                          <p:val>
+                                            <p:fltVal val="0"/>
+                                          </p:val>
+                                        </p:tav>
+                                        <p:tav tm="100000">
+                                          <p:val>
+                                            <p:fltVal val="1"/>
+                                          </p:val>
+                                        </p:tav>
+                                      </p:tavLst>
+                                    </p:anim>
+                                    <p:anim calcmode="lin" valueType="num">
+                                      <p:cBhvr>
+                                        <p:cTn id="170" dur="332" tmFilter="0, 0; 0.125,0.2665; 0.25,0.4; 0.375,0.465; 0.5,0.5;  0.625,0.535; 0.75,0.6; 0.875,0.7335; 1,1">
+                                          <p:stCondLst>
+                                            <p:cond delay="1324"/>
+                                          </p:stCondLst>
+                                        </p:cTn>
+                                        <p:tgtEl>
+                                          <p:spTgt spid="22"/>
+                                        </p:tgtEl>
+                                        <p:attrNameLst>
+                                          <p:attrName>ppt_y</p:attrName>
+                                        </p:attrNameLst>
+                                      </p:cBhvr>
+                                      <p:tavLst>
+                                        <p:tav tm="0" fmla="#ppt_y-sin(pi*$)/27">
+                                          <p:val>
+                                            <p:fltVal val="0"/>
+                                          </p:val>
+                                        </p:tav>
+                                        <p:tav tm="100000">
+                                          <p:val>
+                                            <p:fltVal val="1"/>
+                                          </p:val>
+                                        </p:tav>
+                                      </p:tavLst>
+                                    </p:anim>
+                                    <p:anim calcmode="lin" valueType="num">
+                                      <p:cBhvr>
+                                        <p:cTn id="171" dur="164" tmFilter="0, 0; 0.125,0.2665; 0.25,0.4; 0.375,0.465; 0.5,0.5;  0.625,0.535; 0.75,0.6; 0.875,0.7335; 1,1">
+                                          <p:stCondLst>
+                                            <p:cond delay="1656"/>
+                                          </p:stCondLst>
+                                        </p:cTn>
+                                        <p:tgtEl>
+                                          <p:spTgt spid="22"/>
+                                        </p:tgtEl>
+                                        <p:attrNameLst>
+                                          <p:attrName>ppt_y</p:attrName>
+                                        </p:attrNameLst>
+                                      </p:cBhvr>
+                                      <p:tavLst>
+                                        <p:tav tm="0" fmla="#ppt_y-sin(pi*$)/81">
+                                          <p:val>
+                                            <p:fltVal val="0"/>
+                                          </p:val>
+                                        </p:tav>
+                                        <p:tav tm="100000">
+                                          <p:val>
+                                            <p:fltVal val="1"/>
+                                          </p:val>
+                                        </p:tav>
+                                      </p:tavLst>
+                                    </p:anim>
+                                    <p:animScale>
+                                      <p:cBhvr>
+                                        <p:cTn id="172" dur="26">
+                                          <p:stCondLst>
+                                            <p:cond delay="650"/>
+                                          </p:stCondLst>
+                                        </p:cTn>
+                                        <p:tgtEl>
+                                          <p:spTgt spid="22"/>
+                                        </p:tgtEl>
+                                      </p:cBhvr>
+                                      <p:to x="100000" y="60000"/>
+                                    </p:animScale>
+                                    <p:animScale>
+                                      <p:cBhvr>
+                                        <p:cTn id="173" dur="166" decel="50000">
+                                          <p:stCondLst>
+                                            <p:cond delay="676"/>
+                                          </p:stCondLst>
+                                        </p:cTn>
+                                        <p:tgtEl>
+                                          <p:spTgt spid="22"/>
+                                        </p:tgtEl>
+                                      </p:cBhvr>
+                                      <p:to x="100000" y="100000"/>
+                                    </p:animScale>
+                                    <p:animScale>
+                                      <p:cBhvr>
+                                        <p:cTn id="174" dur="26">
+                                          <p:stCondLst>
+                                            <p:cond delay="1312"/>
+                                          </p:stCondLst>
+                                        </p:cTn>
+                                        <p:tgtEl>
+                                          <p:spTgt spid="22"/>
+                                        </p:tgtEl>
+                                      </p:cBhvr>
+                                      <p:to x="100000" y="80000"/>
+                                    </p:animScale>
+                                    <p:animScale>
+                                      <p:cBhvr>
+                                        <p:cTn id="175" dur="166" decel="50000">
+                                          <p:stCondLst>
+                                            <p:cond delay="1338"/>
+                                          </p:stCondLst>
+                                        </p:cTn>
+                                        <p:tgtEl>
+                                          <p:spTgt spid="22"/>
+                                        </p:tgtEl>
+                                      </p:cBhvr>
+                                      <p:to x="100000" y="100000"/>
+                                    </p:animScale>
+                                    <p:animScale>
+                                      <p:cBhvr>
+                                        <p:cTn id="176" dur="26">
+                                          <p:stCondLst>
+                                            <p:cond delay="1642"/>
+                                          </p:stCondLst>
+                                        </p:cTn>
+                                        <p:tgtEl>
+                                          <p:spTgt spid="22"/>
+                                        </p:tgtEl>
+                                      </p:cBhvr>
+                                      <p:to x="100000" y="90000"/>
+                                    </p:animScale>
+                                    <p:animScale>
+                                      <p:cBhvr>
+                                        <p:cTn id="177" dur="166" decel="50000">
+                                          <p:stCondLst>
+                                            <p:cond delay="1668"/>
+                                          </p:stCondLst>
+                                        </p:cTn>
+                                        <p:tgtEl>
+                                          <p:spTgt spid="22"/>
+                                        </p:tgtEl>
+                                      </p:cBhvr>
+                                      <p:to x="100000" y="100000"/>
+                                    </p:animScale>
+                                    <p:animScale>
+                                      <p:cBhvr>
+                                        <p:cTn id="178" dur="26">
+                                          <p:stCondLst>
+                                            <p:cond delay="1808"/>
+                                          </p:stCondLst>
+                                        </p:cTn>
+                                        <p:tgtEl>
+                                          <p:spTgt spid="22"/>
+                                        </p:tgtEl>
+                                      </p:cBhvr>
+                                      <p:to x="100000" y="95000"/>
+                                    </p:animScale>
+                                    <p:animScale>
+                                      <p:cBhvr>
+                                        <p:cTn id="179" dur="166" decel="50000">
+                                          <p:stCondLst>
+                                            <p:cond delay="1834"/>
+                                          </p:stCondLst>
+                                        </p:cTn>
+                                        <p:tgtEl>
+                                          <p:spTgt spid="22"/>
+                                        </p:tgtEl>
+                                      </p:cBhvr>
+                                      <p:to x="100000" y="100000"/>
+                                    </p:animScale>
+                                  </p:childTnLst>
+                                </p:cTn>
+                              </p:par>
+                              <p:par>
+                                <p:cTn id="180" presetID="26" presetClass="entr" presetSubtype="0" fill="hold" grpId="0" nodeType="withEffect">
+                                  <p:stCondLst>
+                                    <p:cond delay="0"/>
+                                  </p:stCondLst>
+                                  <p:childTnLst>
+                                    <p:set>
+                                      <p:cBhvr>
+                                        <p:cTn id="181" dur="1" fill="hold">
+                                          <p:stCondLst>
+                                            <p:cond delay="0"/>
+                                          </p:stCondLst>
+                                        </p:cTn>
+                                        <p:tgtEl>
+                                          <p:spTgt spid="23"/>
+                                        </p:tgtEl>
+                                        <p:attrNameLst>
+                                          <p:attrName>style.visibility</p:attrName>
+                                        </p:attrNameLst>
+                                      </p:cBhvr>
+                                      <p:to>
+                                        <p:strVal val="visible"/>
+                                      </p:to>
+                                    </p:set>
+                                    <p:animEffect transition="in" filter="wipe(down)">
+                                      <p:cBhvr>
+                                        <p:cTn id="182" dur="580">
+                                          <p:stCondLst>
+                                            <p:cond delay="0"/>
+                                          </p:stCondLst>
+                                        </p:cTn>
+                                        <p:tgtEl>
+                                          <p:spTgt spid="23"/>
+                                        </p:tgtEl>
+                                      </p:cBhvr>
+                                    </p:animEffect>
+                                    <p:anim calcmode="lin" valueType="num">
+                                      <p:cBhvr>
+                                        <p:cTn id="183" dur="1822" tmFilter="0,0; 0.14,0.36; 0.43,0.73; 0.71,0.91; 1.0,1.0">
+                                          <p:stCondLst>
+                                            <p:cond delay="0"/>
+                                          </p:stCondLst>
+                                        </p:cTn>
+                                        <p:tgtEl>
+                                          <p:spTgt spid="23"/>
+                                        </p:tgtEl>
+                                        <p:attrNameLst>
+                                          <p:attrName>ppt_x</p:attrName>
+                                        </p:attrNameLst>
+                                      </p:cBhvr>
+                                      <p:tavLst>
+                                        <p:tav tm="0">
+                                          <p:val>
+                                            <p:strVal val="#ppt_x-0.25"/>
+                                          </p:val>
+                                        </p:tav>
+                                        <p:tav tm="100000">
+                                          <p:val>
+                                            <p:strVal val="#ppt_x"/>
+                                          </p:val>
+                                        </p:tav>
+                                      </p:tavLst>
+                                    </p:anim>
+                                    <p:anim calcmode="lin" valueType="num">
+                                      <p:cBhvr>
+                                        <p:cTn id="184" dur="664" tmFilter="0.0,0.0; 0.25,0.07; 0.50,0.2; 0.75,0.467; 1.0,1.0">
+                                          <p:stCondLst>
+                                            <p:cond delay="0"/>
+                                          </p:stCondLst>
+                                        </p:cTn>
+                                        <p:tgtEl>
+                                          <p:spTgt spid="23"/>
+                                        </p:tgtEl>
+                                        <p:attrNameLst>
+                                          <p:attrName>ppt_y</p:attrName>
+                                        </p:attrNameLst>
+                                      </p:cBhvr>
+                                      <p:tavLst>
+                                        <p:tav tm="0" fmla="#ppt_y-sin(pi*$)/3">
+                                          <p:val>
+                                            <p:fltVal val="0.5"/>
+                                          </p:val>
+                                        </p:tav>
+                                        <p:tav tm="100000">
+                                          <p:val>
+                                            <p:fltVal val="1"/>
+                                          </p:val>
+                                        </p:tav>
+                                      </p:tavLst>
+                                    </p:anim>
+                                    <p:anim calcmode="lin" valueType="num">
+                                      <p:cBhvr>
+                                        <p:cTn id="185" dur="664" tmFilter="0, 0; 0.125,0.2665; 0.25,0.4; 0.375,0.465; 0.5,0.5;  0.625,0.535; 0.75,0.6; 0.875,0.7335; 1,1">
+                                          <p:stCondLst>
+                                            <p:cond delay="664"/>
+                                          </p:stCondLst>
+                                        </p:cTn>
+                                        <p:tgtEl>
+                                          <p:spTgt spid="23"/>
+                                        </p:tgtEl>
+                                        <p:attrNameLst>
+                                          <p:attrName>ppt_y</p:attrName>
+                                        </p:attrNameLst>
+                                      </p:cBhvr>
+                                      <p:tavLst>
+                                        <p:tav tm="0" fmla="#ppt_y-sin(pi*$)/9">
+                                          <p:val>
+                                            <p:fltVal val="0"/>
+                                          </p:val>
+                                        </p:tav>
+                                        <p:tav tm="100000">
+                                          <p:val>
+                                            <p:fltVal val="1"/>
+                                          </p:val>
+                                        </p:tav>
+                                      </p:tavLst>
+                                    </p:anim>
+                                    <p:anim calcmode="lin" valueType="num">
+                                      <p:cBhvr>
+                                        <p:cTn id="186" dur="332" tmFilter="0, 0; 0.125,0.2665; 0.25,0.4; 0.375,0.465; 0.5,0.5;  0.625,0.535; 0.75,0.6; 0.875,0.7335; 1,1">
+                                          <p:stCondLst>
+                                            <p:cond delay="1324"/>
+                                          </p:stCondLst>
+                                        </p:cTn>
+                                        <p:tgtEl>
+                                          <p:spTgt spid="23"/>
+                                        </p:tgtEl>
+                                        <p:attrNameLst>
+                                          <p:attrName>ppt_y</p:attrName>
+                                        </p:attrNameLst>
+                                      </p:cBhvr>
+                                      <p:tavLst>
+                                        <p:tav tm="0" fmla="#ppt_y-sin(pi*$)/27">
+                                          <p:val>
+                                            <p:fltVal val="0"/>
+                                          </p:val>
+                                        </p:tav>
+                                        <p:tav tm="100000">
+                                          <p:val>
+                                            <p:fltVal val="1"/>
+                                          </p:val>
+                                        </p:tav>
+                                      </p:tavLst>
+                                    </p:anim>
+                                    <p:anim calcmode="lin" valueType="num">
+                                      <p:cBhvr>
+                                        <p:cTn id="187" dur="164" tmFilter="0, 0; 0.125,0.2665; 0.25,0.4; 0.375,0.465; 0.5,0.5;  0.625,0.535; 0.75,0.6; 0.875,0.7335; 1,1">
+                                          <p:stCondLst>
+                                            <p:cond delay="1656"/>
+                                          </p:stCondLst>
+                                        </p:cTn>
+                                        <p:tgtEl>
+                                          <p:spTgt spid="23"/>
+                                        </p:tgtEl>
+                                        <p:attrNameLst>
+                                          <p:attrName>ppt_y</p:attrName>
+                                        </p:attrNameLst>
+                                      </p:cBhvr>
+                                      <p:tavLst>
+                                        <p:tav tm="0" fmla="#ppt_y-sin(pi*$)/81">
+                                          <p:val>
+                                            <p:fltVal val="0"/>
+                                          </p:val>
+                                        </p:tav>
+                                        <p:tav tm="100000">
+                                          <p:val>
+                                            <p:fltVal val="1"/>
+                                          </p:val>
+                                        </p:tav>
+                                      </p:tavLst>
+                                    </p:anim>
+                                    <p:animScale>
+                                      <p:cBhvr>
+                                        <p:cTn id="188" dur="26">
+                                          <p:stCondLst>
+                                            <p:cond delay="650"/>
+                                          </p:stCondLst>
+                                        </p:cTn>
+                                        <p:tgtEl>
+                                          <p:spTgt spid="23"/>
+                                        </p:tgtEl>
+                                      </p:cBhvr>
+                                      <p:to x="100000" y="60000"/>
+                                    </p:animScale>
+                                    <p:animScale>
+                                      <p:cBhvr>
+                                        <p:cTn id="189" dur="166" decel="50000">
+                                          <p:stCondLst>
+                                            <p:cond delay="676"/>
+                                          </p:stCondLst>
+                                        </p:cTn>
+                                        <p:tgtEl>
+                                          <p:spTgt spid="23"/>
+                                        </p:tgtEl>
+                                      </p:cBhvr>
+                                      <p:to x="100000" y="100000"/>
+                                    </p:animScale>
+                                    <p:animScale>
+                                      <p:cBhvr>
+                                        <p:cTn id="190" dur="26">
+                                          <p:stCondLst>
+                                            <p:cond delay="1312"/>
+                                          </p:stCondLst>
+                                        </p:cTn>
+                                        <p:tgtEl>
+                                          <p:spTgt spid="23"/>
+                                        </p:tgtEl>
+                                      </p:cBhvr>
+                                      <p:to x="100000" y="80000"/>
+                                    </p:animScale>
+                                    <p:animScale>
+                                      <p:cBhvr>
+                                        <p:cTn id="191" dur="166" decel="50000">
+                                          <p:stCondLst>
+                                            <p:cond delay="1338"/>
+                                          </p:stCondLst>
+                                        </p:cTn>
+                                        <p:tgtEl>
+                                          <p:spTgt spid="23"/>
+                                        </p:tgtEl>
+                                      </p:cBhvr>
+                                      <p:to x="100000" y="100000"/>
+                                    </p:animScale>
+                                    <p:animScale>
+                                      <p:cBhvr>
+                                        <p:cTn id="192" dur="26">
+                                          <p:stCondLst>
+                                            <p:cond delay="1642"/>
+                                          </p:stCondLst>
+                                        </p:cTn>
+                                        <p:tgtEl>
+                                          <p:spTgt spid="23"/>
+                                        </p:tgtEl>
+                                      </p:cBhvr>
+                                      <p:to x="100000" y="90000"/>
+                                    </p:animScale>
+                                    <p:animScale>
+                                      <p:cBhvr>
+                                        <p:cTn id="193" dur="166" decel="50000">
+                                          <p:stCondLst>
+                                            <p:cond delay="1668"/>
+                                          </p:stCondLst>
+                                        </p:cTn>
+                                        <p:tgtEl>
+                                          <p:spTgt spid="23"/>
+                                        </p:tgtEl>
+                                      </p:cBhvr>
+                                      <p:to x="100000" y="100000"/>
+                                    </p:animScale>
+                                    <p:animScale>
+                                      <p:cBhvr>
+                                        <p:cTn id="194" dur="26">
+                                          <p:stCondLst>
+                                            <p:cond delay="1808"/>
+                                          </p:stCondLst>
+                                        </p:cTn>
+                                        <p:tgtEl>
+                                          <p:spTgt spid="23"/>
+                                        </p:tgtEl>
+                                      </p:cBhvr>
+                                      <p:to x="100000" y="95000"/>
+                                    </p:animScale>
+                                    <p:animScale>
+                                      <p:cBhvr>
+                                        <p:cTn id="195" dur="166" decel="50000">
+                                          <p:stCondLst>
+                                            <p:cond delay="1834"/>
+                                          </p:stCondLst>
+                                        </p:cTn>
+                                        <p:tgtEl>
+                                          <p:spTgt spid="23"/>
+                                        </p:tgtEl>
+                                      </p:cBhvr>
+                                      <p:to x="100000" y="100000"/>
+                                    </p:animScale>
+                                  </p:childTnLst>
+                                </p:cTn>
+                              </p:par>
+                              <p:par>
+                                <p:cTn id="196" presetID="26" presetClass="entr" presetSubtype="0" fill="hold" grpId="0" nodeType="withEffect">
+                                  <p:stCondLst>
+                                    <p:cond delay="0"/>
+                                  </p:stCondLst>
+                                  <p:childTnLst>
+                                    <p:set>
+                                      <p:cBhvr>
+                                        <p:cTn id="197" dur="1" fill="hold">
+                                          <p:stCondLst>
+                                            <p:cond delay="0"/>
+                                          </p:stCondLst>
+                                        </p:cTn>
+                                        <p:tgtEl>
+                                          <p:spTgt spid="19"/>
+                                        </p:tgtEl>
+                                        <p:attrNameLst>
+                                          <p:attrName>style.visibility</p:attrName>
+                                        </p:attrNameLst>
+                                      </p:cBhvr>
+                                      <p:to>
+                                        <p:strVal val="visible"/>
+                                      </p:to>
+                                    </p:set>
+                                    <p:animEffect transition="in" filter="wipe(down)">
+                                      <p:cBhvr>
+                                        <p:cTn id="198" dur="580">
+                                          <p:stCondLst>
+                                            <p:cond delay="0"/>
+                                          </p:stCondLst>
+                                        </p:cTn>
+                                        <p:tgtEl>
+                                          <p:spTgt spid="19"/>
+                                        </p:tgtEl>
+                                      </p:cBhvr>
+                                    </p:animEffect>
+                                    <p:anim calcmode="lin" valueType="num">
+                                      <p:cBhvr>
+                                        <p:cTn id="199" dur="1822" tmFilter="0,0; 0.14,0.36; 0.43,0.73; 0.71,0.91; 1.0,1.0">
+                                          <p:stCondLst>
+                                            <p:cond delay="0"/>
+                                          </p:stCondLst>
+                                        </p:cTn>
+                                        <p:tgtEl>
+                                          <p:spTgt spid="19"/>
+                                        </p:tgtEl>
+                                        <p:attrNameLst>
+                                          <p:attrName>ppt_x</p:attrName>
+                                        </p:attrNameLst>
+                                      </p:cBhvr>
+                                      <p:tavLst>
+                                        <p:tav tm="0">
+                                          <p:val>
+                                            <p:strVal val="#ppt_x-0.25"/>
+                                          </p:val>
+                                        </p:tav>
+                                        <p:tav tm="100000">
+                                          <p:val>
+                                            <p:strVal val="#ppt_x"/>
+                                          </p:val>
+                                        </p:tav>
+                                      </p:tavLst>
+                                    </p:anim>
+                                    <p:anim calcmode="lin" valueType="num">
+                                      <p:cBhvr>
+                                        <p:cTn id="200" dur="664" tmFilter="0.0,0.0; 0.25,0.07; 0.50,0.2; 0.75,0.467; 1.0,1.0">
+                                          <p:stCondLst>
+                                            <p:cond delay="0"/>
+                                          </p:stCondLst>
+                                        </p:cTn>
+                                        <p:tgtEl>
+                                          <p:spTgt spid="19"/>
+                                        </p:tgtEl>
+                                        <p:attrNameLst>
+                                          <p:attrName>ppt_y</p:attrName>
+                                        </p:attrNameLst>
+                                      </p:cBhvr>
+                                      <p:tavLst>
+                                        <p:tav tm="0" fmla="#ppt_y-sin(pi*$)/3">
+                                          <p:val>
+                                            <p:fltVal val="0.5"/>
+                                          </p:val>
+                                        </p:tav>
+                                        <p:tav tm="100000">
+                                          <p:val>
+                                            <p:fltVal val="1"/>
+                                          </p:val>
+                                        </p:tav>
+                                      </p:tavLst>
+                                    </p:anim>
+                                    <p:anim calcmode="lin" valueType="num">
+                                      <p:cBhvr>
+                                        <p:cTn id="201" dur="664" tmFilter="0, 0; 0.125,0.2665; 0.25,0.4; 0.375,0.465; 0.5,0.5;  0.625,0.535; 0.75,0.6; 0.875,0.7335; 1,1">
+                                          <p:stCondLst>
+                                            <p:cond delay="664"/>
+                                          </p:stCondLst>
+                                        </p:cTn>
+                                        <p:tgtEl>
+                                          <p:spTgt spid="19"/>
+                                        </p:tgtEl>
+                                        <p:attrNameLst>
+                                          <p:attrName>ppt_y</p:attrName>
+                                        </p:attrNameLst>
+                                      </p:cBhvr>
+                                      <p:tavLst>
+                                        <p:tav tm="0" fmla="#ppt_y-sin(pi*$)/9">
+                                          <p:val>
+                                            <p:fltVal val="0"/>
+                                          </p:val>
+                                        </p:tav>
+                                        <p:tav tm="100000">
+                                          <p:val>
+                                            <p:fltVal val="1"/>
+                                          </p:val>
+                                        </p:tav>
+                                      </p:tavLst>
+                                    </p:anim>
+                                    <p:anim calcmode="lin" valueType="num">
+                                      <p:cBhvr>
+                                        <p:cTn id="202" dur="332" tmFilter="0, 0; 0.125,0.2665; 0.25,0.4; 0.375,0.465; 0.5,0.5;  0.625,0.535; 0.75,0.6; 0.875,0.7335; 1,1">
+                                          <p:stCondLst>
+                                            <p:cond delay="1324"/>
+                                          </p:stCondLst>
+                                        </p:cTn>
+                                        <p:tgtEl>
+                                          <p:spTgt spid="19"/>
+                                        </p:tgtEl>
+                                        <p:attrNameLst>
+                                          <p:attrName>ppt_y</p:attrName>
+                                        </p:attrNameLst>
+                                      </p:cBhvr>
+                                      <p:tavLst>
+                                        <p:tav tm="0" fmla="#ppt_y-sin(pi*$)/27">
+                                          <p:val>
+                                            <p:fltVal val="0"/>
+                                          </p:val>
+                                        </p:tav>
+                                        <p:tav tm="100000">
+                                          <p:val>
+                                            <p:fltVal val="1"/>
+                                          </p:val>
+                                        </p:tav>
+                                      </p:tavLst>
+                                    </p:anim>
+                                    <p:anim calcmode="lin" valueType="num">
+                                      <p:cBhvr>
+                                        <p:cTn id="203" dur="164" tmFilter="0, 0; 0.125,0.2665; 0.25,0.4; 0.375,0.465; 0.5,0.5;  0.625,0.535; 0.75,0.6; 0.875,0.7335; 1,1">
+                                          <p:stCondLst>
+                                            <p:cond delay="1656"/>
+                                          </p:stCondLst>
+                                        </p:cTn>
+                                        <p:tgtEl>
+                                          <p:spTgt spid="19"/>
+                                        </p:tgtEl>
+                                        <p:attrNameLst>
+                                          <p:attrName>ppt_y</p:attrName>
+                                        </p:attrNameLst>
+                                      </p:cBhvr>
+                                      <p:tavLst>
+                                        <p:tav tm="0" fmla="#ppt_y-sin(pi*$)/81">
+                                          <p:val>
+                                            <p:fltVal val="0"/>
+                                          </p:val>
+                                        </p:tav>
+                                        <p:tav tm="100000">
+                                          <p:val>
+                                            <p:fltVal val="1"/>
+                                          </p:val>
+                                        </p:tav>
+                                      </p:tavLst>
+                                    </p:anim>
+                                    <p:animScale>
+                                      <p:cBhvr>
+                                        <p:cTn id="204" dur="26">
+                                          <p:stCondLst>
+                                            <p:cond delay="650"/>
+                                          </p:stCondLst>
+                                        </p:cTn>
+                                        <p:tgtEl>
+                                          <p:spTgt spid="19"/>
+                                        </p:tgtEl>
+                                      </p:cBhvr>
+                                      <p:to x="100000" y="60000"/>
+                                    </p:animScale>
+                                    <p:animScale>
+                                      <p:cBhvr>
+                                        <p:cTn id="205" dur="166" decel="50000">
+                                          <p:stCondLst>
+                                            <p:cond delay="676"/>
+                                          </p:stCondLst>
+                                        </p:cTn>
+                                        <p:tgtEl>
+                                          <p:spTgt spid="19"/>
+                                        </p:tgtEl>
+                                      </p:cBhvr>
+                                      <p:to x="100000" y="100000"/>
+                                    </p:animScale>
+                                    <p:animScale>
+                                      <p:cBhvr>
+                                        <p:cTn id="206" dur="26">
+                                          <p:stCondLst>
+                                            <p:cond delay="1312"/>
+                                          </p:stCondLst>
+                                        </p:cTn>
+                                        <p:tgtEl>
+                                          <p:spTgt spid="19"/>
+                                        </p:tgtEl>
+                                      </p:cBhvr>
+                                      <p:to x="100000" y="80000"/>
+                                    </p:animScale>
+                                    <p:animScale>
+                                      <p:cBhvr>
+                                        <p:cTn id="207" dur="166" decel="50000">
+                                          <p:stCondLst>
+                                            <p:cond delay="1338"/>
+                                          </p:stCondLst>
+                                        </p:cTn>
+                                        <p:tgtEl>
+                                          <p:spTgt spid="19"/>
+                                        </p:tgtEl>
+                                      </p:cBhvr>
+                                      <p:to x="100000" y="100000"/>
+                                    </p:animScale>
+                                    <p:animScale>
+                                      <p:cBhvr>
+                                        <p:cTn id="208" dur="26">
+                                          <p:stCondLst>
+                                            <p:cond delay="1642"/>
+                                          </p:stCondLst>
+                                        </p:cTn>
+                                        <p:tgtEl>
+                                          <p:spTgt spid="19"/>
+                                        </p:tgtEl>
+                                      </p:cBhvr>
+                                      <p:to x="100000" y="90000"/>
+                                    </p:animScale>
+                                    <p:animScale>
+                                      <p:cBhvr>
+                                        <p:cTn id="209" dur="166" decel="50000">
+                                          <p:stCondLst>
+                                            <p:cond delay="1668"/>
+                                          </p:stCondLst>
+                                        </p:cTn>
+                                        <p:tgtEl>
+                                          <p:spTgt spid="19"/>
+                                        </p:tgtEl>
+                                      </p:cBhvr>
+                                      <p:to x="100000" y="100000"/>
+                                    </p:animScale>
+                                    <p:animScale>
+                                      <p:cBhvr>
+                                        <p:cTn id="210" dur="26">
+                                          <p:stCondLst>
+                                            <p:cond delay="1808"/>
+                                          </p:stCondLst>
+                                        </p:cTn>
+                                        <p:tgtEl>
+                                          <p:spTgt spid="19"/>
+                                        </p:tgtEl>
+                                      </p:cBhvr>
+                                      <p:to x="100000" y="95000"/>
+                                    </p:animScale>
+                                    <p:animScale>
+                                      <p:cBhvr>
+                                        <p:cTn id="211" dur="166" decel="50000">
+                                          <p:stCondLst>
+                                            <p:cond delay="1834"/>
+                                          </p:stCondLst>
+                                        </p:cTn>
+                                        <p:tgtEl>
+                                          <p:spTgt spid="19"/>
+                                        </p:tgtEl>
+                                      </p:cBhvr>
+                                      <p:to x="100000" y="100000"/>
+                                    </p:animScale>
+                                  </p:childTnLst>
+                                </p:cTn>
+                              </p:par>
+                            </p:childTnLst>
+                          </p:cTn>
+                        </p:par>
+                      </p:childTnLst>
+                    </p:cTn>
+                  </p:par>
+                  <p:par>
+                    <p:cTn id="212" fill="hold">
+                      <p:stCondLst>
+                        <p:cond delay="indefinite"/>
+                      </p:stCondLst>
+                      <p:childTnLst>
+                        <p:par>
+                          <p:cTn id="213" fill="hold">
+                            <p:stCondLst>
+                              <p:cond delay="0"/>
+                            </p:stCondLst>
+                            <p:childTnLst>
+                              <p:par>
+                                <p:cTn id="214" presetID="42" presetClass="entr" presetSubtype="0" fill="hold" grpId="0" nodeType="clickEffect">
+                                  <p:stCondLst>
+                                    <p:cond delay="0"/>
+                                  </p:stCondLst>
+                                  <p:childTnLst>
+                                    <p:set>
+                                      <p:cBhvr>
+                                        <p:cTn id="215" dur="1" fill="hold">
+                                          <p:stCondLst>
+                                            <p:cond delay="0"/>
+                                          </p:stCondLst>
+                                        </p:cTn>
+                                        <p:tgtEl>
+                                          <p:spTgt spid="25"/>
+                                        </p:tgtEl>
+                                        <p:attrNameLst>
+                                          <p:attrName>style.visibility</p:attrName>
+                                        </p:attrNameLst>
+                                      </p:cBhvr>
+                                      <p:to>
+                                        <p:strVal val="visible"/>
+                                      </p:to>
+                                    </p:set>
+                                    <p:animEffect transition="in" filter="fade">
+                                      <p:cBhvr>
+                                        <p:cTn id="216" dur="1000"/>
+                                        <p:tgtEl>
+                                          <p:spTgt spid="25"/>
+                                        </p:tgtEl>
+                                      </p:cBhvr>
+                                    </p:animEffect>
+                                    <p:anim calcmode="lin" valueType="num">
+                                      <p:cBhvr>
+                                        <p:cTn id="217" dur="1000" fill="hold"/>
+                                        <p:tgtEl>
+                                          <p:spTgt spid="25"/>
+                                        </p:tgtEl>
+                                        <p:attrNameLst>
+                                          <p:attrName>ppt_x</p:attrName>
+                                        </p:attrNameLst>
+                                      </p:cBhvr>
+                                      <p:tavLst>
+                                        <p:tav tm="0">
+                                          <p:val>
+                                            <p:strVal val="#ppt_x"/>
+                                          </p:val>
+                                        </p:tav>
+                                        <p:tav tm="100000">
+                                          <p:val>
+                                            <p:strVal val="#ppt_x"/>
+                                          </p:val>
+                                        </p:tav>
+                                      </p:tavLst>
+                                    </p:anim>
+                                    <p:anim calcmode="lin" valueType="num">
+                                      <p:cBhvr>
+                                        <p:cTn id="218" dur="1000" fill="hold"/>
+                                        <p:tgtEl>
+                                          <p:spTgt spid="25"/>
+                                        </p:tgtEl>
+                                        <p:attrNameLst>
+                                          <p:attrName>ppt_y</p:attrName>
+                                        </p:attrNameLst>
+                                      </p:cBhvr>
+                                      <p:tavLst>
+                                        <p:tav tm="0">
+                                          <p:val>
+                                            <p:strVal val="#ppt_y+.1"/>
+                                          </p:val>
+                                        </p:tav>
+                                        <p:tav tm="100000">
+                                          <p:val>
+                                            <p:strVal val="#ppt_y"/>
+                                          </p:val>
+                                        </p:tav>
+                                      </p:tavLst>
+                                    </p:anim>
+                                  </p:childTnLst>
+                                </p:cTn>
+                              </p:par>
+                              <p:par>
+                                <p:cTn id="219" presetID="42" presetClass="entr" presetSubtype="0" fill="hold" grpId="0" nodeType="withEffect">
+                                  <p:stCondLst>
+                                    <p:cond delay="0"/>
+                                  </p:stCondLst>
+                                  <p:childTnLst>
+                                    <p:set>
+                                      <p:cBhvr>
+                                        <p:cTn id="220" dur="1" fill="hold">
+                                          <p:stCondLst>
+                                            <p:cond delay="0"/>
+                                          </p:stCondLst>
+                                        </p:cTn>
+                                        <p:tgtEl>
+                                          <p:spTgt spid="24"/>
+                                        </p:tgtEl>
+                                        <p:attrNameLst>
+                                          <p:attrName>style.visibility</p:attrName>
+                                        </p:attrNameLst>
+                                      </p:cBhvr>
+                                      <p:to>
+                                        <p:strVal val="visible"/>
+                                      </p:to>
+                                    </p:set>
+                                    <p:animEffect transition="in" filter="fade">
+                                      <p:cBhvr>
+                                        <p:cTn id="221" dur="1000"/>
+                                        <p:tgtEl>
+                                          <p:spTgt spid="24"/>
+                                        </p:tgtEl>
+                                      </p:cBhvr>
+                                    </p:animEffect>
+                                    <p:anim calcmode="lin" valueType="num">
+                                      <p:cBhvr>
+                                        <p:cTn id="222" dur="1000" fill="hold"/>
+                                        <p:tgtEl>
+                                          <p:spTgt spid="24"/>
+                                        </p:tgtEl>
+                                        <p:attrNameLst>
+                                          <p:attrName>ppt_x</p:attrName>
+                                        </p:attrNameLst>
+                                      </p:cBhvr>
+                                      <p:tavLst>
+                                        <p:tav tm="0">
+                                          <p:val>
+                                            <p:strVal val="#ppt_x"/>
+                                          </p:val>
+                                        </p:tav>
+                                        <p:tav tm="100000">
+                                          <p:val>
+                                            <p:strVal val="#ppt_x"/>
+                                          </p:val>
+                                        </p:tav>
+                                      </p:tavLst>
+                                    </p:anim>
+                                    <p:anim calcmode="lin" valueType="num">
+                                      <p:cBhvr>
+                                        <p:cTn id="223" dur="1000" fill="hold"/>
+                                        <p:tgtEl>
+                                          <p:spTgt spid="24"/>
+                                        </p:tgtEl>
+                                        <p:attrNameLst>
+                                          <p:attrName>ppt_y</p:attrName>
+                                        </p:attrNameLst>
+                                      </p:cBhvr>
+                                      <p:tavLst>
+                                        <p:tav tm="0">
+                                          <p:val>
+                                            <p:strVal val="#ppt_y+.1"/>
+                                          </p:val>
+                                        </p:tav>
+                                        <p:tav tm="100000">
+                                          <p:val>
+                                            <p:strVal val="#ppt_y"/>
+                                          </p:val>
+                                        </p:tav>
+                                      </p:tavLst>
+                                    </p:anim>
+                                  </p:childTnLst>
+                                </p:cTn>
+                              </p:par>
+                            </p:childTnLst>
+                          </p:cTn>
+                        </p:par>
+                      </p:childTnLst>
+                    </p:cTn>
+                  </p:par>
+                  <p:par>
+                    <p:cTn id="224" fill="hold">
+                      <p:stCondLst>
+                        <p:cond delay="indefinite"/>
+                      </p:stCondLst>
+                      <p:childTnLst>
+                        <p:par>
+                          <p:cTn id="225" fill="hold">
+                            <p:stCondLst>
+                              <p:cond delay="0"/>
+                            </p:stCondLst>
+                            <p:childTnLst>
+                              <p:par>
+                                <p:cTn id="226" presetID="42" presetClass="entr" presetSubtype="0" fill="hold" grpId="0" nodeType="clickEffect">
+                                  <p:stCondLst>
+                                    <p:cond delay="0"/>
+                                  </p:stCondLst>
+                                  <p:childTnLst>
+                                    <p:set>
+                                      <p:cBhvr>
+                                        <p:cTn id="227" dur="1" fill="hold">
+                                          <p:stCondLst>
+                                            <p:cond delay="0"/>
+                                          </p:stCondLst>
+                                        </p:cTn>
+                                        <p:tgtEl>
+                                          <p:spTgt spid="26"/>
+                                        </p:tgtEl>
+                                        <p:attrNameLst>
+                                          <p:attrName>style.visibility</p:attrName>
+                                        </p:attrNameLst>
+                                      </p:cBhvr>
+                                      <p:to>
+                                        <p:strVal val="visible"/>
+                                      </p:to>
+                                    </p:set>
+                                    <p:animEffect transition="in" filter="fade">
+                                      <p:cBhvr>
+                                        <p:cTn id="228" dur="1000"/>
+                                        <p:tgtEl>
+                                          <p:spTgt spid="26"/>
+                                        </p:tgtEl>
+                                      </p:cBhvr>
+                                    </p:animEffect>
+                                    <p:anim calcmode="lin" valueType="num">
+                                      <p:cBhvr>
+                                        <p:cTn id="229" dur="1000" fill="hold"/>
+                                        <p:tgtEl>
+                                          <p:spTgt spid="26"/>
+                                        </p:tgtEl>
+                                        <p:attrNameLst>
+                                          <p:attrName>ppt_x</p:attrName>
+                                        </p:attrNameLst>
+                                      </p:cBhvr>
+                                      <p:tavLst>
+                                        <p:tav tm="0">
+                                          <p:val>
+                                            <p:strVal val="#ppt_x"/>
+                                          </p:val>
+                                        </p:tav>
+                                        <p:tav tm="100000">
+                                          <p:val>
+                                            <p:strVal val="#ppt_x"/>
+                                          </p:val>
+                                        </p:tav>
+                                      </p:tavLst>
+                                    </p:anim>
+                                    <p:anim calcmode="lin" valueType="num">
+                                      <p:cBhvr>
+                                        <p:cTn id="230" dur="1000" fill="hold"/>
+                                        <p:tgtEl>
+                                          <p:spTgt spid="26"/>
+                                        </p:tgtEl>
+                                        <p:attrNameLst>
+                                          <p:attrName>ppt_y</p:attrName>
+                                        </p:attrNameLst>
+                                      </p:cBhvr>
+                                      <p:tavLst>
+                                        <p:tav tm="0">
+                                          <p:val>
+                                            <p:strVal val="#ppt_y+.1"/>
+                                          </p:val>
+                                        </p:tav>
+                                        <p:tav tm="100000">
+                                          <p:val>
+                                            <p:strVal val="#ppt_y"/>
+                                          </p:val>
+                                        </p:tav>
+                                      </p:tavLst>
+                                    </p:anim>
+                                  </p:childTnLst>
+                                </p:cTn>
+                              </p:par>
+                            </p:childTnLst>
+                          </p:cTn>
+                        </p:par>
+                      </p:childTnLst>
+                    </p:cTn>
+                  </p:par>
+                  <p:par>
+                    <p:cTn id="231" fill="hold">
+                      <p:stCondLst>
+                        <p:cond delay="indefinite"/>
+                      </p:stCondLst>
+                      <p:childTnLst>
+                        <p:par>
+                          <p:cTn id="232" fill="hold">
+                            <p:stCondLst>
+                              <p:cond delay="0"/>
+                            </p:stCondLst>
+                            <p:childTnLst>
+                              <p:par>
+                                <p:cTn id="233" presetID="53" presetClass="entr" presetSubtype="16" fill="hold" grpId="0" nodeType="clickEffect">
+                                  <p:stCondLst>
+                                    <p:cond delay="0"/>
+                                  </p:stCondLst>
+                                  <p:childTnLst>
+                                    <p:set>
+                                      <p:cBhvr>
+                                        <p:cTn id="234" dur="1" fill="hold">
+                                          <p:stCondLst>
+                                            <p:cond delay="0"/>
+                                          </p:stCondLst>
+                                        </p:cTn>
+                                        <p:tgtEl>
+                                          <p:spTgt spid="27"/>
+                                        </p:tgtEl>
+                                        <p:attrNameLst>
+                                          <p:attrName>style.visibility</p:attrName>
+                                        </p:attrNameLst>
+                                      </p:cBhvr>
+                                      <p:to>
+                                        <p:strVal val="visible"/>
+                                      </p:to>
+                                    </p:set>
+                                    <p:anim calcmode="lin" valueType="num">
+                                      <p:cBhvr>
+                                        <p:cTn id="235" dur="500" fill="hold"/>
+                                        <p:tgtEl>
+                                          <p:spTgt spid="27"/>
+                                        </p:tgtEl>
+                                        <p:attrNameLst>
+                                          <p:attrName>ppt_w</p:attrName>
+                                        </p:attrNameLst>
+                                      </p:cBhvr>
+                                      <p:tavLst>
+                                        <p:tav tm="0">
+                                          <p:val>
+                                            <p:fltVal val="0"/>
+                                          </p:val>
+                                        </p:tav>
+                                        <p:tav tm="100000">
+                                          <p:val>
+                                            <p:strVal val="#ppt_w"/>
+                                          </p:val>
+                                        </p:tav>
+                                      </p:tavLst>
+                                    </p:anim>
+                                    <p:anim calcmode="lin" valueType="num">
+                                      <p:cBhvr>
+                                        <p:cTn id="236" dur="500" fill="hold"/>
+                                        <p:tgtEl>
+                                          <p:spTgt spid="27"/>
+                                        </p:tgtEl>
+                                        <p:attrNameLst>
+                                          <p:attrName>ppt_h</p:attrName>
+                                        </p:attrNameLst>
+                                      </p:cBhvr>
+                                      <p:tavLst>
+                                        <p:tav tm="0">
+                                          <p:val>
+                                            <p:fltVal val="0"/>
+                                          </p:val>
+                                        </p:tav>
+                                        <p:tav tm="100000">
+                                          <p:val>
+                                            <p:strVal val="#ppt_h"/>
+                                          </p:val>
+                                        </p:tav>
+                                      </p:tavLst>
+                                    </p:anim>
+                                    <p:animEffect transition="in" filter="fade">
+                                      <p:cBhvr>
+                                        <p:cTn id="237" dur="500"/>
+                                        <p:tgtEl>
+                                          <p:spTgt spid="27"/>
+                                        </p:tgtEl>
+                                      </p:cBhvr>
+                                    </p:animEffect>
+                                  </p:childTnLst>
+                                </p:cTn>
+                              </p:par>
+                            </p:childTnLst>
+                          </p:cTn>
+                        </p:par>
+                      </p:childTnLst>
+                    </p:cTn>
+                  </p:par>
+                  <p:par>
+                    <p:cTn id="238" fill="hold">
+                      <p:stCondLst>
+                        <p:cond delay="indefinite"/>
+                      </p:stCondLst>
+                      <p:childTnLst>
+                        <p:par>
+                          <p:cTn id="239" fill="hold">
+                            <p:stCondLst>
+                              <p:cond delay="0"/>
+                            </p:stCondLst>
+                            <p:childTnLst>
+                              <p:par>
+                                <p:cTn id="240" presetID="10" presetClass="entr" presetSubtype="0" fill="hold" grpId="0" nodeType="clickEffect">
+                                  <p:stCondLst>
+                                    <p:cond delay="0"/>
+                                  </p:stCondLst>
+                                  <p:childTnLst>
+                                    <p:set>
+                                      <p:cBhvr>
+                                        <p:cTn id="241" dur="1" fill="hold">
+                                          <p:stCondLst>
+                                            <p:cond delay="0"/>
+                                          </p:stCondLst>
+                                        </p:cTn>
+                                        <p:tgtEl>
+                                          <p:spTgt spid="28"/>
+                                        </p:tgtEl>
+                                        <p:attrNameLst>
+                                          <p:attrName>style.visibility</p:attrName>
+                                        </p:attrNameLst>
+                                      </p:cBhvr>
+                                      <p:to>
+                                        <p:strVal val="visible"/>
+                                      </p:to>
+                                    </p:set>
+                                    <p:animEffect transition="in" filter="fade">
+                                      <p:cBhvr>
+                                        <p:cTn id="242" dur="500"/>
+                                        <p:tgtEl>
+                                          <p:spTgt spid="28"/>
+                                        </p:tgtEl>
+                                      </p:cBhvr>
+                                    </p:animEffect>
+                                  </p:childTnLst>
+                                </p:cTn>
+                              </p:par>
+                            </p:childTnLst>
+                          </p:cTn>
+                        </p:par>
+                      </p:childTnLst>
+                    </p:cTn>
+                  </p:par>
+                </p:childTnLst>
+              </p:cTn>
+              <p:prevCondLst>
+                <p:cond evt="onPrev" delay="0">
+                  <p:tgtEl>
+                    <p:sldTgt/>
+                  </p:tgtEl>
+                </p:cond>
+              </p:prevCondLst>
+              <p:nextCondLst>
+                <p:cond evt="onNext" delay="0">
+                  <p:tgtEl>
+                    <p:sldTgt/>
+                  </p:tgtEl>
+                </p:cond>
+              </p:nextCondLst>
+            </p:seq>
+          </p:childTnLst>
+        </p:cTn>
+      </p:par>
+    </p:tnLst>
+    <p:bldLst>
+      <p:bldP spid="3" grpId="0" uiExpand="1" build="p" animBg="1"/>
+      <p:bldP spid="6" grpId="0" animBg="1"/>
+      <p:bldP spid="7" grpId="0" animBg="1"/>
+      <p:bldP spid="8" grpId="0" animBg="1"/>
+      <p:bldP spid="11" grpId="0" animBg="1"/>
+      <p:bldP spid="12" grpId="0"/>
+      <p:bldP spid="15" grpId="0"/>
+      <p:bldP spid="16" grpId="0" animBg="1"/>
+      <p:bldP spid="17" grpId="0" animBg="1"/>
+      <p:bldP spid="18" grpId="0" animBg="1"/>
+      <p:bldP spid="19" grpId="0" animBg="1"/>
+      <p:bldP spid="20" grpId="0" animBg="1"/>
+      <p:bldP spid="21" grpId="0" animBg="1"/>
+      <p:bldP spid="22" grpId="0" animBg="1"/>
+      <p:bldP spid="23" grpId="0" animBg="1"/>
+      <p:bldP spid="24" grpId="0" animBg="1"/>
+      <p:bldP spid="25" grpId="0"/>
+      <p:bldP spid="26" grpId="0"/>
+      <p:bldP spid="27" grpId="0"/>
+      <p:bldP spid="28" grpId="0"/>
+    </p:bldLst>
+  </p:timing>
 </p:sld>
 </file>
 
@@ -4701,4 +11341,299 @@
     </a:ext>
   </a:extLst>
 </a:theme>
+</file>
+
+<file path=ppt/theme/theme2.xml><?xml version="1.0" encoding="utf-8"?>
+<a:theme xmlns:a="http://schemas.openxmlformats.org/drawingml/2006/main" name="Office テーマ">
+  <a:themeElements>
+    <a:clrScheme name="Office">
+      <a:dk1>
+        <a:sysClr val="windowText" lastClr="000000"/>
+      </a:dk1>
+      <a:lt1>
+        <a:sysClr val="window" lastClr="FFFFFF"/>
+      </a:lt1>
+      <a:dk2>
+        <a:srgbClr val="44546A"/>
+      </a:dk2>
+      <a:lt2>
+        <a:srgbClr val="E7E6E6"/>
+      </a:lt2>
+      <a:accent1>
+        <a:srgbClr val="4472C4"/>
+      </a:accent1>
+      <a:accent2>
+        <a:srgbClr val="ED7D31"/>
+      </a:accent2>
+      <a:accent3>
+        <a:srgbClr val="A5A5A5"/>
+      </a:accent3>
+      <a:accent4>
+        <a:srgbClr val="FFC000"/>
+      </a:accent4>
+      <a:accent5>
+        <a:srgbClr val="5B9BD5"/>
+      </a:accent5>
+      <a:accent6>
+        <a:srgbClr val="70AD47"/>
+      </a:accent6>
+      <a:hlink>
+        <a:srgbClr val="0563C1"/>
+      </a:hlink>
+      <a:folHlink>
+        <a:srgbClr val="954F72"/>
+      </a:folHlink>
+    </a:clrScheme>
+    <a:fontScheme name="Office">
+      <a:majorFont>
+        <a:latin typeface="游ゴシック Light" panose="020F0302020204030204"/>
+        <a:ea typeface=""/>
+        <a:cs typeface=""/>
+        <a:font script="Jpan" typeface="游ゴシック Light"/>
+        <a:font script="Hang" typeface="맑은 고딕"/>
+        <a:font script="Hans" typeface="等线 Light"/>
+        <a:font script="Hant" typeface="新細明體"/>
+        <a:font script="Arab" typeface="Times New Roman"/>
+        <a:font script="Hebr" typeface="Times New Roman"/>
+        <a:font script="Thai" typeface="Angsana New"/>
+        <a:font script="Ethi" typeface="Nyala"/>
+        <a:font script="Beng" typeface="Vrinda"/>
+        <a:font script="Gujr" typeface="Shruti"/>
+        <a:font script="Khmr" typeface="MoolBoran"/>
+        <a:font script="Knda" typeface="Tunga"/>
+        <a:font script="Guru" typeface="Raavi"/>
+        <a:font script="Cans" typeface="Euphemia"/>
+        <a:font script="Cher" typeface="Plantagenet Cherokee"/>
+        <a:font script="Yiii" typeface="Microsoft Yi Baiti"/>
+        <a:font script="Tibt" typeface="Microsoft Himalaya"/>
+        <a:font script="Thaa" typeface="MV Boli"/>
+        <a:font script="Deva" typeface="Mangal"/>
+        <a:font script="Telu" typeface="Gautami"/>
+        <a:font script="Taml" typeface="Latha"/>
+        <a:font script="Syrc" typeface="Estrangelo Edessa"/>
+        <a:font script="Orya" typeface="Kalinga"/>
+        <a:font script="Mlym" typeface="Kartika"/>
+        <a:font script="Laoo" typeface="DokChampa"/>
+        <a:font script="Sinh" typeface="Iskoola Pota"/>
+        <a:font script="Mong" typeface="Mongolian Baiti"/>
+        <a:font script="Viet" typeface="Times New Roman"/>
+        <a:font script="Uigh" typeface="Microsoft Uighur"/>
+        <a:font script="Geor" typeface="Sylfaen"/>
+        <a:font script="Armn" typeface="Arial"/>
+        <a:font script="Bugi" typeface="Leelawadee UI"/>
+        <a:font script="Bopo" typeface="Microsoft JhengHei"/>
+        <a:font script="Java" typeface="Javanese Text"/>
+        <a:font script="Lisu" typeface="Segoe UI"/>
+        <a:font script="Mymr" typeface="Myanmar Text"/>
+        <a:font script="Nkoo" typeface="Ebrima"/>
+        <a:font script="Olck" typeface="Nirmala UI"/>
+        <a:font script="Osma" typeface="Ebrima"/>
+        <a:font script="Phag" typeface="Phagspa"/>
+        <a:font script="Syrn" typeface="Estrangelo Edessa"/>
+        <a:font script="Syrj" typeface="Estrangelo Edessa"/>
+        <a:font script="Syre" typeface="Estrangelo Edessa"/>
+        <a:font script="Sora" typeface="Nirmala UI"/>
+        <a:font script="Tale" typeface="Microsoft Tai Le"/>
+        <a:font script="Talu" typeface="Microsoft New Tai Lue"/>
+        <a:font script="Tfng" typeface="Ebrima"/>
+      </a:majorFont>
+      <a:minorFont>
+        <a:latin typeface="游ゴシック" panose="020F0502020204030204"/>
+        <a:ea typeface=""/>
+        <a:cs typeface=""/>
+        <a:font script="Jpan" typeface="游ゴシック"/>
+        <a:font script="Hang" typeface="맑은 고딕"/>
+        <a:font script="Hans" typeface="等线"/>
+        <a:font script="Hant" typeface="新細明體"/>
+        <a:font script="Arab" typeface="Arial"/>
+        <a:font script="Hebr" typeface="Arial"/>
+        <a:font script="Thai" typeface="Cordia New"/>
+        <a:font script="Ethi" typeface="Nyala"/>
+        <a:font script="Beng" typeface="Vrinda"/>
+        <a:font script="Gujr" typeface="Shruti"/>
+        <a:font script="Khmr" typeface="DaunPenh"/>
+        <a:font script="Knda" typeface="Tunga"/>
+        <a:font script="Guru" typeface="Raavi"/>
+        <a:font script="Cans" typeface="Euphemia"/>
+        <a:font script="Cher" typeface="Plantagenet Cherokee"/>
+        <a:font script="Yiii" typeface="Microsoft Yi Baiti"/>
+        <a:font script="Tibt" typeface="Microsoft Himalaya"/>
+        <a:font script="Thaa" typeface="MV Boli"/>
+        <a:font script="Deva" typeface="Mangal"/>
+        <a:font script="Telu" typeface="Gautami"/>
+        <a:font script="Taml" typeface="Latha"/>
+        <a:font script="Syrc" typeface="Estrangelo Edessa"/>
+        <a:font script="Orya" typeface="Kalinga"/>
+        <a:font script="Mlym" typeface="Kartika"/>
+        <a:font script="Laoo" typeface="DokChampa"/>
+        <a:font script="Sinh" typeface="Iskoola Pota"/>
+        <a:font script="Mong" typeface="Mongolian Baiti"/>
+        <a:font script="Viet" typeface="Arial"/>
+        <a:font script="Uigh" typeface="Microsoft Uighur"/>
+        <a:font script="Geor" typeface="Sylfaen"/>
+        <a:font script="Armn" typeface="Arial"/>
+        <a:font script="Bugi" typeface="Leelawadee UI"/>
+        <a:font script="Bopo" typeface="Microsoft JhengHei"/>
+        <a:font script="Java" typeface="Javanese Text"/>
+        <a:font script="Lisu" typeface="Segoe UI"/>
+        <a:font script="Mymr" typeface="Myanmar Text"/>
+        <a:font script="Nkoo" typeface="Ebrima"/>
+        <a:font script="Olck" typeface="Nirmala UI"/>
+        <a:font script="Osma" typeface="Ebrima"/>
+        <a:font script="Phag" typeface="Phagspa"/>
+        <a:font script="Syrn" typeface="Estrangelo Edessa"/>
+        <a:font script="Syrj" typeface="Estrangelo Edessa"/>
+        <a:font script="Syre" typeface="Estrangelo Edessa"/>
+        <a:font script="Sora" typeface="Nirmala UI"/>
+        <a:font script="Tale" typeface="Microsoft Tai Le"/>
+        <a:font script="Talu" typeface="Microsoft New Tai Lue"/>
+        <a:font script="Tfng" typeface="Ebrima"/>
+      </a:minorFont>
+    </a:fontScheme>
+    <a:fmtScheme name="Office">
+      <a:fillStyleLst>
+        <a:solidFill>
+          <a:schemeClr val="phClr"/>
+        </a:solidFill>
+        <a:gradFill rotWithShape="1">
+          <a:gsLst>
+            <a:gs pos="0">
+              <a:schemeClr val="phClr">
+                <a:lumMod val="110000"/>
+                <a:satMod val="105000"/>
+                <a:tint val="67000"/>
+              </a:schemeClr>
+            </a:gs>
+            <a:gs pos="50000">
+              <a:schemeClr val="phClr">
+                <a:lumMod val="105000"/>
+                <a:satMod val="103000"/>
+                <a:tint val="73000"/>
+              </a:schemeClr>
+            </a:gs>
+            <a:gs pos="100000">
+              <a:schemeClr val="phClr">
+                <a:lumMod val="105000"/>
+                <a:satMod val="109000"/>
+                <a:tint val="81000"/>
+              </a:schemeClr>
+            </a:gs>
+          </a:gsLst>
+          <a:lin ang="5400000" scaled="0"/>
+        </a:gradFill>
+        <a:gradFill rotWithShape="1">
+          <a:gsLst>
+            <a:gs pos="0">
+              <a:schemeClr val="phClr">
+                <a:satMod val="103000"/>
+                <a:lumMod val="102000"/>
+                <a:tint val="94000"/>
+              </a:schemeClr>
+            </a:gs>
+            <a:gs pos="50000">
+              <a:schemeClr val="phClr">
+                <a:satMod val="110000"/>
+                <a:lumMod val="100000"/>
+                <a:shade val="100000"/>
+              </a:schemeClr>
+            </a:gs>
+            <a:gs pos="100000">
+              <a:schemeClr val="phClr">
+                <a:lumMod val="99000"/>
+                <a:satMod val="120000"/>
+                <a:shade val="78000"/>
+              </a:schemeClr>
+            </a:gs>
+          </a:gsLst>
+          <a:lin ang="5400000" scaled="0"/>
+        </a:gradFill>
+      </a:fillStyleLst>
+      <a:lnStyleLst>
+        <a:ln w="6350" cap="flat" cmpd="sng" algn="ctr">
+          <a:solidFill>
+            <a:schemeClr val="phClr"/>
+          </a:solidFill>
+          <a:prstDash val="solid"/>
+          <a:miter lim="800000"/>
+        </a:ln>
+        <a:ln w="12700" cap="flat" cmpd="sng" algn="ctr">
+          <a:solidFill>
+            <a:schemeClr val="phClr"/>
+          </a:solidFill>
+          <a:prstDash val="solid"/>
+          <a:miter lim="800000"/>
+        </a:ln>
+        <a:ln w="19050" cap="flat" cmpd="sng" algn="ctr">
+          <a:solidFill>
+            <a:schemeClr val="phClr"/>
+          </a:solidFill>
+          <a:prstDash val="solid"/>
+          <a:miter lim="800000"/>
+        </a:ln>
+      </a:lnStyleLst>
+      <a:effectStyleLst>
+        <a:effectStyle>
+          <a:effectLst/>
+        </a:effectStyle>
+        <a:effectStyle>
+          <a:effectLst/>
+        </a:effectStyle>
+        <a:effectStyle>
+          <a:effectLst>
+            <a:outerShdw blurRad="57150" dist="19050" dir="5400000" algn="ctr" rotWithShape="0">
+              <a:srgbClr val="000000">
+                <a:alpha val="63000"/>
+              </a:srgbClr>
+            </a:outerShdw>
+          </a:effectLst>
+        </a:effectStyle>
+      </a:effectStyleLst>
+      <a:bgFillStyleLst>
+        <a:solidFill>
+          <a:schemeClr val="phClr"/>
+        </a:solidFill>
+        <a:solidFill>
+          <a:schemeClr val="phClr">
+            <a:tint val="95000"/>
+            <a:satMod val="170000"/>
+          </a:schemeClr>
+        </a:solidFill>
+        <a:gradFill rotWithShape="1">
+          <a:gsLst>
+            <a:gs pos="0">
+              <a:schemeClr val="phClr">
+                <a:tint val="93000"/>
+                <a:satMod val="150000"/>
+                <a:shade val="98000"/>
+                <a:lumMod val="102000"/>
+              </a:schemeClr>
+            </a:gs>
+            <a:gs pos="50000">
+              <a:schemeClr val="phClr">
+                <a:tint val="98000"/>
+                <a:satMod val="130000"/>
+                <a:shade val="90000"/>
+                <a:lumMod val="103000"/>
+              </a:schemeClr>
+            </a:gs>
+            <a:gs pos="100000">
+              <a:schemeClr val="phClr">
+                <a:shade val="63000"/>
+                <a:satMod val="120000"/>
+              </a:schemeClr>
+            </a:gs>
+          </a:gsLst>
+          <a:lin ang="5400000" scaled="0"/>
+        </a:gradFill>
+      </a:bgFillStyleLst>
+    </a:fmtScheme>
+  </a:themeElements>
+  <a:objectDefaults/>
+  <a:extraClrSchemeLst/>
+  <a:extLst>
+    <a:ext uri="{05A4C25C-085E-4340-85A3-A5531E510DB2}">
+      <thm15:themeFamily xmlns:thm15="http://schemas.microsoft.com/office/thememl/2012/main" name="Office Theme" id="{62F939B6-93AF-4DB8-9C6B-D6C7DFDC589F}" vid="{4A3C46E8-61CC-4603-A589-7422A47A8E4A}"/>
+    </a:ext>
+  </a:extLst>
+</a:theme>
 </file>